--- a/FinalProjectPoster_Kang_Ashley.pptx
+++ b/FinalProjectPoster_Kang_Ashley.pptx
@@ -2,23 +2,23 @@
 <file path=ppt/presentation.xml><?xml version="1.0" encoding="utf-8"?>
 <p:presentation xmlns:a="http://schemas.openxmlformats.org/drawingml/2006/main" xmlns:r="http://schemas.openxmlformats.org/officeDocument/2006/relationships" xmlns:mc="http://schemas.openxmlformats.org/markup-compatibility/2006" xmlns:mv="urn:schemas-microsoft-com:mac:vml" xmlns:p="http://schemas.openxmlformats.org/presentationml/2006/main" xmlns:c="http://schemas.openxmlformats.org/drawingml/2006/chart" xmlns:dgm="http://schemas.openxmlformats.org/drawingml/2006/diagram" xmlns:o="urn:schemas-microsoft-com:office:office" xmlns:v="urn:schemas-microsoft-com:vml" xmlns:pvml="urn:schemas-microsoft-com:office:powerpoint" xmlns:com="http://schemas.openxmlformats.org/drawingml/2006/compatibility" xmlns:p14="http://schemas.microsoft.com/office/powerpoint/2010/main" xmlns:p15="http://schemas.microsoft.com/office/powerpoint/2012/main" xmlns:ahyp="http://schemas.microsoft.com/office/drawing/2018/hyperlinkcolor" autoCompressPictures="0" embedTrueTypeFonts="1" strictFirstAndLastChars="0" saveSubsetFonts="1">
   <p:sldMasterIdLst>
-    <p:sldMasterId id="2147483659" r:id="rId4"/>
+    <p:sldMasterId id="2147483659" r:id="rId5"/>
   </p:sldMasterIdLst>
   <p:notesMasterIdLst>
-    <p:notesMasterId r:id="rId5"/>
+    <p:notesMasterId r:id="rId6"/>
   </p:notesMasterIdLst>
   <p:sldIdLst>
-    <p:sldId id="256" r:id="rId6"/>
+    <p:sldId id="256" r:id="rId7"/>
   </p:sldIdLst>
   <p:sldSz cy="21945600" cx="27432000"/>
   <p:notesSz cx="6858000" cy="9144000"/>
   <p:embeddedFontLst>
     <p:embeddedFont>
-      <p:font typeface="Roboto"/>
-      <p:regular r:id="rId7"/>
-      <p:bold r:id="rId8"/>
-      <p:italic r:id="rId9"/>
-      <p:boldItalic r:id="rId10"/>
+      <p:font typeface="Merriweather"/>
+      <p:regular r:id="rId8"/>
+      <p:bold r:id="rId9"/>
+      <p:italic r:id="rId10"/>
+      <p:boldItalic r:id="rId11"/>
     </p:embeddedFont>
   </p:embeddedFontLst>
   <p:defaultTextStyle>
@@ -5520,7 +5520,7 @@
         <p:spPr>
           <a:xfrm>
             <a:off x="220950" y="129875"/>
-            <a:ext cx="26990100" cy="3598800"/>
+            <a:ext cx="26990100" cy="3009900"/>
           </a:xfrm>
           <a:prstGeom prst="roundRect">
             <a:avLst>
@@ -5578,8 +5578,8 @@
         </p:nvSpPr>
         <p:spPr>
           <a:xfrm>
-            <a:off x="4565350" y="129875"/>
-            <a:ext cx="22645800" cy="2157600"/>
+            <a:off x="3142750" y="129875"/>
+            <a:ext cx="24068400" cy="2157600"/>
           </a:xfrm>
           <a:prstGeom prst="rect">
             <a:avLst/>
@@ -5609,21 +5609,21 @@
                 <a:solidFill>
                   <a:schemeClr val="dk1"/>
                 </a:solidFill>
-                <a:latin typeface="Roboto"/>
-                <a:ea typeface="Roboto"/>
-                <a:cs typeface="Roboto"/>
-                <a:sym typeface="Roboto"/>
+                <a:latin typeface="Merriweather"/>
+                <a:ea typeface="Merriweather"/>
+                <a:cs typeface="Merriweather"/>
+                <a:sym typeface="Merriweather"/>
               </a:rPr>
-              <a:t>Bluebike Subscriber Summer Usage Pattern</a:t>
+              <a:t>Bluebike Summer Usage Pattern: </a:t>
             </a:r>
             <a:endParaRPr b="1" sz="7200">
               <a:solidFill>
                 <a:schemeClr val="dk1"/>
               </a:solidFill>
-              <a:latin typeface="Roboto"/>
-              <a:ea typeface="Roboto"/>
-              <a:cs typeface="Roboto"/>
-              <a:sym typeface="Roboto"/>
+              <a:latin typeface="Merriweather"/>
+              <a:ea typeface="Merriweather"/>
+              <a:cs typeface="Merriweather"/>
+              <a:sym typeface="Merriweather"/>
             </a:endParaRPr>
           </a:p>
           <a:p>
@@ -5637,90 +5637,63 @@
               <a:buNone/>
             </a:pPr>
             <a:r>
-              <a:rPr b="1" lang="en" sz="7200">
+              <a:rPr b="1" lang="en" sz="7000">
                 <a:solidFill>
                   <a:schemeClr val="dk1"/>
                 </a:solidFill>
-                <a:latin typeface="Roboto"/>
-                <a:ea typeface="Roboto"/>
-                <a:cs typeface="Roboto"/>
-                <a:sym typeface="Roboto"/>
+                <a:latin typeface="Merriweather"/>
+                <a:ea typeface="Merriweather"/>
+                <a:cs typeface="Merriweather"/>
+                <a:sym typeface="Merriweather"/>
               </a:rPr>
               <a:t>D</a:t>
             </a:r>
             <a:r>
-              <a:rPr b="1" lang="en" sz="7200">
+              <a:rPr b="1" lang="en" sz="7000">
                 <a:solidFill>
                   <a:schemeClr val="dk1"/>
                 </a:solidFill>
-                <a:latin typeface="Roboto"/>
-                <a:ea typeface="Roboto"/>
-                <a:cs typeface="Roboto"/>
-                <a:sym typeface="Roboto"/>
+                <a:latin typeface="Merriweather"/>
+                <a:ea typeface="Merriweather"/>
+                <a:cs typeface="Merriweather"/>
+                <a:sym typeface="Merriweather"/>
               </a:rPr>
               <a:t>eterminants</a:t>
             </a:r>
             <a:r>
-              <a:rPr b="1" lang="en" sz="7200">
+              <a:rPr b="1" lang="en" sz="7000">
                 <a:solidFill>
                   <a:schemeClr val="dk1"/>
                 </a:solidFill>
-                <a:latin typeface="Roboto"/>
-                <a:ea typeface="Roboto"/>
-                <a:cs typeface="Roboto"/>
-                <a:sym typeface="Roboto"/>
+                <a:latin typeface="Merriweather"/>
+                <a:ea typeface="Merriweather"/>
+                <a:cs typeface="Merriweather"/>
+                <a:sym typeface="Merriweather"/>
               </a:rPr>
               <a:t> of a Station’s Popularity</a:t>
             </a:r>
-            <a:endParaRPr sz="7200">
+            <a:endParaRPr sz="7000">
               <a:solidFill>
                 <a:schemeClr val="dk2"/>
               </a:solidFill>
-              <a:latin typeface="Roboto"/>
-              <a:ea typeface="Roboto"/>
-              <a:cs typeface="Roboto"/>
-              <a:sym typeface="Roboto"/>
+              <a:latin typeface="Merriweather"/>
+              <a:ea typeface="Merriweather"/>
+              <a:cs typeface="Merriweather"/>
+              <a:sym typeface="Merriweather"/>
             </a:endParaRPr>
           </a:p>
         </p:txBody>
       </p:sp>
-      <p:pic>
-        <p:nvPicPr>
-          <p:cNvPr id="57" name="Google Shape;57;p13"/>
-          <p:cNvPicPr preferRelativeResize="0"/>
-          <p:nvPr/>
-        </p:nvPicPr>
-        <p:blipFill rotWithShape="1">
-          <a:blip r:embed="rId3">
-            <a:alphaModFix/>
-          </a:blip>
-          <a:srcRect b="0" l="0" r="0" t="20527"/>
-          <a:stretch/>
-        </p:blipFill>
-        <p:spPr>
-          <a:xfrm>
-            <a:off x="432300" y="752525"/>
-            <a:ext cx="4344397" cy="2353500"/>
-          </a:xfrm>
-          <a:prstGeom prst="rect">
-            <a:avLst/>
-          </a:prstGeom>
-          <a:noFill/>
-          <a:ln>
-            <a:noFill/>
-          </a:ln>
-        </p:spPr>
-      </p:pic>
       <p:sp>
         <p:nvSpPr>
-          <p:cNvPr id="58" name="Google Shape;58;p13"/>
+          <p:cNvPr id="57" name="Google Shape;57;p13"/>
           <p:cNvSpPr/>
           <p:nvPr/>
         </p:nvSpPr>
         <p:spPr>
           <a:xfrm>
-            <a:off x="220875" y="3908200"/>
-            <a:ext cx="11852100" cy="3751500"/>
+            <a:off x="220950" y="3231875"/>
+            <a:ext cx="11821500" cy="3191100"/>
           </a:xfrm>
           <a:prstGeom prst="roundRect">
             <a:avLst>
@@ -5764,14 +5737,14 @@
       </p:sp>
       <p:sp>
         <p:nvSpPr>
-          <p:cNvPr id="59" name="Google Shape;59;p13"/>
+          <p:cNvPr id="58" name="Google Shape;58;p13"/>
           <p:cNvSpPr txBox="1"/>
           <p:nvPr/>
         </p:nvSpPr>
         <p:spPr>
           <a:xfrm>
-            <a:off x="221400" y="4552000"/>
-            <a:ext cx="11851800" cy="3107700"/>
+            <a:off x="342350" y="3767925"/>
+            <a:ext cx="11655000" cy="2655000"/>
           </a:xfrm>
           <a:prstGeom prst="rect">
             <a:avLst/>
@@ -5788,6 +5761,9 @@
           <a:lstStyle/>
           <a:p>
             <a:pPr indent="0" lvl="0" marL="0" rtl="0" algn="l">
+              <a:lnSpc>
+                <a:spcPct val="110000"/>
+              </a:lnSpc>
               <a:spcBef>
                 <a:spcPts val="0"/>
               </a:spcBef>
@@ -5797,21 +5773,32 @@
               <a:buNone/>
             </a:pPr>
             <a:r>
-              <a:rPr b="1" lang="en" sz="2400">
+              <a:rPr b="1" lang="en" sz="2500">
                 <a:solidFill>
                   <a:schemeClr val="dk1"/>
                 </a:solidFill>
+                <a:latin typeface="Times New Roman"/>
+                <a:ea typeface="Times New Roman"/>
+                <a:cs typeface="Times New Roman"/>
+                <a:sym typeface="Times New Roman"/>
               </a:rPr>
               <a:t>Background:</a:t>
             </a:r>
-            <a:endParaRPr b="1" sz="2400">
+            <a:endParaRPr b="1" sz="2500">
               <a:solidFill>
                 <a:schemeClr val="dk1"/>
               </a:solidFill>
+              <a:latin typeface="Times New Roman"/>
+              <a:ea typeface="Times New Roman"/>
+              <a:cs typeface="Times New Roman"/>
+              <a:sym typeface="Times New Roman"/>
             </a:endParaRPr>
           </a:p>
           <a:p>
             <a:pPr indent="0" lvl="0" marL="0" rtl="0" algn="l">
+              <a:lnSpc>
+                <a:spcPct val="110000"/>
+              </a:lnSpc>
               <a:spcBef>
                 <a:spcPts val="0"/>
               </a:spcBef>
@@ -5825,6 +5812,10 @@
                 <a:solidFill>
                   <a:schemeClr val="dk1"/>
                 </a:solidFill>
+                <a:latin typeface="Times New Roman"/>
+                <a:ea typeface="Times New Roman"/>
+                <a:cs typeface="Times New Roman"/>
+                <a:sym typeface="Times New Roman"/>
               </a:rPr>
               <a:t>Bluebike is a public transportation system centered in the Metro Boston area that offers users over 4,500 bikes from more than 480 stations, ranging from Arlington to Watertown.</a:t>
             </a:r>
@@ -5832,10 +5823,17 @@
               <a:solidFill>
                 <a:schemeClr val="dk1"/>
               </a:solidFill>
+              <a:latin typeface="Times New Roman"/>
+              <a:ea typeface="Times New Roman"/>
+              <a:cs typeface="Times New Roman"/>
+              <a:sym typeface="Times New Roman"/>
             </a:endParaRPr>
           </a:p>
           <a:p>
             <a:pPr indent="0" lvl="0" marL="0" rtl="0" algn="l">
+              <a:lnSpc>
+                <a:spcPct val="110000"/>
+              </a:lnSpc>
               <a:spcBef>
                 <a:spcPts val="0"/>
               </a:spcBef>
@@ -5845,40 +5843,32 @@
               <a:buNone/>
             </a:pPr>
             <a:r>
-              <a:t/>
+              <a:rPr b="1" lang="en" sz="2500">
+                <a:solidFill>
+                  <a:schemeClr val="dk1"/>
+                </a:solidFill>
+                <a:latin typeface="Times New Roman"/>
+                <a:ea typeface="Times New Roman"/>
+                <a:cs typeface="Times New Roman"/>
+                <a:sym typeface="Times New Roman"/>
+              </a:rPr>
+              <a:t>Research Question: </a:t>
             </a:r>
-            <a:endParaRPr sz="2400">
+            <a:endParaRPr b="1" sz="2500">
               <a:solidFill>
                 <a:schemeClr val="dk1"/>
               </a:solidFill>
+              <a:latin typeface="Times New Roman"/>
+              <a:ea typeface="Times New Roman"/>
+              <a:cs typeface="Times New Roman"/>
+              <a:sym typeface="Times New Roman"/>
             </a:endParaRPr>
           </a:p>
           <a:p>
             <a:pPr indent="0" lvl="0" marL="0" rtl="0" algn="l">
-              <a:spcBef>
-                <a:spcPts val="0"/>
-              </a:spcBef>
-              <a:spcAft>
-                <a:spcPts val="0"/>
-              </a:spcAft>
-              <a:buNone/>
-            </a:pPr>
-            <a:r>
-              <a:rPr b="1" lang="en" sz="2400">
-                <a:solidFill>
-                  <a:schemeClr val="dk1"/>
-                </a:solidFill>
-              </a:rPr>
-              <a:t>Research Question: </a:t>
-            </a:r>
-            <a:endParaRPr b="1" sz="2400">
-              <a:solidFill>
-                <a:schemeClr val="dk1"/>
-              </a:solidFill>
-            </a:endParaRPr>
-          </a:p>
-          <a:p>
-            <a:pPr indent="0" lvl="0" marL="0" rtl="0" algn="l">
+              <a:lnSpc>
+                <a:spcPct val="110000"/>
+              </a:lnSpc>
               <a:spcBef>
                 <a:spcPts val="0"/>
               </a:spcBef>
@@ -5892,6 +5882,10 @@
                 <a:solidFill>
                   <a:schemeClr val="dk1"/>
                 </a:solidFill>
+                <a:latin typeface="Times New Roman"/>
+                <a:ea typeface="Times New Roman"/>
+                <a:cs typeface="Times New Roman"/>
+                <a:sym typeface="Times New Roman"/>
               </a:rPr>
               <a:t>What </a:t>
             </a:r>
@@ -5900,6 +5894,10 @@
                 <a:solidFill>
                   <a:schemeClr val="dk1"/>
                 </a:solidFill>
+                <a:latin typeface="Times New Roman"/>
+                <a:ea typeface="Times New Roman"/>
+                <a:cs typeface="Times New Roman"/>
+                <a:sym typeface="Times New Roman"/>
               </a:rPr>
               <a:t>station characteristics and demographic factors</a:t>
             </a:r>
@@ -5908,6 +5906,10 @@
                 <a:solidFill>
                   <a:schemeClr val="dk1"/>
                 </a:solidFill>
+                <a:latin typeface="Times New Roman"/>
+                <a:ea typeface="Times New Roman"/>
+                <a:cs typeface="Times New Roman"/>
+                <a:sym typeface="Times New Roman"/>
               </a:rPr>
               <a:t> contribute to the popularity of Bluebike stations in Massachusetts during the summer months?</a:t>
             </a:r>
@@ -5915,78 +5917,24 @@
               <a:solidFill>
                 <a:schemeClr val="dk1"/>
               </a:solidFill>
+              <a:latin typeface="Times New Roman"/>
+              <a:ea typeface="Times New Roman"/>
+              <a:cs typeface="Times New Roman"/>
+              <a:sym typeface="Times New Roman"/>
             </a:endParaRPr>
           </a:p>
         </p:txBody>
       </p:sp>
       <p:sp>
         <p:nvSpPr>
-          <p:cNvPr id="60" name="Google Shape;60;p13"/>
+          <p:cNvPr id="59" name="Google Shape;59;p13"/>
           <p:cNvSpPr txBox="1"/>
           <p:nvPr/>
         </p:nvSpPr>
         <p:spPr>
           <a:xfrm>
-            <a:off x="221175" y="3908200"/>
-            <a:ext cx="11852100" cy="643800"/>
-          </a:xfrm>
-          <a:prstGeom prst="rect">
-            <a:avLst/>
-          </a:prstGeom>
-          <a:noFill/>
-          <a:ln>
-            <a:noFill/>
-          </a:ln>
-        </p:spPr>
-        <p:txBody>
-          <a:bodyPr anchorCtr="0" anchor="t" bIns="91425" lIns="91425" spcFirstLastPara="1" rIns="91425" wrap="square" tIns="91425">
-            <a:noAutofit/>
-          </a:bodyPr>
-          <a:lstStyle/>
-          <a:p>
-            <a:pPr indent="0" lvl="0" marL="0" rtl="0" algn="ctr">
-              <a:spcBef>
-                <a:spcPts val="0"/>
-              </a:spcBef>
-              <a:spcAft>
-                <a:spcPts val="0"/>
-              </a:spcAft>
-              <a:buNone/>
-            </a:pPr>
-            <a:r>
-              <a:rPr b="1" lang="en" sz="3600">
-                <a:solidFill>
-                  <a:schemeClr val="dk1"/>
-                </a:solidFill>
-                <a:latin typeface="Roboto"/>
-                <a:ea typeface="Roboto"/>
-                <a:cs typeface="Roboto"/>
-                <a:sym typeface="Roboto"/>
-              </a:rPr>
-              <a:t>Introduction</a:t>
-            </a:r>
-            <a:endParaRPr b="1" sz="3600">
-              <a:solidFill>
-                <a:schemeClr val="dk1"/>
-              </a:solidFill>
-              <a:latin typeface="Roboto"/>
-              <a:ea typeface="Roboto"/>
-              <a:cs typeface="Roboto"/>
-              <a:sym typeface="Roboto"/>
-            </a:endParaRPr>
-          </a:p>
-        </p:txBody>
-      </p:sp>
-      <p:sp>
-        <p:nvSpPr>
-          <p:cNvPr id="61" name="Google Shape;61;p13"/>
-          <p:cNvSpPr txBox="1"/>
-          <p:nvPr/>
-        </p:nvSpPr>
-        <p:spPr>
-          <a:xfrm>
-            <a:off x="220950" y="2287475"/>
-            <a:ext cx="26990100" cy="1401600"/>
+            <a:off x="338598" y="3300825"/>
+            <a:ext cx="11583600" cy="467100"/>
           </a:xfrm>
           <a:prstGeom prst="rect">
             <a:avLst/>
@@ -6012,75 +5960,101 @@
               <a:buNone/>
             </a:pPr>
             <a:r>
-              <a:rPr lang="en" sz="4700">
+              <a:rPr b="1" lang="en" sz="3600">
                 <a:solidFill>
                   <a:schemeClr val="dk1"/>
                 </a:solidFill>
-                <a:latin typeface="Roboto"/>
-                <a:ea typeface="Roboto"/>
-                <a:cs typeface="Roboto"/>
-                <a:sym typeface="Roboto"/>
+                <a:latin typeface="Merriweather"/>
+                <a:ea typeface="Merriweather"/>
+                <a:cs typeface="Merriweather"/>
+                <a:sym typeface="Merriweather"/>
               </a:rPr>
-              <a:t>Ashley Kang</a:t>
+              <a:t>Introduction</a:t>
             </a:r>
-            <a:endParaRPr sz="4700">
+            <a:endParaRPr b="1" sz="3600">
               <a:solidFill>
                 <a:schemeClr val="dk1"/>
               </a:solidFill>
-              <a:latin typeface="Roboto"/>
-              <a:ea typeface="Roboto"/>
-              <a:cs typeface="Roboto"/>
-              <a:sym typeface="Roboto"/>
-            </a:endParaRPr>
-          </a:p>
-          <a:p>
-            <a:pPr indent="0" lvl="0" marL="0" rtl="0" algn="ctr">
-              <a:spcBef>
-                <a:spcPts val="0"/>
-              </a:spcBef>
-              <a:spcAft>
-                <a:spcPts val="0"/>
-              </a:spcAft>
-              <a:buNone/>
-            </a:pPr>
-            <a:r>
-              <a:rPr lang="en" sz="4700">
-                <a:solidFill>
-                  <a:schemeClr val="dk1"/>
-                </a:solidFill>
-                <a:latin typeface="Roboto"/>
-                <a:ea typeface="Roboto"/>
-                <a:cs typeface="Roboto"/>
-                <a:sym typeface="Roboto"/>
-              </a:rPr>
-              <a:t>Wellesley College Class of 2025 Data Science Major Capstone</a:t>
-            </a:r>
-            <a:endParaRPr sz="4700">
-              <a:solidFill>
-                <a:schemeClr val="dk1"/>
-              </a:solidFill>
-              <a:latin typeface="Roboto"/>
-              <a:ea typeface="Roboto"/>
-              <a:cs typeface="Roboto"/>
-              <a:sym typeface="Roboto"/>
+              <a:latin typeface="Merriweather"/>
+              <a:ea typeface="Merriweather"/>
+              <a:cs typeface="Merriweather"/>
+              <a:sym typeface="Merriweather"/>
             </a:endParaRPr>
           </a:p>
         </p:txBody>
       </p:sp>
       <p:sp>
         <p:nvSpPr>
-          <p:cNvPr id="62" name="Google Shape;62;p13"/>
+          <p:cNvPr id="60" name="Google Shape;60;p13"/>
+          <p:cNvSpPr txBox="1"/>
+          <p:nvPr/>
+        </p:nvSpPr>
+        <p:spPr>
+          <a:xfrm>
+            <a:off x="3142750" y="2296935"/>
+            <a:ext cx="24068400" cy="794100"/>
+          </a:xfrm>
+          <a:prstGeom prst="rect">
+            <a:avLst/>
+          </a:prstGeom>
+          <a:noFill/>
+          <a:ln>
+            <a:noFill/>
+          </a:ln>
+        </p:spPr>
+        <p:txBody>
+          <a:bodyPr anchorCtr="0" anchor="ctr" bIns="91425" lIns="91425" spcFirstLastPara="1" rIns="91425" wrap="square" tIns="91425">
+            <a:noAutofit/>
+          </a:bodyPr>
+          <a:lstStyle/>
+          <a:p>
+            <a:pPr indent="0" lvl="0" marL="0" rtl="0" algn="ctr">
+              <a:spcBef>
+                <a:spcPts val="0"/>
+              </a:spcBef>
+              <a:spcAft>
+                <a:spcPts val="0"/>
+              </a:spcAft>
+              <a:buNone/>
+            </a:pPr>
+            <a:r>
+              <a:rPr lang="en" sz="4600">
+                <a:solidFill>
+                  <a:schemeClr val="dk1"/>
+                </a:solidFill>
+                <a:latin typeface="Merriweather"/>
+                <a:ea typeface="Merriweather"/>
+                <a:cs typeface="Merriweather"/>
+                <a:sym typeface="Merriweather"/>
+              </a:rPr>
+              <a:t>Ashley Kang Wellesley College Class of 2025 Data Science Major Capstone</a:t>
+            </a:r>
+            <a:endParaRPr sz="4600">
+              <a:solidFill>
+                <a:schemeClr val="dk1"/>
+              </a:solidFill>
+              <a:latin typeface="Merriweather"/>
+              <a:ea typeface="Merriweather"/>
+              <a:cs typeface="Merriweather"/>
+              <a:sym typeface="Merriweather"/>
+            </a:endParaRPr>
+          </a:p>
+        </p:txBody>
+      </p:sp>
+      <p:sp>
+        <p:nvSpPr>
+          <p:cNvPr id="61" name="Google Shape;61;p13"/>
           <p:cNvSpPr/>
           <p:nvPr/>
         </p:nvSpPr>
         <p:spPr>
           <a:xfrm>
-            <a:off x="12252450" y="3908200"/>
-            <a:ext cx="14919600" cy="14802600"/>
+            <a:off x="12130475" y="3231875"/>
+            <a:ext cx="15078300" cy="8015100"/>
           </a:xfrm>
           <a:prstGeom prst="roundRect">
             <a:avLst>
-              <a:gd fmla="val 4865" name="adj"/>
+              <a:gd fmla="val 1731" name="adj"/>
             </a:avLst>
           </a:prstGeom>
           <a:solidFill>
@@ -6120,18 +6094,18 @@
       </p:sp>
       <p:sp>
         <p:nvSpPr>
-          <p:cNvPr id="63" name="Google Shape;63;p13"/>
+          <p:cNvPr id="62" name="Google Shape;62;p13"/>
           <p:cNvSpPr/>
           <p:nvPr/>
         </p:nvSpPr>
         <p:spPr>
           <a:xfrm>
-            <a:off x="12213200" y="18816050"/>
-            <a:ext cx="14998200" cy="3009900"/>
+            <a:off x="12096525" y="19007675"/>
+            <a:ext cx="15117300" cy="2818200"/>
           </a:xfrm>
           <a:prstGeom prst="roundRect">
             <a:avLst>
-              <a:gd fmla="val 10266" name="adj"/>
+              <a:gd fmla="val 6971" name="adj"/>
             </a:avLst>
           </a:prstGeom>
           <a:solidFill>
@@ -6171,14 +6145,162 @@
       </p:sp>
       <p:sp>
         <p:nvSpPr>
+          <p:cNvPr id="63" name="Google Shape;63;p13"/>
+          <p:cNvSpPr txBox="1"/>
+          <p:nvPr/>
+        </p:nvSpPr>
+        <p:spPr>
+          <a:xfrm>
+            <a:off x="12098475" y="19482250"/>
+            <a:ext cx="15117300" cy="2343600"/>
+          </a:xfrm>
+          <a:prstGeom prst="rect">
+            <a:avLst/>
+          </a:prstGeom>
+          <a:noFill/>
+          <a:ln>
+            <a:noFill/>
+          </a:ln>
+        </p:spPr>
+        <p:txBody>
+          <a:bodyPr anchorCtr="0" anchor="ctr" bIns="91425" lIns="91425" spcFirstLastPara="1" rIns="91425" wrap="square" tIns="91425">
+            <a:noAutofit/>
+          </a:bodyPr>
+          <a:lstStyle/>
+          <a:p>
+            <a:pPr indent="-251459" lvl="0" marL="274320" rtl="0" algn="l">
+              <a:spcBef>
+                <a:spcPts val="0"/>
+              </a:spcBef>
+              <a:spcAft>
+                <a:spcPts val="0"/>
+              </a:spcAft>
+              <a:buClr>
+                <a:schemeClr val="dk1"/>
+              </a:buClr>
+              <a:buSzPts val="1800"/>
+              <a:buFont typeface="Times New Roman"/>
+              <a:buChar char="●"/>
+            </a:pPr>
+            <a:r>
+              <a:rPr b="1" lang="en" sz="2400">
+                <a:solidFill>
+                  <a:schemeClr val="dk1"/>
+                </a:solidFill>
+                <a:latin typeface="Times New Roman"/>
+                <a:ea typeface="Times New Roman"/>
+                <a:cs typeface="Times New Roman"/>
+                <a:sym typeface="Times New Roman"/>
+              </a:rPr>
+              <a:t>Discussion: </a:t>
+            </a:r>
+            <a:r>
+              <a:rPr lang="en" sz="2400">
+                <a:solidFill>
+                  <a:schemeClr val="dk1"/>
+                </a:solidFill>
+                <a:latin typeface="Times New Roman"/>
+                <a:ea typeface="Times New Roman"/>
+                <a:cs typeface="Times New Roman"/>
+                <a:sym typeface="Times New Roman"/>
+              </a:rPr>
+              <a:t>The weather </a:t>
+            </a:r>
+            <a:r>
+              <a:rPr lang="en" sz="2400">
+                <a:solidFill>
+                  <a:schemeClr val="dk1"/>
+                </a:solidFill>
+                <a:latin typeface="Times New Roman"/>
+                <a:ea typeface="Times New Roman"/>
+                <a:cs typeface="Times New Roman"/>
+                <a:sym typeface="Times New Roman"/>
+              </a:rPr>
+              <a:t>related</a:t>
+            </a:r>
+            <a:r>
+              <a:rPr lang="en" sz="2400">
+                <a:solidFill>
+                  <a:schemeClr val="dk1"/>
+                </a:solidFill>
+                <a:latin typeface="Times New Roman"/>
+                <a:ea typeface="Times New Roman"/>
+                <a:cs typeface="Times New Roman"/>
+                <a:sym typeface="Times New Roman"/>
+              </a:rPr>
+              <a:t> variables do not have an impact on the model. This could be due to the consistent summer temperatures over the years, as the temperature during the summer does not vary significantly over years.</a:t>
+            </a:r>
+            <a:endParaRPr sz="2400">
+              <a:solidFill>
+                <a:schemeClr val="dk1"/>
+              </a:solidFill>
+              <a:latin typeface="Times New Roman"/>
+              <a:ea typeface="Times New Roman"/>
+              <a:cs typeface="Times New Roman"/>
+              <a:sym typeface="Times New Roman"/>
+            </a:endParaRPr>
+          </a:p>
+          <a:p>
+            <a:pPr indent="-251459" lvl="0" marL="274320" rtl="0" algn="l">
+              <a:spcBef>
+                <a:spcPts val="0"/>
+              </a:spcBef>
+              <a:spcAft>
+                <a:spcPts val="0"/>
+              </a:spcAft>
+              <a:buClr>
+                <a:schemeClr val="dk1"/>
+              </a:buClr>
+              <a:buSzPts val="1800"/>
+              <a:buFont typeface="Times New Roman"/>
+              <a:buChar char="●"/>
+            </a:pPr>
+            <a:r>
+              <a:rPr b="1" lang="en" sz="2400">
+                <a:solidFill>
+                  <a:schemeClr val="dk1"/>
+                </a:solidFill>
+                <a:latin typeface="Times New Roman"/>
+                <a:ea typeface="Times New Roman"/>
+                <a:cs typeface="Times New Roman"/>
+                <a:sym typeface="Times New Roman"/>
+              </a:rPr>
+              <a:t>Limitation &amp; Future Work: </a:t>
+            </a:r>
+            <a:r>
+              <a:rPr lang="en" sz="2400">
+                <a:solidFill>
+                  <a:schemeClr val="dk1"/>
+                </a:solidFill>
+                <a:latin typeface="Times New Roman"/>
+                <a:ea typeface="Times New Roman"/>
+                <a:cs typeface="Times New Roman"/>
+                <a:sym typeface="Times New Roman"/>
+              </a:rPr>
+              <a:t>The relationship between the predictors and the outcome may be non-linear, which standard linear models may not fully capture. I will propose the Random Forests method to better capture complex, non-linear patterns in my predictors. Also for a better prediction, I can add tourist attractions as a factor since people tend to visit Boston to tour the area.</a:t>
+            </a:r>
+            <a:endParaRPr b="1" sz="2400">
+              <a:solidFill>
+                <a:schemeClr val="dk1"/>
+              </a:solidFill>
+              <a:latin typeface="Times New Roman"/>
+              <a:ea typeface="Times New Roman"/>
+              <a:cs typeface="Times New Roman"/>
+              <a:sym typeface="Times New Roman"/>
+            </a:endParaRPr>
+          </a:p>
+        </p:txBody>
+      </p:sp>
+      <p:sp>
+        <p:nvSpPr>
           <p:cNvPr id="64" name="Google Shape;64;p13"/>
           <p:cNvSpPr txBox="1"/>
           <p:nvPr/>
         </p:nvSpPr>
         <p:spPr>
           <a:xfrm>
-            <a:off x="12204625" y="18816050"/>
-            <a:ext cx="14998200" cy="530400"/>
+            <a:off x="12137675" y="19020338"/>
+            <a:ext cx="15063900" cy="562500"/>
           </a:xfrm>
           <a:prstGeom prst="rect">
             <a:avLst/>
@@ -6208,10 +6330,10 @@
                 <a:solidFill>
                   <a:schemeClr val="dk1"/>
                 </a:solidFill>
-                <a:latin typeface="Roboto"/>
-                <a:ea typeface="Roboto"/>
-                <a:cs typeface="Roboto"/>
-                <a:sym typeface="Roboto"/>
+                <a:latin typeface="Merriweather"/>
+                <a:ea typeface="Merriweather"/>
+                <a:cs typeface="Merriweather"/>
+                <a:sym typeface="Merriweather"/>
               </a:rPr>
               <a:t>Discussion and Conclusion</a:t>
             </a:r>
@@ -6219,10 +6341,10 @@
               <a:solidFill>
                 <a:schemeClr val="dk1"/>
               </a:solidFill>
-              <a:latin typeface="Roboto"/>
-              <a:ea typeface="Roboto"/>
-              <a:cs typeface="Roboto"/>
-              <a:sym typeface="Roboto"/>
+              <a:latin typeface="Merriweather"/>
+              <a:ea typeface="Merriweather"/>
+              <a:cs typeface="Merriweather"/>
+              <a:sym typeface="Merriweather"/>
             </a:endParaRPr>
           </a:p>
         </p:txBody>
@@ -6230,185 +6352,17 @@
       <p:sp>
         <p:nvSpPr>
           <p:cNvPr id="65" name="Google Shape;65;p13"/>
-          <p:cNvSpPr txBox="1"/>
-          <p:nvPr/>
-        </p:nvSpPr>
-        <p:spPr>
-          <a:xfrm>
-            <a:off x="12204625" y="3908200"/>
-            <a:ext cx="14998200" cy="794100"/>
-          </a:xfrm>
-          <a:prstGeom prst="rect">
-            <a:avLst/>
-          </a:prstGeom>
-          <a:noFill/>
-          <a:ln>
-            <a:noFill/>
-          </a:ln>
-        </p:spPr>
-        <p:txBody>
-          <a:bodyPr anchorCtr="0" anchor="t" bIns="91425" lIns="91425" spcFirstLastPara="1" rIns="91425" wrap="square" tIns="91425">
-            <a:noAutofit/>
-          </a:bodyPr>
-          <a:lstStyle/>
-          <a:p>
-            <a:pPr indent="0" lvl="0" marL="0" rtl="0" algn="ctr">
-              <a:spcBef>
-                <a:spcPts val="0"/>
-              </a:spcBef>
-              <a:spcAft>
-                <a:spcPts val="0"/>
-              </a:spcAft>
-              <a:buNone/>
-            </a:pPr>
-            <a:r>
-              <a:rPr b="1" lang="en" sz="3600">
-                <a:solidFill>
-                  <a:schemeClr val="dk1"/>
-                </a:solidFill>
-                <a:latin typeface="Roboto"/>
-                <a:ea typeface="Roboto"/>
-                <a:cs typeface="Roboto"/>
-                <a:sym typeface="Roboto"/>
-              </a:rPr>
-              <a:t>Results and Model</a:t>
-            </a:r>
-            <a:endParaRPr b="1" sz="3600">
-              <a:solidFill>
-                <a:schemeClr val="dk1"/>
-              </a:solidFill>
-              <a:latin typeface="Roboto"/>
-              <a:ea typeface="Roboto"/>
-              <a:cs typeface="Roboto"/>
-              <a:sym typeface="Roboto"/>
-            </a:endParaRPr>
-          </a:p>
-        </p:txBody>
-      </p:sp>
-      <p:sp>
-        <p:nvSpPr>
-          <p:cNvPr id="66" name="Google Shape;66;p13"/>
-          <p:cNvSpPr txBox="1"/>
-          <p:nvPr/>
-        </p:nvSpPr>
-        <p:spPr>
-          <a:xfrm>
-            <a:off x="12243925" y="19346450"/>
-            <a:ext cx="14919600" cy="2479500"/>
-          </a:xfrm>
-          <a:prstGeom prst="rect">
-            <a:avLst/>
-          </a:prstGeom>
-          <a:noFill/>
-          <a:ln>
-            <a:noFill/>
-          </a:ln>
-        </p:spPr>
-        <p:txBody>
-          <a:bodyPr anchorCtr="0" anchor="t" bIns="91425" lIns="91425" spcFirstLastPara="1" rIns="91425" wrap="square" tIns="91425">
-            <a:noAutofit/>
-          </a:bodyPr>
-          <a:lstStyle/>
-          <a:p>
-            <a:pPr indent="-381000" lvl="0" marL="457200" rtl="0" algn="l">
-              <a:spcBef>
-                <a:spcPts val="0"/>
-              </a:spcBef>
-              <a:spcAft>
-                <a:spcPts val="0"/>
-              </a:spcAft>
-              <a:buClr>
-                <a:schemeClr val="dk1"/>
-              </a:buClr>
-              <a:buSzPts val="2400"/>
-              <a:buChar char="●"/>
-            </a:pPr>
-            <a:r>
-              <a:rPr lang="en" sz="2400">
-                <a:solidFill>
-                  <a:schemeClr val="dk1"/>
-                </a:solidFill>
-              </a:rPr>
-              <a:t>The average minimum and maximum temperatures, as well as precipitation variables, do not have an impact on the model. This could be due to the consistent summer temperatures over the years, as the temperature during the summer does not vary significantly over years.</a:t>
-            </a:r>
-            <a:endParaRPr sz="2400">
-              <a:solidFill>
-                <a:schemeClr val="dk1"/>
-              </a:solidFill>
-            </a:endParaRPr>
-          </a:p>
-          <a:p>
-            <a:pPr indent="-381000" lvl="0" marL="457200" rtl="0" algn="l">
-              <a:spcBef>
-                <a:spcPts val="0"/>
-              </a:spcBef>
-              <a:spcAft>
-                <a:spcPts val="0"/>
-              </a:spcAft>
-              <a:buClr>
-                <a:schemeClr val="dk1"/>
-              </a:buClr>
-              <a:buSzPts val="2400"/>
-              <a:buChar char="●"/>
-            </a:pPr>
-            <a:r>
-              <a:rPr lang="en" sz="2400">
-                <a:solidFill>
-                  <a:schemeClr val="dk1"/>
-                </a:solidFill>
-              </a:rPr>
-              <a:t>Limitation: The relationship between the predictors and the outcome may be non-linear, which standard linear models may not fully capture.</a:t>
-            </a:r>
-            <a:endParaRPr b="1" sz="2400">
-              <a:solidFill>
-                <a:schemeClr val="dk1"/>
-              </a:solidFill>
-            </a:endParaRPr>
-          </a:p>
-          <a:p>
-            <a:pPr indent="-381000" lvl="0" marL="457200" rtl="0" algn="l">
-              <a:spcBef>
-                <a:spcPts val="0"/>
-              </a:spcBef>
-              <a:spcAft>
-                <a:spcPts val="0"/>
-              </a:spcAft>
-              <a:buClr>
-                <a:schemeClr val="dk1"/>
-              </a:buClr>
-              <a:buSzPts val="2400"/>
-              <a:buChar char="●"/>
-            </a:pPr>
-            <a:r>
-              <a:rPr lang="en" sz="2400">
-                <a:solidFill>
-                  <a:schemeClr val="dk1"/>
-                </a:solidFill>
-              </a:rPr>
-              <a:t>Future work: I can add tourist attractions as a factor since people tend to visit Boston to tour the area.</a:t>
-            </a:r>
-            <a:endParaRPr b="1" sz="2400">
-              <a:solidFill>
-                <a:schemeClr val="dk1"/>
-              </a:solidFill>
-            </a:endParaRPr>
-          </a:p>
-        </p:txBody>
-      </p:sp>
-      <p:sp>
-        <p:nvSpPr>
-          <p:cNvPr id="67" name="Google Shape;67;p13"/>
           <p:cNvSpPr/>
           <p:nvPr/>
         </p:nvSpPr>
         <p:spPr>
           <a:xfrm>
-            <a:off x="221000" y="7839225"/>
-            <a:ext cx="11852100" cy="13986600"/>
+            <a:off x="220950" y="6514275"/>
+            <a:ext cx="11821500" cy="15311700"/>
           </a:xfrm>
           <a:prstGeom prst="roundRect">
             <a:avLst>
-              <a:gd fmla="val 2499" name="adj"/>
+              <a:gd fmla="val 2283" name="adj"/>
             </a:avLst>
           </a:prstGeom>
           <a:solidFill>
@@ -6448,14 +6402,14 @@
       </p:sp>
       <p:sp>
         <p:nvSpPr>
-          <p:cNvPr id="68" name="Google Shape;68;p13"/>
+          <p:cNvPr id="66" name="Google Shape;66;p13"/>
           <p:cNvSpPr txBox="1"/>
           <p:nvPr/>
         </p:nvSpPr>
         <p:spPr>
           <a:xfrm>
-            <a:off x="221175" y="7868252"/>
-            <a:ext cx="12148800" cy="643800"/>
+            <a:off x="375412" y="6584642"/>
+            <a:ext cx="11562600" cy="621000"/>
           </a:xfrm>
           <a:prstGeom prst="rect">
             <a:avLst/>
@@ -6466,7 +6420,7 @@
           </a:ln>
         </p:spPr>
         <p:txBody>
-          <a:bodyPr anchorCtr="0" anchor="t" bIns="91425" lIns="91425" spcFirstLastPara="1" rIns="91425" wrap="square" tIns="91425">
+          <a:bodyPr anchorCtr="0" anchor="ctr" bIns="91425" lIns="91425" spcFirstLastPara="1" rIns="91425" wrap="square" tIns="91425">
             <a:noAutofit/>
           </a:bodyPr>
           <a:lstStyle/>
@@ -6485,35 +6439,35 @@
                 <a:solidFill>
                   <a:schemeClr val="dk1"/>
                 </a:solidFill>
-                <a:latin typeface="Roboto"/>
-                <a:ea typeface="Roboto"/>
-                <a:cs typeface="Roboto"/>
-                <a:sym typeface="Roboto"/>
+                <a:latin typeface="Merriweather"/>
+                <a:ea typeface="Merriweather"/>
+                <a:cs typeface="Merriweather"/>
+                <a:sym typeface="Merriweather"/>
               </a:rPr>
-              <a:t>Data and Methods</a:t>
+              <a:t>Data Cleaning</a:t>
             </a:r>
             <a:endParaRPr b="1" sz="3600">
               <a:solidFill>
                 <a:schemeClr val="dk1"/>
               </a:solidFill>
-              <a:latin typeface="Roboto"/>
-              <a:ea typeface="Roboto"/>
-              <a:cs typeface="Roboto"/>
-              <a:sym typeface="Roboto"/>
+              <a:latin typeface="Merriweather"/>
+              <a:ea typeface="Merriweather"/>
+              <a:cs typeface="Merriweather"/>
+              <a:sym typeface="Merriweather"/>
             </a:endParaRPr>
           </a:p>
         </p:txBody>
       </p:sp>
       <p:sp>
         <p:nvSpPr>
-          <p:cNvPr id="69" name="Google Shape;69;p13"/>
+          <p:cNvPr id="67" name="Google Shape;67;p13"/>
           <p:cNvSpPr txBox="1"/>
           <p:nvPr/>
         </p:nvSpPr>
         <p:spPr>
           <a:xfrm>
-            <a:off x="12213375" y="10260738"/>
-            <a:ext cx="14998200" cy="914100"/>
+            <a:off x="380325" y="6917700"/>
+            <a:ext cx="11616900" cy="9158400"/>
           </a:xfrm>
           <a:prstGeom prst="rect">
             <a:avLst/>
@@ -6530,48 +6484,998 @@
           <a:lstStyle/>
           <a:p>
             <a:pPr indent="0" lvl="0" marL="0" rtl="0" algn="l">
-              <a:spcBef>
-                <a:spcPts val="0"/>
-              </a:spcBef>
-              <a:spcAft>
-                <a:spcPts val="0"/>
-              </a:spcAft>
-              <a:buNone/>
+              <a:lnSpc>
+                <a:spcPct val="110000"/>
+              </a:lnSpc>
+              <a:spcBef>
+                <a:spcPts val="0"/>
+              </a:spcBef>
+              <a:spcAft>
+                <a:spcPts val="0"/>
+              </a:spcAft>
+              <a:buNone/>
+            </a:pPr>
+            <a:r>
+              <a:rPr b="1" lang="en" sz="2500">
+                <a:solidFill>
+                  <a:schemeClr val="dk1"/>
+                </a:solidFill>
+                <a:latin typeface="Times New Roman"/>
+                <a:ea typeface="Times New Roman"/>
+                <a:cs typeface="Times New Roman"/>
+                <a:sym typeface="Times New Roman"/>
+              </a:rPr>
+              <a:t>Sources:</a:t>
+            </a:r>
+            <a:endParaRPr b="1" sz="2500">
+              <a:solidFill>
+                <a:schemeClr val="dk1"/>
+              </a:solidFill>
+              <a:latin typeface="Times New Roman"/>
+              <a:ea typeface="Times New Roman"/>
+              <a:cs typeface="Times New Roman"/>
+              <a:sym typeface="Times New Roman"/>
+            </a:endParaRPr>
+          </a:p>
+          <a:p>
+            <a:pPr indent="-355600" lvl="0" marL="457200" rtl="0" algn="l">
+              <a:lnSpc>
+                <a:spcPct val="110000"/>
+              </a:lnSpc>
+              <a:spcBef>
+                <a:spcPts val="0"/>
+              </a:spcBef>
+              <a:spcAft>
+                <a:spcPts val="0"/>
+              </a:spcAft>
+              <a:buClr>
+                <a:schemeClr val="dk1"/>
+              </a:buClr>
+              <a:buSzPts val="2000"/>
+              <a:buFont typeface="Times New Roman"/>
+              <a:buChar char="●"/>
             </a:pPr>
             <a:r>
               <a:rPr lang="en" sz="2400">
                 <a:solidFill>
                   <a:schemeClr val="dk1"/>
                 </a:solidFill>
+                <a:latin typeface="Times New Roman"/>
+                <a:ea typeface="Times New Roman"/>
+                <a:cs typeface="Times New Roman"/>
+                <a:sym typeface="Times New Roman"/>
               </a:rPr>
-              <a:t>Based on the observations, the linear model appears to be the best model for predicting the popularity of a station, which I have defined as the total number of trips that started and ended at that station.</a:t>
+              <a:t>Bluebike Station Data</a:t>
             </a:r>
             <a:endParaRPr sz="2400">
               <a:solidFill>
                 <a:schemeClr val="dk1"/>
               </a:solidFill>
+              <a:latin typeface="Times New Roman"/>
+              <a:ea typeface="Times New Roman"/>
+              <a:cs typeface="Times New Roman"/>
+              <a:sym typeface="Times New Roman"/>
+            </a:endParaRPr>
+          </a:p>
+          <a:p>
+            <a:pPr indent="-336550" lvl="0" marL="914400" rtl="0" algn="l">
+              <a:lnSpc>
+                <a:spcPct val="110000"/>
+              </a:lnSpc>
+              <a:spcBef>
+                <a:spcPts val="0"/>
+              </a:spcBef>
+              <a:spcAft>
+                <a:spcPts val="0"/>
+              </a:spcAft>
+              <a:buClr>
+                <a:schemeClr val="dk1"/>
+              </a:buClr>
+              <a:buSzPts val="1700"/>
+              <a:buFont typeface="Times New Roman"/>
+              <a:buChar char="●"/>
+            </a:pPr>
+            <a:r>
+              <a:rPr lang="en" sz="2200">
+                <a:solidFill>
+                  <a:schemeClr val="dk1"/>
+                </a:solidFill>
+                <a:latin typeface="Times New Roman"/>
+                <a:ea typeface="Times New Roman"/>
+                <a:cs typeface="Times New Roman"/>
+                <a:sym typeface="Times New Roman"/>
+              </a:rPr>
+              <a:t>Indiv. station information: total docks, municipality, seasonal status, location (lat. / long.)</a:t>
+            </a:r>
+            <a:endParaRPr sz="2200">
+              <a:solidFill>
+                <a:schemeClr val="dk1"/>
+              </a:solidFill>
+              <a:latin typeface="Times New Roman"/>
+              <a:ea typeface="Times New Roman"/>
+              <a:cs typeface="Times New Roman"/>
+              <a:sym typeface="Times New Roman"/>
+            </a:endParaRPr>
+          </a:p>
+          <a:p>
+            <a:pPr indent="-355600" lvl="0" marL="457200" rtl="0" algn="l">
+              <a:lnSpc>
+                <a:spcPct val="110000"/>
+              </a:lnSpc>
+              <a:spcBef>
+                <a:spcPts val="0"/>
+              </a:spcBef>
+              <a:spcAft>
+                <a:spcPts val="0"/>
+              </a:spcAft>
+              <a:buClr>
+                <a:schemeClr val="dk1"/>
+              </a:buClr>
+              <a:buSzPts val="2000"/>
+              <a:buFont typeface="Times New Roman"/>
+              <a:buChar char="●"/>
+            </a:pPr>
+            <a:r>
+              <a:rPr lang="en" sz="2400">
+                <a:solidFill>
+                  <a:schemeClr val="dk1"/>
+                </a:solidFill>
+                <a:latin typeface="Times New Roman"/>
+                <a:ea typeface="Times New Roman"/>
+                <a:cs typeface="Times New Roman"/>
+                <a:sym typeface="Times New Roman"/>
+              </a:rPr>
+              <a:t>Bluebike 2020-2024 trip history for the summer months (</a:t>
+            </a:r>
+            <a:r>
+              <a:rPr lang="en" sz="2400">
+                <a:solidFill>
+                  <a:schemeClr val="dk1"/>
+                </a:solidFill>
+                <a:latin typeface="Times New Roman"/>
+                <a:ea typeface="Times New Roman"/>
+                <a:cs typeface="Times New Roman"/>
+                <a:sym typeface="Times New Roman"/>
+              </a:rPr>
+              <a:t>June</a:t>
+            </a:r>
+            <a:r>
+              <a:rPr lang="en" sz="2400">
+                <a:solidFill>
+                  <a:schemeClr val="dk1"/>
+                </a:solidFill>
+                <a:latin typeface="Times New Roman"/>
+                <a:ea typeface="Times New Roman"/>
+                <a:cs typeface="Times New Roman"/>
+                <a:sym typeface="Times New Roman"/>
+              </a:rPr>
+              <a:t> through Sept.) </a:t>
+            </a:r>
+            <a:endParaRPr sz="2400">
+              <a:solidFill>
+                <a:schemeClr val="dk1"/>
+              </a:solidFill>
+              <a:latin typeface="Times New Roman"/>
+              <a:ea typeface="Times New Roman"/>
+              <a:cs typeface="Times New Roman"/>
+              <a:sym typeface="Times New Roman"/>
+            </a:endParaRPr>
+          </a:p>
+          <a:p>
+            <a:pPr indent="-336550" lvl="0" marL="914400" marR="0" rtl="0" algn="l">
+              <a:lnSpc>
+                <a:spcPct val="110000"/>
+              </a:lnSpc>
+              <a:spcBef>
+                <a:spcPts val="0"/>
+              </a:spcBef>
+              <a:spcAft>
+                <a:spcPts val="0"/>
+              </a:spcAft>
+              <a:buClr>
+                <a:schemeClr val="dk1"/>
+              </a:buClr>
+              <a:buSzPts val="1700"/>
+              <a:buFont typeface="Times New Roman"/>
+              <a:buChar char="●"/>
+            </a:pPr>
+            <a:r>
+              <a:rPr lang="en" sz="2200">
+                <a:solidFill>
+                  <a:schemeClr val="dk1"/>
+                </a:solidFill>
+                <a:latin typeface="Times New Roman"/>
+                <a:ea typeface="Times New Roman"/>
+                <a:cs typeface="Times New Roman"/>
+                <a:sym typeface="Times New Roman"/>
+              </a:rPr>
+              <a:t>Indiv.</a:t>
+            </a:r>
+            <a:r>
+              <a:rPr lang="en" sz="2200">
+                <a:solidFill>
+                  <a:schemeClr val="dk1"/>
+                </a:solidFill>
+                <a:latin typeface="Times New Roman"/>
+                <a:ea typeface="Times New Roman"/>
+                <a:cs typeface="Times New Roman"/>
+                <a:sym typeface="Times New Roman"/>
+              </a:rPr>
+              <a:t> trip information: total duration, user’s membership status, start/end station</a:t>
+            </a:r>
+            <a:endParaRPr sz="2200">
+              <a:solidFill>
+                <a:schemeClr val="dk1"/>
+              </a:solidFill>
+              <a:latin typeface="Times New Roman"/>
+              <a:ea typeface="Times New Roman"/>
+              <a:cs typeface="Times New Roman"/>
+              <a:sym typeface="Times New Roman"/>
+            </a:endParaRPr>
+          </a:p>
+          <a:p>
+            <a:pPr indent="-355600" lvl="0" marL="457200" rtl="0" algn="l">
+              <a:lnSpc>
+                <a:spcPct val="110000"/>
+              </a:lnSpc>
+              <a:spcBef>
+                <a:spcPts val="0"/>
+              </a:spcBef>
+              <a:spcAft>
+                <a:spcPts val="0"/>
+              </a:spcAft>
+              <a:buClr>
+                <a:schemeClr val="dk1"/>
+              </a:buClr>
+              <a:buSzPts val="2000"/>
+              <a:buFont typeface="Times New Roman"/>
+              <a:buChar char="●"/>
+            </a:pPr>
+            <a:r>
+              <a:rPr lang="en" sz="2400">
+                <a:solidFill>
+                  <a:schemeClr val="dk1"/>
+                </a:solidFill>
+                <a:latin typeface="Times New Roman"/>
+                <a:ea typeface="Times New Roman"/>
+                <a:cs typeface="Times New Roman"/>
+                <a:sym typeface="Times New Roman"/>
+              </a:rPr>
+              <a:t>Higher Educational Institution Data</a:t>
+            </a:r>
+            <a:endParaRPr sz="2400">
+              <a:solidFill>
+                <a:schemeClr val="dk1"/>
+              </a:solidFill>
+              <a:latin typeface="Times New Roman"/>
+              <a:ea typeface="Times New Roman"/>
+              <a:cs typeface="Times New Roman"/>
+              <a:sym typeface="Times New Roman"/>
+            </a:endParaRPr>
+          </a:p>
+          <a:p>
+            <a:pPr indent="-336550" lvl="0" marL="914400" marR="0" rtl="0" algn="l">
+              <a:lnSpc>
+                <a:spcPct val="110000"/>
+              </a:lnSpc>
+              <a:spcBef>
+                <a:spcPts val="0"/>
+              </a:spcBef>
+              <a:spcAft>
+                <a:spcPts val="0"/>
+              </a:spcAft>
+              <a:buClr>
+                <a:schemeClr val="dk1"/>
+              </a:buClr>
+              <a:buSzPts val="1700"/>
+              <a:buFont typeface="Times New Roman"/>
+              <a:buChar char="●"/>
+            </a:pPr>
+            <a:r>
+              <a:rPr lang="en" sz="2200">
+                <a:solidFill>
+                  <a:schemeClr val="dk1"/>
+                </a:solidFill>
+                <a:latin typeface="Times New Roman"/>
+                <a:ea typeface="Times New Roman"/>
+                <a:cs typeface="Times New Roman"/>
+                <a:sym typeface="Times New Roman"/>
+              </a:rPr>
+              <a:t>US i</a:t>
+            </a:r>
+            <a:r>
+              <a:rPr lang="en" sz="2200">
+                <a:solidFill>
+                  <a:schemeClr val="dk1"/>
+                </a:solidFill>
+                <a:latin typeface="Times New Roman"/>
+                <a:ea typeface="Times New Roman"/>
+                <a:cs typeface="Times New Roman"/>
+                <a:sym typeface="Times New Roman"/>
+              </a:rPr>
+              <a:t>nstitution information: name, location (lat. / long.), state abbreviations</a:t>
+            </a:r>
+            <a:endParaRPr sz="2200">
+              <a:solidFill>
+                <a:schemeClr val="dk1"/>
+              </a:solidFill>
+              <a:latin typeface="Times New Roman"/>
+              <a:ea typeface="Times New Roman"/>
+              <a:cs typeface="Times New Roman"/>
+              <a:sym typeface="Times New Roman"/>
+            </a:endParaRPr>
+          </a:p>
+          <a:p>
+            <a:pPr indent="-355600" lvl="0" marL="457200" rtl="0" algn="l">
+              <a:lnSpc>
+                <a:spcPct val="110000"/>
+              </a:lnSpc>
+              <a:spcBef>
+                <a:spcPts val="0"/>
+              </a:spcBef>
+              <a:spcAft>
+                <a:spcPts val="0"/>
+              </a:spcAft>
+              <a:buClr>
+                <a:schemeClr val="dk1"/>
+              </a:buClr>
+              <a:buSzPts val="2000"/>
+              <a:buFont typeface="Times New Roman"/>
+              <a:buChar char="●"/>
+            </a:pPr>
+            <a:r>
+              <a:rPr lang="en" sz="2400">
+                <a:solidFill>
+                  <a:schemeClr val="dk1"/>
+                </a:solidFill>
+                <a:latin typeface="Times New Roman"/>
+                <a:ea typeface="Times New Roman"/>
+                <a:cs typeface="Times New Roman"/>
+                <a:sym typeface="Times New Roman"/>
+              </a:rPr>
+              <a:t>MBTA Train Station Data</a:t>
+            </a:r>
+            <a:endParaRPr sz="2400">
+              <a:solidFill>
+                <a:schemeClr val="dk1"/>
+              </a:solidFill>
+              <a:latin typeface="Times New Roman"/>
+              <a:ea typeface="Times New Roman"/>
+              <a:cs typeface="Times New Roman"/>
+              <a:sym typeface="Times New Roman"/>
+            </a:endParaRPr>
+          </a:p>
+          <a:p>
+            <a:pPr indent="-336550" lvl="0" marL="914400" marR="0" rtl="0" algn="l">
+              <a:lnSpc>
+                <a:spcPct val="110000"/>
+              </a:lnSpc>
+              <a:spcBef>
+                <a:spcPts val="0"/>
+              </a:spcBef>
+              <a:spcAft>
+                <a:spcPts val="0"/>
+              </a:spcAft>
+              <a:buClr>
+                <a:schemeClr val="dk1"/>
+              </a:buClr>
+              <a:buSzPts val="1700"/>
+              <a:buFont typeface="Times New Roman"/>
+              <a:buChar char="●"/>
+            </a:pPr>
+            <a:r>
+              <a:rPr lang="en" sz="2200">
+                <a:solidFill>
+                  <a:schemeClr val="dk1"/>
+                </a:solidFill>
+                <a:latin typeface="Times New Roman"/>
+                <a:ea typeface="Times New Roman"/>
+                <a:cs typeface="Times New Roman"/>
+                <a:sym typeface="Times New Roman"/>
+              </a:rPr>
+              <a:t>Individual station</a:t>
+            </a:r>
+            <a:r>
+              <a:rPr lang="en" sz="2200">
+                <a:solidFill>
+                  <a:schemeClr val="dk1"/>
+                </a:solidFill>
+                <a:latin typeface="Times New Roman"/>
+                <a:ea typeface="Times New Roman"/>
+                <a:cs typeface="Times New Roman"/>
+                <a:sym typeface="Times New Roman"/>
+              </a:rPr>
+              <a:t> information: name, location (lat. / long.)</a:t>
+            </a:r>
+            <a:endParaRPr sz="2200">
+              <a:solidFill>
+                <a:schemeClr val="dk1"/>
+              </a:solidFill>
+              <a:latin typeface="Times New Roman"/>
+              <a:ea typeface="Times New Roman"/>
+              <a:cs typeface="Times New Roman"/>
+              <a:sym typeface="Times New Roman"/>
+            </a:endParaRPr>
+          </a:p>
+          <a:p>
+            <a:pPr indent="-355600" lvl="0" marL="457200" rtl="0" algn="l">
+              <a:lnSpc>
+                <a:spcPct val="110000"/>
+              </a:lnSpc>
+              <a:spcBef>
+                <a:spcPts val="0"/>
+              </a:spcBef>
+              <a:spcAft>
+                <a:spcPts val="0"/>
+              </a:spcAft>
+              <a:buClr>
+                <a:schemeClr val="dk1"/>
+              </a:buClr>
+              <a:buSzPts val="2000"/>
+              <a:buFont typeface="Times New Roman"/>
+              <a:buChar char="●"/>
+            </a:pPr>
+            <a:r>
+              <a:rPr lang="en" sz="2400">
+                <a:solidFill>
+                  <a:schemeClr val="dk1"/>
+                </a:solidFill>
+                <a:latin typeface="Times New Roman"/>
+                <a:ea typeface="Times New Roman"/>
+                <a:cs typeface="Times New Roman"/>
+                <a:sym typeface="Times New Roman"/>
+              </a:rPr>
+              <a:t>Massachusetts Weather Data</a:t>
+            </a:r>
+            <a:endParaRPr sz="2400">
+              <a:solidFill>
+                <a:schemeClr val="dk1"/>
+              </a:solidFill>
+              <a:latin typeface="Times New Roman"/>
+              <a:ea typeface="Times New Roman"/>
+              <a:cs typeface="Times New Roman"/>
+              <a:sym typeface="Times New Roman"/>
+            </a:endParaRPr>
+          </a:p>
+          <a:p>
+            <a:pPr indent="-336550" lvl="0" marL="914400" marR="0" rtl="0" algn="l">
+              <a:lnSpc>
+                <a:spcPct val="110000"/>
+              </a:lnSpc>
+              <a:spcBef>
+                <a:spcPts val="0"/>
+              </a:spcBef>
+              <a:spcAft>
+                <a:spcPts val="0"/>
+              </a:spcAft>
+              <a:buClr>
+                <a:schemeClr val="dk1"/>
+              </a:buClr>
+              <a:buSzPts val="1700"/>
+              <a:buFont typeface="Times New Roman"/>
+              <a:buChar char="●"/>
+            </a:pPr>
+            <a:r>
+              <a:rPr lang="en" sz="2200">
+                <a:solidFill>
+                  <a:schemeClr val="dk1"/>
+                </a:solidFill>
+                <a:latin typeface="Times New Roman"/>
+                <a:ea typeface="Times New Roman"/>
+                <a:cs typeface="Times New Roman"/>
+                <a:sym typeface="Times New Roman"/>
+              </a:rPr>
+              <a:t>avg. minimum temperature, </a:t>
+            </a:r>
+            <a:r>
+              <a:rPr lang="en" sz="2200">
+                <a:solidFill>
+                  <a:schemeClr val="dk1"/>
+                </a:solidFill>
+                <a:latin typeface="Times New Roman"/>
+                <a:ea typeface="Times New Roman"/>
+                <a:cs typeface="Times New Roman"/>
+                <a:sym typeface="Times New Roman"/>
+              </a:rPr>
+              <a:t>avg. maximum temperature, avg. precipitation</a:t>
+            </a:r>
+            <a:endParaRPr sz="2200">
+              <a:solidFill>
+                <a:schemeClr val="dk1"/>
+              </a:solidFill>
+              <a:latin typeface="Times New Roman"/>
+              <a:ea typeface="Times New Roman"/>
+              <a:cs typeface="Times New Roman"/>
+              <a:sym typeface="Times New Roman"/>
+            </a:endParaRPr>
+          </a:p>
+          <a:p>
+            <a:pPr indent="-336550" lvl="0" marL="914400" marR="0" rtl="0" algn="l">
+              <a:lnSpc>
+                <a:spcPct val="110000"/>
+              </a:lnSpc>
+              <a:spcBef>
+                <a:spcPts val="0"/>
+              </a:spcBef>
+              <a:spcAft>
+                <a:spcPts val="0"/>
+              </a:spcAft>
+              <a:buClr>
+                <a:schemeClr val="dk1"/>
+              </a:buClr>
+              <a:buSzPts val="1700"/>
+              <a:buFont typeface="Times New Roman"/>
+              <a:buChar char="●"/>
+            </a:pPr>
+            <a:r>
+              <a:rPr lang="en" sz="2200">
+                <a:solidFill>
+                  <a:schemeClr val="dk1"/>
+                </a:solidFill>
+                <a:latin typeface="Times New Roman"/>
+                <a:ea typeface="Times New Roman"/>
+                <a:cs typeface="Times New Roman"/>
+                <a:sym typeface="Times New Roman"/>
+              </a:rPr>
+              <a:t>Used separate datasets (above/below the Charles) due to limited datasets</a:t>
+            </a:r>
+            <a:endParaRPr sz="2200">
+              <a:solidFill>
+                <a:schemeClr val="dk1"/>
+              </a:solidFill>
+              <a:latin typeface="Times New Roman"/>
+              <a:ea typeface="Times New Roman"/>
+              <a:cs typeface="Times New Roman"/>
+              <a:sym typeface="Times New Roman"/>
+            </a:endParaRPr>
+          </a:p>
+          <a:p>
+            <a:pPr indent="-355600" lvl="0" marL="457200" rtl="0" algn="l">
+              <a:lnSpc>
+                <a:spcPct val="110000"/>
+              </a:lnSpc>
+              <a:spcBef>
+                <a:spcPts val="0"/>
+              </a:spcBef>
+              <a:spcAft>
+                <a:spcPts val="0"/>
+              </a:spcAft>
+              <a:buClr>
+                <a:schemeClr val="dk1"/>
+              </a:buClr>
+              <a:buSzPts val="2000"/>
+              <a:buFont typeface="Times New Roman"/>
+              <a:buChar char="●"/>
+            </a:pPr>
+            <a:r>
+              <a:rPr lang="en" sz="2400">
+                <a:solidFill>
+                  <a:schemeClr val="dk1"/>
+                </a:solidFill>
+                <a:latin typeface="Times New Roman"/>
+                <a:ea typeface="Times New Roman"/>
+                <a:cs typeface="Times New Roman"/>
+                <a:sym typeface="Times New Roman"/>
+              </a:rPr>
+              <a:t>New variables: </a:t>
+            </a:r>
+            <a:endParaRPr sz="2300">
+              <a:solidFill>
+                <a:schemeClr val="dk1"/>
+              </a:solidFill>
+              <a:latin typeface="Times New Roman"/>
+              <a:ea typeface="Times New Roman"/>
+              <a:cs typeface="Times New Roman"/>
+              <a:sym typeface="Times New Roman"/>
+            </a:endParaRPr>
+          </a:p>
+          <a:p>
+            <a:pPr indent="-336550" lvl="0" marL="914400" marR="0" rtl="0" algn="l">
+              <a:lnSpc>
+                <a:spcPct val="110000"/>
+              </a:lnSpc>
+              <a:spcBef>
+                <a:spcPts val="0"/>
+              </a:spcBef>
+              <a:spcAft>
+                <a:spcPts val="0"/>
+              </a:spcAft>
+              <a:buClr>
+                <a:schemeClr val="dk1"/>
+              </a:buClr>
+              <a:buSzPts val="1700"/>
+              <a:buFont typeface="Times New Roman"/>
+              <a:buChar char="●"/>
+            </a:pPr>
+            <a:r>
+              <a:rPr lang="en" sz="2200">
+                <a:solidFill>
+                  <a:schemeClr val="dk1"/>
+                </a:solidFill>
+                <a:latin typeface="Times New Roman"/>
+                <a:ea typeface="Times New Roman"/>
+                <a:cs typeface="Times New Roman"/>
+                <a:sym typeface="Times New Roman"/>
+              </a:rPr>
+              <a:t>Trip Duration (Numeric)</a:t>
+            </a:r>
+            <a:endParaRPr sz="2200">
+              <a:solidFill>
+                <a:schemeClr val="dk1"/>
+              </a:solidFill>
+              <a:latin typeface="Times New Roman"/>
+              <a:ea typeface="Times New Roman"/>
+              <a:cs typeface="Times New Roman"/>
+              <a:sym typeface="Times New Roman"/>
+            </a:endParaRPr>
+          </a:p>
+          <a:p>
+            <a:pPr indent="-336550" lvl="0" marL="914400" marR="0" rtl="0" algn="l">
+              <a:lnSpc>
+                <a:spcPct val="110000"/>
+              </a:lnSpc>
+              <a:spcBef>
+                <a:spcPts val="0"/>
+              </a:spcBef>
+              <a:spcAft>
+                <a:spcPts val="0"/>
+              </a:spcAft>
+              <a:buClr>
+                <a:schemeClr val="dk1"/>
+              </a:buClr>
+              <a:buSzPts val="1700"/>
+              <a:buFont typeface="Times New Roman"/>
+              <a:buChar char="●"/>
+            </a:pPr>
+            <a:r>
+              <a:rPr lang="en" sz="2200">
+                <a:solidFill>
+                  <a:schemeClr val="dk1"/>
+                </a:solidFill>
+                <a:latin typeface="Times New Roman"/>
+                <a:ea typeface="Times New Roman"/>
+                <a:cs typeface="Times New Roman"/>
+                <a:sym typeface="Times New Roman"/>
+              </a:rPr>
+              <a:t>Trip Displacement (Numeric)</a:t>
+            </a:r>
+            <a:endParaRPr sz="2200">
+              <a:solidFill>
+                <a:schemeClr val="dk1"/>
+              </a:solidFill>
+              <a:latin typeface="Times New Roman"/>
+              <a:ea typeface="Times New Roman"/>
+              <a:cs typeface="Times New Roman"/>
+              <a:sym typeface="Times New Roman"/>
+            </a:endParaRPr>
+          </a:p>
+          <a:p>
+            <a:pPr indent="-336550" lvl="0" marL="914400" marR="0" rtl="0" algn="l">
+              <a:lnSpc>
+                <a:spcPct val="110000"/>
+              </a:lnSpc>
+              <a:spcBef>
+                <a:spcPts val="0"/>
+              </a:spcBef>
+              <a:spcAft>
+                <a:spcPts val="0"/>
+              </a:spcAft>
+              <a:buClr>
+                <a:schemeClr val="dk1"/>
+              </a:buClr>
+              <a:buSzPts val="1700"/>
+              <a:buFont typeface="Times New Roman"/>
+              <a:buChar char="●"/>
+            </a:pPr>
+            <a:r>
+              <a:rPr lang="en" sz="2200">
+                <a:solidFill>
+                  <a:schemeClr val="dk1"/>
+                </a:solidFill>
+                <a:latin typeface="Times New Roman"/>
+                <a:ea typeface="Times New Roman"/>
+                <a:cs typeface="Times New Roman"/>
+                <a:sym typeface="Times New Roman"/>
+              </a:rPr>
+              <a:t>Population (Numeric)</a:t>
+            </a:r>
+            <a:endParaRPr sz="2200">
+              <a:solidFill>
+                <a:schemeClr val="dk1"/>
+              </a:solidFill>
+              <a:latin typeface="Times New Roman"/>
+              <a:ea typeface="Times New Roman"/>
+              <a:cs typeface="Times New Roman"/>
+              <a:sym typeface="Times New Roman"/>
+            </a:endParaRPr>
+          </a:p>
+          <a:p>
+            <a:pPr indent="-336550" lvl="0" marL="914400" marR="0" rtl="0" algn="l">
+              <a:lnSpc>
+                <a:spcPct val="110000"/>
+              </a:lnSpc>
+              <a:spcBef>
+                <a:spcPts val="0"/>
+              </a:spcBef>
+              <a:spcAft>
+                <a:spcPts val="0"/>
+              </a:spcAft>
+              <a:buClr>
+                <a:schemeClr val="dk1"/>
+              </a:buClr>
+              <a:buSzPts val="1700"/>
+              <a:buFont typeface="Times New Roman"/>
+              <a:buChar char="●"/>
+            </a:pPr>
+            <a:r>
+              <a:rPr lang="en" sz="2200">
+                <a:solidFill>
+                  <a:schemeClr val="dk1"/>
+                </a:solidFill>
+                <a:latin typeface="Times New Roman"/>
+                <a:ea typeface="Times New Roman"/>
+                <a:cs typeface="Times New Roman"/>
+                <a:sym typeface="Times New Roman"/>
+              </a:rPr>
+              <a:t>n_institution_1km (Numeric): institutions within 1km of the station</a:t>
+            </a:r>
+            <a:endParaRPr sz="2200">
+              <a:solidFill>
+                <a:schemeClr val="dk1"/>
+              </a:solidFill>
+              <a:latin typeface="Times New Roman"/>
+              <a:ea typeface="Times New Roman"/>
+              <a:cs typeface="Times New Roman"/>
+              <a:sym typeface="Times New Roman"/>
+            </a:endParaRPr>
+          </a:p>
+          <a:p>
+            <a:pPr indent="-336550" lvl="0" marL="914400" marR="0" rtl="0" algn="l">
+              <a:lnSpc>
+                <a:spcPct val="110000"/>
+              </a:lnSpc>
+              <a:spcBef>
+                <a:spcPts val="0"/>
+              </a:spcBef>
+              <a:spcAft>
+                <a:spcPts val="0"/>
+              </a:spcAft>
+              <a:buClr>
+                <a:schemeClr val="dk1"/>
+              </a:buClr>
+              <a:buSzPts val="1700"/>
+              <a:buFont typeface="Times New Roman"/>
+              <a:buChar char="●"/>
+            </a:pPr>
+            <a:r>
+              <a:rPr lang="en" sz="2200">
+                <a:solidFill>
+                  <a:schemeClr val="dk1"/>
+                </a:solidFill>
+                <a:latin typeface="Times New Roman"/>
+                <a:ea typeface="Times New Roman"/>
+                <a:cs typeface="Times New Roman"/>
+                <a:sym typeface="Times New Roman"/>
+              </a:rPr>
+              <a:t>n_mbta_1km (Numeric): MBTA stations within 1km of the station</a:t>
+            </a:r>
+            <a:endParaRPr sz="2200">
+              <a:solidFill>
+                <a:schemeClr val="dk1"/>
+              </a:solidFill>
+              <a:latin typeface="Times New Roman"/>
+              <a:ea typeface="Times New Roman"/>
+              <a:cs typeface="Times New Roman"/>
+              <a:sym typeface="Times New Roman"/>
+            </a:endParaRPr>
+          </a:p>
+          <a:p>
+            <a:pPr indent="0" lvl="0" marL="0" rtl="0" algn="l">
+              <a:lnSpc>
+                <a:spcPct val="110000"/>
+              </a:lnSpc>
+              <a:spcBef>
+                <a:spcPts val="1000"/>
+              </a:spcBef>
+              <a:spcAft>
+                <a:spcPts val="0"/>
+              </a:spcAft>
+              <a:buNone/>
+            </a:pPr>
+            <a:r>
+              <a:rPr b="1" lang="en" sz="2400">
+                <a:solidFill>
+                  <a:schemeClr val="dk1"/>
+                </a:solidFill>
+                <a:latin typeface="Times New Roman"/>
+                <a:ea typeface="Times New Roman"/>
+                <a:cs typeface="Times New Roman"/>
+                <a:sym typeface="Times New Roman"/>
+              </a:rPr>
+              <a:t>Data Manipulation:</a:t>
+            </a:r>
+            <a:endParaRPr sz="2400">
+              <a:solidFill>
+                <a:schemeClr val="dk1"/>
+              </a:solidFill>
+              <a:latin typeface="Times New Roman"/>
+              <a:ea typeface="Times New Roman"/>
+              <a:cs typeface="Times New Roman"/>
+              <a:sym typeface="Times New Roman"/>
+            </a:endParaRPr>
+          </a:p>
+          <a:p>
+            <a:pPr indent="-355600" lvl="0" marL="457200" rtl="0" algn="l">
+              <a:lnSpc>
+                <a:spcPct val="110000"/>
+              </a:lnSpc>
+              <a:spcBef>
+                <a:spcPts val="0"/>
+              </a:spcBef>
+              <a:spcAft>
+                <a:spcPts val="0"/>
+              </a:spcAft>
+              <a:buClr>
+                <a:schemeClr val="dk1"/>
+              </a:buClr>
+              <a:buSzPts val="2000"/>
+              <a:buFont typeface="Times New Roman"/>
+              <a:buChar char="●"/>
+            </a:pPr>
+            <a:r>
+              <a:rPr lang="en" sz="2400">
+                <a:solidFill>
+                  <a:schemeClr val="dk1"/>
+                </a:solidFill>
+                <a:latin typeface="Times New Roman"/>
+                <a:ea typeface="Times New Roman"/>
+                <a:cs typeface="Times New Roman"/>
+                <a:sym typeface="Times New Roman"/>
+              </a:rPr>
+              <a:t>Dimensions: 8800 observations x (27 predictors + 1 response)</a:t>
+            </a:r>
+            <a:endParaRPr sz="2400">
+              <a:solidFill>
+                <a:schemeClr val="dk1"/>
+              </a:solidFill>
+              <a:latin typeface="Times New Roman"/>
+              <a:ea typeface="Times New Roman"/>
+              <a:cs typeface="Times New Roman"/>
+              <a:sym typeface="Times New Roman"/>
+            </a:endParaRPr>
+          </a:p>
+          <a:p>
+            <a:pPr indent="-355600" lvl="0" marL="457200" rtl="0" algn="l">
+              <a:lnSpc>
+                <a:spcPct val="110000"/>
+              </a:lnSpc>
+              <a:spcBef>
+                <a:spcPts val="0"/>
+              </a:spcBef>
+              <a:spcAft>
+                <a:spcPts val="0"/>
+              </a:spcAft>
+              <a:buClr>
+                <a:schemeClr val="dk1"/>
+              </a:buClr>
+              <a:buSzPts val="2000"/>
+              <a:buFont typeface="Times New Roman"/>
+              <a:buChar char="●"/>
+            </a:pPr>
+            <a:r>
+              <a:rPr lang="en" sz="2400">
+                <a:solidFill>
+                  <a:schemeClr val="dk1"/>
+                </a:solidFill>
+                <a:latin typeface="Times New Roman"/>
+                <a:ea typeface="Times New Roman"/>
+                <a:cs typeface="Times New Roman"/>
+                <a:sym typeface="Times New Roman"/>
+              </a:rPr>
+              <a:t>Aggregated monthly</a:t>
+            </a:r>
+            <a:endParaRPr sz="2400">
+              <a:solidFill>
+                <a:schemeClr val="dk1"/>
+              </a:solidFill>
+              <a:latin typeface="Times New Roman"/>
+              <a:ea typeface="Times New Roman"/>
+              <a:cs typeface="Times New Roman"/>
+              <a:sym typeface="Times New Roman"/>
+            </a:endParaRPr>
+          </a:p>
+          <a:p>
+            <a:pPr indent="-355600" lvl="0" marL="457200" rtl="0" algn="l">
+              <a:lnSpc>
+                <a:spcPct val="110000"/>
+              </a:lnSpc>
+              <a:spcBef>
+                <a:spcPts val="0"/>
+              </a:spcBef>
+              <a:spcAft>
+                <a:spcPts val="0"/>
+              </a:spcAft>
+              <a:buClr>
+                <a:schemeClr val="dk1"/>
+              </a:buClr>
+              <a:buSzPts val="2000"/>
+              <a:buFont typeface="Times New Roman"/>
+              <a:buChar char="●"/>
+            </a:pPr>
+            <a:r>
+              <a:rPr lang="en" sz="2400">
+                <a:solidFill>
+                  <a:schemeClr val="dk1"/>
+                </a:solidFill>
+                <a:latin typeface="Times New Roman"/>
+                <a:ea typeface="Times New Roman"/>
+                <a:cs typeface="Times New Roman"/>
+                <a:sym typeface="Times New Roman"/>
+              </a:rPr>
+              <a:t>Removed rows with missing and non-imputable station information</a:t>
+            </a:r>
+            <a:endParaRPr sz="2400">
+              <a:solidFill>
+                <a:schemeClr val="dk1"/>
+              </a:solidFill>
+              <a:latin typeface="Times New Roman"/>
+              <a:ea typeface="Times New Roman"/>
+              <a:cs typeface="Times New Roman"/>
+              <a:sym typeface="Times New Roman"/>
+            </a:endParaRPr>
+          </a:p>
+          <a:p>
+            <a:pPr indent="-355600" lvl="0" marL="457200" rtl="0" algn="l">
+              <a:lnSpc>
+                <a:spcPct val="110000"/>
+              </a:lnSpc>
+              <a:spcBef>
+                <a:spcPts val="0"/>
+              </a:spcBef>
+              <a:spcAft>
+                <a:spcPts val="0"/>
+              </a:spcAft>
+              <a:buClr>
+                <a:schemeClr val="dk1"/>
+              </a:buClr>
+              <a:buSzPts val="2000"/>
+              <a:buFont typeface="Times New Roman"/>
+              <a:buChar char="●"/>
+            </a:pPr>
+            <a:r>
+              <a:rPr lang="en" sz="2400">
+                <a:solidFill>
+                  <a:schemeClr val="dk1"/>
+                </a:solidFill>
+                <a:latin typeface="Times New Roman"/>
+                <a:ea typeface="Times New Roman"/>
+                <a:cs typeface="Times New Roman"/>
+                <a:sym typeface="Times New Roman"/>
+              </a:rPr>
+              <a:t>Tested Full, AIC, and BIC first-order models for model selection</a:t>
+            </a:r>
+            <a:endParaRPr sz="2400">
+              <a:solidFill>
+                <a:schemeClr val="dk1"/>
+              </a:solidFill>
+              <a:latin typeface="Times New Roman"/>
+              <a:ea typeface="Times New Roman"/>
+              <a:cs typeface="Times New Roman"/>
+              <a:sym typeface="Times New Roman"/>
             </a:endParaRPr>
           </a:p>
         </p:txBody>
       </p:sp>
-      <p:pic>
-        <p:nvPicPr>
-          <p:cNvPr id="70" name="Google Shape;70;p13"/>
-          <p:cNvPicPr preferRelativeResize="0"/>
+      <p:sp>
+        <p:nvSpPr>
+          <p:cNvPr id="68" name="Google Shape;68;p13"/>
+          <p:cNvSpPr txBox="1"/>
           <p:nvPr/>
-        </p:nvPicPr>
-        <p:blipFill>
-          <a:blip r:embed="rId4">
-            <a:alphaModFix/>
-          </a:blip>
-          <a:stretch>
-            <a:fillRect/>
-          </a:stretch>
-        </p:blipFill>
+        </p:nvSpPr>
         <p:spPr>
           <a:xfrm>
-            <a:off x="12953720" y="14644862"/>
-            <a:ext cx="13499994" cy="3598850"/>
+            <a:off x="12302925" y="7001250"/>
+            <a:ext cx="14771700" cy="621000"/>
           </a:xfrm>
           <a:prstGeom prst="rect">
             <a:avLst/>
@@ -6581,25 +7485,67 @@
             <a:noFill/>
           </a:ln>
         </p:spPr>
-      </p:pic>
-      <p:pic>
-        <p:nvPicPr>
-          <p:cNvPr id="71" name="Google Shape;71;p13"/>
-          <p:cNvPicPr preferRelativeResize="0"/>
+        <p:txBody>
+          <a:bodyPr anchorCtr="0" anchor="ctr" bIns="91425" lIns="91425" spcFirstLastPara="1" rIns="91425" wrap="square" tIns="91425">
+            <a:noAutofit/>
+          </a:bodyPr>
+          <a:lstStyle/>
+          <a:p>
+            <a:pPr indent="0" lvl="0" marL="0" rtl="0" algn="l">
+              <a:spcBef>
+                <a:spcPts val="0"/>
+              </a:spcBef>
+              <a:spcAft>
+                <a:spcPts val="0"/>
+              </a:spcAft>
+              <a:buNone/>
+            </a:pPr>
+            <a:r>
+              <a:rPr b="1" i="1" lang="en" sz="2200">
+                <a:solidFill>
+                  <a:schemeClr val="dk1"/>
+                </a:solidFill>
+                <a:latin typeface="Times New Roman"/>
+                <a:ea typeface="Times New Roman"/>
+                <a:cs typeface="Times New Roman"/>
+                <a:sym typeface="Times New Roman"/>
+              </a:rPr>
+              <a:t>Table 1:</a:t>
+            </a:r>
+            <a:r>
+              <a:rPr i="1" lang="en" sz="2200">
+                <a:solidFill>
+                  <a:schemeClr val="dk1"/>
+                </a:solidFill>
+                <a:latin typeface="Times New Roman"/>
+                <a:ea typeface="Times New Roman"/>
+                <a:cs typeface="Times New Roman"/>
+                <a:sym typeface="Times New Roman"/>
+              </a:rPr>
+              <a:t> Table for comparing the four models. We can see that the all three metrics don’t vary much by model, but the BIC model with the significant outliers removed tends to be slightly better. </a:t>
+            </a:r>
+            <a:endParaRPr i="1" sz="2200">
+              <a:solidFill>
+                <a:schemeClr val="dk1"/>
+              </a:solidFill>
+              <a:latin typeface="Times New Roman"/>
+              <a:ea typeface="Times New Roman"/>
+              <a:cs typeface="Times New Roman"/>
+              <a:sym typeface="Times New Roman"/>
+            </a:endParaRPr>
+          </a:p>
+        </p:txBody>
+      </p:sp>
+      <p:sp>
+        <p:nvSpPr>
+          <p:cNvPr id="69" name="Google Shape;69;p13"/>
+          <p:cNvSpPr txBox="1"/>
           <p:nvPr/>
-        </p:nvPicPr>
-        <p:blipFill>
-          <a:blip r:embed="rId5">
-            <a:alphaModFix/>
-          </a:blip>
-          <a:stretch>
-            <a:fillRect/>
-          </a:stretch>
-        </p:blipFill>
+        </p:nvSpPr>
         <p:spPr>
           <a:xfrm>
-            <a:off x="12588725" y="4551988"/>
-            <a:ext cx="14247501" cy="4738910"/>
+            <a:off x="12200962" y="17453575"/>
+            <a:ext cx="14215500" cy="467100"/>
           </a:xfrm>
           <a:prstGeom prst="rect">
             <a:avLst/>
@@ -6609,7 +7555,1873 @@
             <a:noFill/>
           </a:ln>
         </p:spPr>
-      </p:pic>
+        <p:txBody>
+          <a:bodyPr anchorCtr="0" anchor="ctr" bIns="91425" lIns="91425" spcFirstLastPara="1" rIns="91425" wrap="square" tIns="91425">
+            <a:noAutofit/>
+          </a:bodyPr>
+          <a:lstStyle/>
+          <a:p>
+            <a:pPr indent="0" lvl="0" marL="0" rtl="0" algn="ctr">
+              <a:spcBef>
+                <a:spcPts val="0"/>
+              </a:spcBef>
+              <a:spcAft>
+                <a:spcPts val="0"/>
+              </a:spcAft>
+              <a:buNone/>
+            </a:pPr>
+            <a:r>
+              <a:rPr lang="en" sz="2400">
+                <a:solidFill>
+                  <a:schemeClr val="dk1"/>
+                </a:solidFill>
+                <a:latin typeface="Times New Roman"/>
+                <a:ea typeface="Times New Roman"/>
+                <a:cs typeface="Times New Roman"/>
+                <a:sym typeface="Times New Roman"/>
+              </a:rPr>
+              <a:t>Figure 3: the The linearity and equal variance assumptions are broadly met.</a:t>
+            </a:r>
+            <a:endParaRPr sz="2400">
+              <a:solidFill>
+                <a:schemeClr val="dk1"/>
+              </a:solidFill>
+              <a:latin typeface="Times New Roman"/>
+              <a:ea typeface="Times New Roman"/>
+              <a:cs typeface="Times New Roman"/>
+              <a:sym typeface="Times New Roman"/>
+            </a:endParaRPr>
+          </a:p>
+        </p:txBody>
+      </p:sp>
+      <p:sp>
+        <p:nvSpPr>
+          <p:cNvPr id="70" name="Google Shape;70;p13"/>
+          <p:cNvSpPr txBox="1"/>
+          <p:nvPr/>
+        </p:nvSpPr>
+        <p:spPr>
+          <a:xfrm>
+            <a:off x="403950" y="20555225"/>
+            <a:ext cx="11505600" cy="1119600"/>
+          </a:xfrm>
+          <a:prstGeom prst="rect">
+            <a:avLst/>
+          </a:prstGeom>
+          <a:noFill/>
+          <a:ln>
+            <a:noFill/>
+          </a:ln>
+        </p:spPr>
+        <p:txBody>
+          <a:bodyPr anchorCtr="0" anchor="t" bIns="91425" lIns="91425" spcFirstLastPara="1" rIns="91425" wrap="square" tIns="91425">
+            <a:noAutofit/>
+          </a:bodyPr>
+          <a:lstStyle/>
+          <a:p>
+            <a:pPr indent="0" lvl="0" marL="0" rtl="0" algn="l">
+              <a:spcBef>
+                <a:spcPts val="0"/>
+              </a:spcBef>
+              <a:spcAft>
+                <a:spcPts val="0"/>
+              </a:spcAft>
+              <a:buNone/>
+            </a:pPr>
+            <a:r>
+              <a:rPr b="1" i="1" lang="en" sz="2200">
+                <a:solidFill>
+                  <a:schemeClr val="dk1"/>
+                </a:solidFill>
+                <a:latin typeface="Times New Roman"/>
+                <a:ea typeface="Times New Roman"/>
+                <a:cs typeface="Times New Roman"/>
+                <a:sym typeface="Times New Roman"/>
+              </a:rPr>
+              <a:t>Figure 1:</a:t>
+            </a:r>
+            <a:r>
+              <a:rPr i="1" lang="en" sz="2200">
+                <a:solidFill>
+                  <a:schemeClr val="dk1"/>
+                </a:solidFill>
+                <a:latin typeface="Times New Roman"/>
+                <a:ea typeface="Times New Roman"/>
+                <a:cs typeface="Times New Roman"/>
+                <a:sym typeface="Times New Roman"/>
+              </a:rPr>
+              <a:t> Barplot by municipality showing the distribution of five key factors logged along with total trips as the response variable. We can see that most of the factors are positively correlated with the response variable total_trips.</a:t>
+            </a:r>
+            <a:endParaRPr i="1" sz="2200">
+              <a:solidFill>
+                <a:schemeClr val="dk1"/>
+              </a:solidFill>
+              <a:latin typeface="Times New Roman"/>
+              <a:ea typeface="Times New Roman"/>
+              <a:cs typeface="Times New Roman"/>
+              <a:sym typeface="Times New Roman"/>
+            </a:endParaRPr>
+          </a:p>
+        </p:txBody>
+      </p:sp>
+      <p:graphicFrame>
+        <p:nvGraphicFramePr>
+          <p:cNvPr id="71" name="Google Shape;71;p13"/>
+          <p:cNvGraphicFramePr/>
+          <p:nvPr/>
+        </p:nvGraphicFramePr>
+        <p:xfrm>
+          <a:off x="12470163" y="4618275"/>
+          <a:ext cx="3000000" cy="3000000"/>
+        </p:xfrm>
+        <a:graphic>
+          <a:graphicData uri="http://schemas.openxmlformats.org/drawingml/2006/table">
+            <a:tbl>
+              <a:tblPr>
+                <a:noFill/>
+                <a:tableStyleId>{139D3AC5-8908-4B74-92D6-4A814344356D}</a:tableStyleId>
+              </a:tblPr>
+              <a:tblGrid>
+                <a:gridCol w="2771950"/>
+                <a:gridCol w="3228400"/>
+                <a:gridCol w="2293450"/>
+                <a:gridCol w="2153950"/>
+                <a:gridCol w="4152075"/>
+              </a:tblGrid>
+              <a:tr h="381000">
+                <a:tc>
+                  <a:txBody>
+                    <a:bodyPr/>
+                    <a:lstStyle/>
+                    <a:p>
+                      <a:pPr indent="0" lvl="0" marL="0" rtl="0" algn="l">
+                        <a:lnSpc>
+                          <a:spcPct val="80000"/>
+                        </a:lnSpc>
+                        <a:spcBef>
+                          <a:spcPts val="0"/>
+                        </a:spcBef>
+                        <a:spcAft>
+                          <a:spcPts val="0"/>
+                        </a:spcAft>
+                        <a:buNone/>
+                      </a:pPr>
+                      <a:r>
+                        <a:t/>
+                      </a:r>
+                      <a:endParaRPr sz="2200"/>
+                    </a:p>
+                  </a:txBody>
+                  <a:tcPr marT="91425" marB="91425" marR="91425" marL="91425" anchor="ctr">
+                    <a:lnL cap="flat" cmpd="sng" w="19050">
+                      <a:solidFill>
+                        <a:schemeClr val="dk1">
+                          <a:alpha val="0"/>
+                        </a:schemeClr>
+                      </a:solidFill>
+                      <a:prstDash val="solid"/>
+                      <a:round/>
+                      <a:headEnd len="sm" w="sm" type="none"/>
+                      <a:tailEnd len="sm" w="sm" type="none"/>
+                    </a:lnL>
+                    <a:lnR cap="flat" cmpd="sng" w="19050">
+                      <a:solidFill>
+                        <a:schemeClr val="dk1"/>
+                      </a:solidFill>
+                      <a:prstDash val="solid"/>
+                      <a:round/>
+                      <a:headEnd len="sm" w="sm" type="none"/>
+                      <a:tailEnd len="sm" w="sm" type="none"/>
+                    </a:lnR>
+                    <a:lnT cap="flat" cmpd="sng" w="19050">
+                      <a:solidFill>
+                        <a:schemeClr val="dk1">
+                          <a:alpha val="0"/>
+                        </a:schemeClr>
+                      </a:solidFill>
+                      <a:prstDash val="solid"/>
+                      <a:round/>
+                      <a:headEnd len="sm" w="sm" type="none"/>
+                      <a:tailEnd len="sm" w="sm" type="none"/>
+                    </a:lnT>
+                    <a:lnB cap="flat" cmpd="sng" w="19050">
+                      <a:solidFill>
+                        <a:schemeClr val="dk1"/>
+                      </a:solidFill>
+                      <a:prstDash val="solid"/>
+                      <a:round/>
+                      <a:headEnd len="sm" w="sm" type="none"/>
+                      <a:tailEnd len="sm" w="sm" type="none"/>
+                    </a:lnB>
+                  </a:tcPr>
+                </a:tc>
+                <a:tc>
+                  <a:txBody>
+                    <a:bodyPr/>
+                    <a:lstStyle/>
+                    <a:p>
+                      <a:pPr indent="0" lvl="0" marL="0" rtl="0" algn="l">
+                        <a:lnSpc>
+                          <a:spcPct val="80000"/>
+                        </a:lnSpc>
+                        <a:spcBef>
+                          <a:spcPts val="0"/>
+                        </a:spcBef>
+                        <a:spcAft>
+                          <a:spcPts val="0"/>
+                        </a:spcAft>
+                        <a:buNone/>
+                      </a:pPr>
+                      <a:r>
+                        <a:rPr b="1" lang="en" sz="2200"/>
+                        <a:t>Full Linear Model</a:t>
+                      </a:r>
+                      <a:endParaRPr b="1" sz="2200"/>
+                    </a:p>
+                  </a:txBody>
+                  <a:tcPr marT="91425" marB="91425" marR="91425" marL="91425" anchor="ctr">
+                    <a:lnL cap="flat" cmpd="sng" w="19050">
+                      <a:solidFill>
+                        <a:schemeClr val="dk1"/>
+                      </a:solidFill>
+                      <a:prstDash val="solid"/>
+                      <a:round/>
+                      <a:headEnd len="sm" w="sm" type="none"/>
+                      <a:tailEnd len="sm" w="sm" type="none"/>
+                    </a:lnL>
+                    <a:lnR cap="flat" cmpd="sng" w="19050">
+                      <a:solidFill>
+                        <a:schemeClr val="dk1"/>
+                      </a:solidFill>
+                      <a:prstDash val="solid"/>
+                      <a:round/>
+                      <a:headEnd len="sm" w="sm" type="none"/>
+                      <a:tailEnd len="sm" w="sm" type="none"/>
+                    </a:lnR>
+                    <a:lnT cap="flat" cmpd="sng" w="19050">
+                      <a:solidFill>
+                        <a:schemeClr val="dk1"/>
+                      </a:solidFill>
+                      <a:prstDash val="solid"/>
+                      <a:round/>
+                      <a:headEnd len="sm" w="sm" type="none"/>
+                      <a:tailEnd len="sm" w="sm" type="none"/>
+                    </a:lnT>
+                    <a:lnB cap="flat" cmpd="sng" w="19050">
+                      <a:solidFill>
+                        <a:schemeClr val="dk1"/>
+                      </a:solidFill>
+                      <a:prstDash val="solid"/>
+                      <a:round/>
+                      <a:headEnd len="sm" w="sm" type="none"/>
+                      <a:tailEnd len="sm" w="sm" type="none"/>
+                    </a:lnB>
+                    <a:solidFill>
+                      <a:srgbClr val="4FA8F7"/>
+                    </a:solidFill>
+                  </a:tcPr>
+                </a:tc>
+                <a:tc>
+                  <a:txBody>
+                    <a:bodyPr/>
+                    <a:lstStyle/>
+                    <a:p>
+                      <a:pPr indent="0" lvl="0" marL="0" rtl="0" algn="l">
+                        <a:lnSpc>
+                          <a:spcPct val="80000"/>
+                        </a:lnSpc>
+                        <a:spcBef>
+                          <a:spcPts val="0"/>
+                        </a:spcBef>
+                        <a:spcAft>
+                          <a:spcPts val="0"/>
+                        </a:spcAft>
+                        <a:buNone/>
+                      </a:pPr>
+                      <a:r>
+                        <a:rPr b="1" lang="en" sz="2200"/>
+                        <a:t>AIC</a:t>
+                      </a:r>
+                      <a:endParaRPr b="1" sz="2200"/>
+                    </a:p>
+                  </a:txBody>
+                  <a:tcPr marT="91425" marB="91425" marR="91425" marL="91425" anchor="ctr">
+                    <a:lnL cap="flat" cmpd="sng" w="19050">
+                      <a:solidFill>
+                        <a:schemeClr val="dk1"/>
+                      </a:solidFill>
+                      <a:prstDash val="solid"/>
+                      <a:round/>
+                      <a:headEnd len="sm" w="sm" type="none"/>
+                      <a:tailEnd len="sm" w="sm" type="none"/>
+                    </a:lnL>
+                    <a:lnR cap="flat" cmpd="sng" w="19050">
+                      <a:solidFill>
+                        <a:schemeClr val="dk1"/>
+                      </a:solidFill>
+                      <a:prstDash val="solid"/>
+                      <a:round/>
+                      <a:headEnd len="sm" w="sm" type="none"/>
+                      <a:tailEnd len="sm" w="sm" type="none"/>
+                    </a:lnR>
+                    <a:lnT cap="flat" cmpd="sng" w="19050">
+                      <a:solidFill>
+                        <a:schemeClr val="dk1"/>
+                      </a:solidFill>
+                      <a:prstDash val="solid"/>
+                      <a:round/>
+                      <a:headEnd len="sm" w="sm" type="none"/>
+                      <a:tailEnd len="sm" w="sm" type="none"/>
+                    </a:lnT>
+                    <a:lnB cap="flat" cmpd="sng" w="19050">
+                      <a:solidFill>
+                        <a:schemeClr val="dk1"/>
+                      </a:solidFill>
+                      <a:prstDash val="solid"/>
+                      <a:round/>
+                      <a:headEnd len="sm" w="sm" type="none"/>
+                      <a:tailEnd len="sm" w="sm" type="none"/>
+                    </a:lnB>
+                    <a:solidFill>
+                      <a:srgbClr val="4FA8F7"/>
+                    </a:solidFill>
+                  </a:tcPr>
+                </a:tc>
+                <a:tc>
+                  <a:txBody>
+                    <a:bodyPr/>
+                    <a:lstStyle/>
+                    <a:p>
+                      <a:pPr indent="0" lvl="0" marL="0" marR="0" rtl="0" algn="l">
+                        <a:lnSpc>
+                          <a:spcPct val="80000"/>
+                        </a:lnSpc>
+                        <a:spcBef>
+                          <a:spcPts val="0"/>
+                        </a:spcBef>
+                        <a:spcAft>
+                          <a:spcPts val="0"/>
+                        </a:spcAft>
+                        <a:buNone/>
+                      </a:pPr>
+                      <a:r>
+                        <a:rPr b="1" lang="en" sz="2200"/>
+                        <a:t>BIC</a:t>
+                      </a:r>
+                      <a:endParaRPr b="1" sz="2200"/>
+                    </a:p>
+                  </a:txBody>
+                  <a:tcPr marT="91425" marB="91425" marR="91425" marL="91425" anchor="ctr">
+                    <a:lnL cap="flat" cmpd="sng" w="19050">
+                      <a:solidFill>
+                        <a:schemeClr val="dk1"/>
+                      </a:solidFill>
+                      <a:prstDash val="solid"/>
+                      <a:round/>
+                      <a:headEnd len="sm" w="sm" type="none"/>
+                      <a:tailEnd len="sm" w="sm" type="none"/>
+                    </a:lnL>
+                    <a:lnR cap="flat" cmpd="sng" w="19050">
+                      <a:solidFill>
+                        <a:schemeClr val="dk1"/>
+                      </a:solidFill>
+                      <a:prstDash val="solid"/>
+                      <a:round/>
+                      <a:headEnd len="sm" w="sm" type="none"/>
+                      <a:tailEnd len="sm" w="sm" type="none"/>
+                    </a:lnR>
+                    <a:lnT cap="flat" cmpd="sng" w="19050">
+                      <a:solidFill>
+                        <a:schemeClr val="dk1"/>
+                      </a:solidFill>
+                      <a:prstDash val="solid"/>
+                      <a:round/>
+                      <a:headEnd len="sm" w="sm" type="none"/>
+                      <a:tailEnd len="sm" w="sm" type="none"/>
+                    </a:lnT>
+                    <a:lnB cap="flat" cmpd="sng" w="19050">
+                      <a:solidFill>
+                        <a:schemeClr val="dk1"/>
+                      </a:solidFill>
+                      <a:prstDash val="solid"/>
+                      <a:round/>
+                      <a:headEnd len="sm" w="sm" type="none"/>
+                      <a:tailEnd len="sm" w="sm" type="none"/>
+                    </a:lnB>
+                    <a:solidFill>
+                      <a:srgbClr val="4FA8F7"/>
+                    </a:solidFill>
+                  </a:tcPr>
+                </a:tc>
+                <a:tc>
+                  <a:txBody>
+                    <a:bodyPr/>
+                    <a:lstStyle/>
+                    <a:p>
+                      <a:pPr indent="0" lvl="0" marL="0" marR="0" rtl="0" algn="l">
+                        <a:lnSpc>
+                          <a:spcPct val="80000"/>
+                        </a:lnSpc>
+                        <a:spcBef>
+                          <a:spcPts val="0"/>
+                        </a:spcBef>
+                        <a:spcAft>
+                          <a:spcPts val="0"/>
+                        </a:spcAft>
+                        <a:buNone/>
+                      </a:pPr>
+                      <a:r>
+                        <a:rPr b="1" lang="en" sz="2200">
+                          <a:solidFill>
+                            <a:schemeClr val="dk1"/>
+                          </a:solidFill>
+                        </a:rPr>
+                        <a:t>BIC outliers Removed</a:t>
+                      </a:r>
+                      <a:endParaRPr b="1" sz="2200">
+                        <a:solidFill>
+                          <a:schemeClr val="dk1"/>
+                        </a:solidFill>
+                      </a:endParaRPr>
+                    </a:p>
+                  </a:txBody>
+                  <a:tcPr marT="91425" marB="91425" marR="91425" marL="91425" anchor="ctr">
+                    <a:lnL cap="flat" cmpd="sng" w="19050">
+                      <a:solidFill>
+                        <a:schemeClr val="dk1"/>
+                      </a:solidFill>
+                      <a:prstDash val="solid"/>
+                      <a:round/>
+                      <a:headEnd len="sm" w="sm" type="none"/>
+                      <a:tailEnd len="sm" w="sm" type="none"/>
+                    </a:lnL>
+                    <a:lnR cap="flat" cmpd="sng" w="19050">
+                      <a:solidFill>
+                        <a:schemeClr val="dk1"/>
+                      </a:solidFill>
+                      <a:prstDash val="solid"/>
+                      <a:round/>
+                      <a:headEnd len="sm" w="sm" type="none"/>
+                      <a:tailEnd len="sm" w="sm" type="none"/>
+                    </a:lnR>
+                    <a:lnT cap="flat" cmpd="sng" w="19050">
+                      <a:solidFill>
+                        <a:schemeClr val="dk1"/>
+                      </a:solidFill>
+                      <a:prstDash val="solid"/>
+                      <a:round/>
+                      <a:headEnd len="sm" w="sm" type="none"/>
+                      <a:tailEnd len="sm" w="sm" type="none"/>
+                    </a:lnT>
+                    <a:lnB cap="flat" cmpd="sng" w="19050">
+                      <a:solidFill>
+                        <a:schemeClr val="dk1"/>
+                      </a:solidFill>
+                      <a:prstDash val="solid"/>
+                      <a:round/>
+                      <a:headEnd len="sm" w="sm" type="none"/>
+                      <a:tailEnd len="sm" w="sm" type="none"/>
+                    </a:lnB>
+                    <a:solidFill>
+                      <a:srgbClr val="4FA8F7"/>
+                    </a:solidFill>
+                  </a:tcPr>
+                </a:tc>
+              </a:tr>
+              <a:tr h="381000">
+                <a:tc>
+                  <a:txBody>
+                    <a:bodyPr/>
+                    <a:lstStyle/>
+                    <a:p>
+                      <a:pPr indent="0" lvl="0" marL="0" rtl="0" algn="l">
+                        <a:lnSpc>
+                          <a:spcPct val="80000"/>
+                        </a:lnSpc>
+                        <a:spcBef>
+                          <a:spcPts val="0"/>
+                        </a:spcBef>
+                        <a:spcAft>
+                          <a:spcPts val="0"/>
+                        </a:spcAft>
+                        <a:buNone/>
+                      </a:pPr>
+                      <a:r>
+                        <a:rPr b="1" lang="en" sz="2200"/>
+                        <a:t>RMSE</a:t>
+                      </a:r>
+                      <a:endParaRPr b="1" sz="2200"/>
+                    </a:p>
+                  </a:txBody>
+                  <a:tcPr marT="91425" marB="91425" marR="91425" marL="91425" anchor="ctr">
+                    <a:lnL cap="flat" cmpd="sng" w="19050">
+                      <a:solidFill>
+                        <a:schemeClr val="dk1">
+                          <a:alpha val="0"/>
+                        </a:schemeClr>
+                      </a:solidFill>
+                      <a:prstDash val="solid"/>
+                      <a:round/>
+                      <a:headEnd len="sm" w="sm" type="none"/>
+                      <a:tailEnd len="sm" w="sm" type="none"/>
+                    </a:lnL>
+                    <a:lnR cap="flat" cmpd="sng" w="19050">
+                      <a:solidFill>
+                        <a:schemeClr val="dk1"/>
+                      </a:solidFill>
+                      <a:prstDash val="solid"/>
+                      <a:round/>
+                      <a:headEnd len="sm" w="sm" type="none"/>
+                      <a:tailEnd len="sm" w="sm" type="none"/>
+                    </a:lnR>
+                    <a:lnT cap="flat" cmpd="sng" w="19050">
+                      <a:solidFill>
+                        <a:schemeClr val="dk1"/>
+                      </a:solidFill>
+                      <a:prstDash val="solid"/>
+                      <a:round/>
+                      <a:headEnd len="sm" w="sm" type="none"/>
+                      <a:tailEnd len="sm" w="sm" type="none"/>
+                    </a:lnT>
+                    <a:lnB cap="flat" cmpd="sng" w="19050">
+                      <a:solidFill>
+                        <a:schemeClr val="dk1"/>
+                      </a:solidFill>
+                      <a:prstDash val="solid"/>
+                      <a:round/>
+                      <a:headEnd len="sm" w="sm" type="none"/>
+                      <a:tailEnd len="sm" w="sm" type="none"/>
+                    </a:lnB>
+                    <a:solidFill>
+                      <a:srgbClr val="4FA8F7"/>
+                    </a:solidFill>
+                  </a:tcPr>
+                </a:tc>
+                <a:tc>
+                  <a:txBody>
+                    <a:bodyPr/>
+                    <a:lstStyle/>
+                    <a:p>
+                      <a:pPr indent="0" lvl="0" marL="0" rtl="0" algn="r">
+                        <a:lnSpc>
+                          <a:spcPct val="80000"/>
+                        </a:lnSpc>
+                        <a:spcBef>
+                          <a:spcPts val="0"/>
+                        </a:spcBef>
+                        <a:spcAft>
+                          <a:spcPts val="0"/>
+                        </a:spcAft>
+                        <a:buNone/>
+                      </a:pPr>
+                      <a:r>
+                        <a:rPr lang="en" sz="2200"/>
+                        <a:t>18.798</a:t>
+                      </a:r>
+                      <a:endParaRPr sz="2200"/>
+                    </a:p>
+                  </a:txBody>
+                  <a:tcPr marT="91425" marB="91425" marR="91425" marL="91425" anchor="ctr">
+                    <a:lnL cap="flat" cmpd="sng" w="19050">
+                      <a:solidFill>
+                        <a:schemeClr val="dk1"/>
+                      </a:solidFill>
+                      <a:prstDash val="solid"/>
+                      <a:round/>
+                      <a:headEnd len="sm" w="sm" type="none"/>
+                      <a:tailEnd len="sm" w="sm" type="none"/>
+                    </a:lnL>
+                    <a:lnR cap="flat" cmpd="sng" w="19050">
+                      <a:solidFill>
+                        <a:schemeClr val="dk1"/>
+                      </a:solidFill>
+                      <a:prstDash val="solid"/>
+                      <a:round/>
+                      <a:headEnd len="sm" w="sm" type="none"/>
+                      <a:tailEnd len="sm" w="sm" type="none"/>
+                    </a:lnR>
+                    <a:lnT cap="flat" cmpd="sng" w="19050">
+                      <a:solidFill>
+                        <a:schemeClr val="dk1"/>
+                      </a:solidFill>
+                      <a:prstDash val="solid"/>
+                      <a:round/>
+                      <a:headEnd len="sm" w="sm" type="none"/>
+                      <a:tailEnd len="sm" w="sm" type="none"/>
+                    </a:lnT>
+                    <a:lnB cap="flat" cmpd="sng" w="19050">
+                      <a:solidFill>
+                        <a:schemeClr val="dk1"/>
+                      </a:solidFill>
+                      <a:prstDash val="solid"/>
+                      <a:round/>
+                      <a:headEnd len="sm" w="sm" type="none"/>
+                      <a:tailEnd len="sm" w="sm" type="none"/>
+                    </a:lnB>
+                  </a:tcPr>
+                </a:tc>
+                <a:tc>
+                  <a:txBody>
+                    <a:bodyPr/>
+                    <a:lstStyle/>
+                    <a:p>
+                      <a:pPr indent="0" lvl="0" marL="0" rtl="0" algn="r">
+                        <a:lnSpc>
+                          <a:spcPct val="80000"/>
+                        </a:lnSpc>
+                        <a:spcBef>
+                          <a:spcPts val="0"/>
+                        </a:spcBef>
+                        <a:spcAft>
+                          <a:spcPts val="0"/>
+                        </a:spcAft>
+                        <a:buNone/>
+                      </a:pPr>
+                      <a:r>
+                        <a:rPr lang="en" sz="2200"/>
+                        <a:t>18.829  </a:t>
+                      </a:r>
+                      <a:endParaRPr sz="2200"/>
+                    </a:p>
+                  </a:txBody>
+                  <a:tcPr marT="91425" marB="91425" marR="91425" marL="91425" anchor="ctr">
+                    <a:lnL cap="flat" cmpd="sng" w="19050">
+                      <a:solidFill>
+                        <a:schemeClr val="dk1"/>
+                      </a:solidFill>
+                      <a:prstDash val="solid"/>
+                      <a:round/>
+                      <a:headEnd len="sm" w="sm" type="none"/>
+                      <a:tailEnd len="sm" w="sm" type="none"/>
+                    </a:lnL>
+                    <a:lnR cap="flat" cmpd="sng" w="19050">
+                      <a:solidFill>
+                        <a:schemeClr val="dk1"/>
+                      </a:solidFill>
+                      <a:prstDash val="solid"/>
+                      <a:round/>
+                      <a:headEnd len="sm" w="sm" type="none"/>
+                      <a:tailEnd len="sm" w="sm" type="none"/>
+                    </a:lnR>
+                    <a:lnT cap="flat" cmpd="sng" w="19050">
+                      <a:solidFill>
+                        <a:schemeClr val="dk1"/>
+                      </a:solidFill>
+                      <a:prstDash val="solid"/>
+                      <a:round/>
+                      <a:headEnd len="sm" w="sm" type="none"/>
+                      <a:tailEnd len="sm" w="sm" type="none"/>
+                    </a:lnT>
+                    <a:lnB cap="flat" cmpd="sng" w="19050">
+                      <a:solidFill>
+                        <a:schemeClr val="dk1"/>
+                      </a:solidFill>
+                      <a:prstDash val="solid"/>
+                      <a:round/>
+                      <a:headEnd len="sm" w="sm" type="none"/>
+                      <a:tailEnd len="sm" w="sm" type="none"/>
+                    </a:lnB>
+                  </a:tcPr>
+                </a:tc>
+                <a:tc>
+                  <a:txBody>
+                    <a:bodyPr/>
+                    <a:lstStyle/>
+                    <a:p>
+                      <a:pPr indent="0" lvl="0" marL="0" rtl="0" algn="r">
+                        <a:lnSpc>
+                          <a:spcPct val="80000"/>
+                        </a:lnSpc>
+                        <a:spcBef>
+                          <a:spcPts val="0"/>
+                        </a:spcBef>
+                        <a:spcAft>
+                          <a:spcPts val="0"/>
+                        </a:spcAft>
+                        <a:buNone/>
+                      </a:pPr>
+                      <a:r>
+                        <a:rPr lang="en" sz="2200"/>
+                        <a:t>18.831</a:t>
+                      </a:r>
+                      <a:endParaRPr sz="2200"/>
+                    </a:p>
+                  </a:txBody>
+                  <a:tcPr marT="91425" marB="91425" marR="91425" marL="91425" anchor="ctr">
+                    <a:lnL cap="flat" cmpd="sng" w="19050">
+                      <a:solidFill>
+                        <a:schemeClr val="dk1"/>
+                      </a:solidFill>
+                      <a:prstDash val="solid"/>
+                      <a:round/>
+                      <a:headEnd len="sm" w="sm" type="none"/>
+                      <a:tailEnd len="sm" w="sm" type="none"/>
+                    </a:lnL>
+                    <a:lnR cap="flat" cmpd="sng" w="19050">
+                      <a:solidFill>
+                        <a:schemeClr val="dk1"/>
+                      </a:solidFill>
+                      <a:prstDash val="solid"/>
+                      <a:round/>
+                      <a:headEnd len="sm" w="sm" type="none"/>
+                      <a:tailEnd len="sm" w="sm" type="none"/>
+                    </a:lnR>
+                    <a:lnT cap="flat" cmpd="sng" w="19050">
+                      <a:solidFill>
+                        <a:schemeClr val="dk1"/>
+                      </a:solidFill>
+                      <a:prstDash val="solid"/>
+                      <a:round/>
+                      <a:headEnd len="sm" w="sm" type="none"/>
+                      <a:tailEnd len="sm" w="sm" type="none"/>
+                    </a:lnT>
+                    <a:lnB cap="flat" cmpd="sng" w="19050">
+                      <a:solidFill>
+                        <a:schemeClr val="dk1"/>
+                      </a:solidFill>
+                      <a:prstDash val="solid"/>
+                      <a:round/>
+                      <a:headEnd len="sm" w="sm" type="none"/>
+                      <a:tailEnd len="sm" w="sm" type="none"/>
+                    </a:lnB>
+                  </a:tcPr>
+                </a:tc>
+                <a:tc>
+                  <a:txBody>
+                    <a:bodyPr/>
+                    <a:lstStyle/>
+                    <a:p>
+                      <a:pPr indent="0" lvl="0" marL="0" rtl="0" algn="r">
+                        <a:lnSpc>
+                          <a:spcPct val="80000"/>
+                        </a:lnSpc>
+                        <a:spcBef>
+                          <a:spcPts val="0"/>
+                        </a:spcBef>
+                        <a:spcAft>
+                          <a:spcPts val="0"/>
+                        </a:spcAft>
+                        <a:buNone/>
+                      </a:pPr>
+                      <a:r>
+                        <a:rPr b="1" lang="en" sz="2200">
+                          <a:solidFill>
+                            <a:schemeClr val="dk1"/>
+                          </a:solidFill>
+                        </a:rPr>
+                        <a:t>18.721</a:t>
+                      </a:r>
+                      <a:endParaRPr b="1" sz="2200">
+                        <a:solidFill>
+                          <a:schemeClr val="dk1"/>
+                        </a:solidFill>
+                      </a:endParaRPr>
+                    </a:p>
+                  </a:txBody>
+                  <a:tcPr marT="91425" marB="91425" marR="91425" marL="91425" anchor="ctr">
+                    <a:lnL cap="flat" cmpd="sng" w="19050">
+                      <a:solidFill>
+                        <a:schemeClr val="dk1"/>
+                      </a:solidFill>
+                      <a:prstDash val="solid"/>
+                      <a:round/>
+                      <a:headEnd len="sm" w="sm" type="none"/>
+                      <a:tailEnd len="sm" w="sm" type="none"/>
+                    </a:lnL>
+                    <a:lnR cap="flat" cmpd="sng" w="19050">
+                      <a:solidFill>
+                        <a:schemeClr val="dk1"/>
+                      </a:solidFill>
+                      <a:prstDash val="solid"/>
+                      <a:round/>
+                      <a:headEnd len="sm" w="sm" type="none"/>
+                      <a:tailEnd len="sm" w="sm" type="none"/>
+                    </a:lnR>
+                    <a:lnT cap="flat" cmpd="sng" w="19050">
+                      <a:solidFill>
+                        <a:schemeClr val="dk1"/>
+                      </a:solidFill>
+                      <a:prstDash val="solid"/>
+                      <a:round/>
+                      <a:headEnd len="sm" w="sm" type="none"/>
+                      <a:tailEnd len="sm" w="sm" type="none"/>
+                    </a:lnT>
+                    <a:lnB cap="flat" cmpd="sng" w="19050">
+                      <a:solidFill>
+                        <a:schemeClr val="dk1"/>
+                      </a:solidFill>
+                      <a:prstDash val="solid"/>
+                      <a:round/>
+                      <a:headEnd len="sm" w="sm" type="none"/>
+                      <a:tailEnd len="sm" w="sm" type="none"/>
+                    </a:lnB>
+                    <a:solidFill>
+                      <a:srgbClr val="7FB7F8"/>
+                    </a:solidFill>
+                  </a:tcPr>
+                </a:tc>
+              </a:tr>
+              <a:tr h="381000">
+                <a:tc>
+                  <a:txBody>
+                    <a:bodyPr/>
+                    <a:lstStyle/>
+                    <a:p>
+                      <a:pPr indent="0" lvl="0" marL="0" rtl="0" algn="l">
+                        <a:lnSpc>
+                          <a:spcPct val="80000"/>
+                        </a:lnSpc>
+                        <a:spcBef>
+                          <a:spcPts val="0"/>
+                        </a:spcBef>
+                        <a:spcAft>
+                          <a:spcPts val="0"/>
+                        </a:spcAft>
+                        <a:buClr>
+                          <a:schemeClr val="dk1"/>
+                        </a:buClr>
+                        <a:buSzPts val="1100"/>
+                        <a:buFont typeface="Arial"/>
+                        <a:buNone/>
+                      </a:pPr>
+                      <a:r>
+                        <a:rPr b="1" lang="en" sz="2200">
+                          <a:solidFill>
+                            <a:schemeClr val="dk1"/>
+                          </a:solidFill>
+                        </a:rPr>
+                        <a:t>R squared  </a:t>
+                      </a:r>
+                      <a:endParaRPr b="1" sz="2200"/>
+                    </a:p>
+                  </a:txBody>
+                  <a:tcPr marT="91425" marB="91425" marR="91425" marL="91425" anchor="ctr">
+                    <a:lnL cap="flat" cmpd="sng" w="19050">
+                      <a:solidFill>
+                        <a:schemeClr val="dk1">
+                          <a:alpha val="0"/>
+                        </a:schemeClr>
+                      </a:solidFill>
+                      <a:prstDash val="solid"/>
+                      <a:round/>
+                      <a:headEnd len="sm" w="sm" type="none"/>
+                      <a:tailEnd len="sm" w="sm" type="none"/>
+                    </a:lnL>
+                    <a:lnR cap="flat" cmpd="sng" w="19050">
+                      <a:solidFill>
+                        <a:schemeClr val="dk1"/>
+                      </a:solidFill>
+                      <a:prstDash val="solid"/>
+                      <a:round/>
+                      <a:headEnd len="sm" w="sm" type="none"/>
+                      <a:tailEnd len="sm" w="sm" type="none"/>
+                    </a:lnR>
+                    <a:lnT cap="flat" cmpd="sng" w="19050">
+                      <a:solidFill>
+                        <a:schemeClr val="dk1"/>
+                      </a:solidFill>
+                      <a:prstDash val="solid"/>
+                      <a:round/>
+                      <a:headEnd len="sm" w="sm" type="none"/>
+                      <a:tailEnd len="sm" w="sm" type="none"/>
+                    </a:lnT>
+                    <a:lnB cap="flat" cmpd="sng" w="19050">
+                      <a:solidFill>
+                        <a:schemeClr val="dk1"/>
+                      </a:solidFill>
+                      <a:prstDash val="solid"/>
+                      <a:round/>
+                      <a:headEnd len="sm" w="sm" type="none"/>
+                      <a:tailEnd len="sm" w="sm" type="none"/>
+                    </a:lnB>
+                    <a:solidFill>
+                      <a:srgbClr val="4FA8F7"/>
+                    </a:solidFill>
+                  </a:tcPr>
+                </a:tc>
+                <a:tc>
+                  <a:txBody>
+                    <a:bodyPr/>
+                    <a:lstStyle/>
+                    <a:p>
+                      <a:pPr indent="0" lvl="0" marL="0" rtl="0" algn="r">
+                        <a:lnSpc>
+                          <a:spcPct val="80000"/>
+                        </a:lnSpc>
+                        <a:spcBef>
+                          <a:spcPts val="0"/>
+                        </a:spcBef>
+                        <a:spcAft>
+                          <a:spcPts val="0"/>
+                        </a:spcAft>
+                        <a:buClr>
+                          <a:schemeClr val="dk1"/>
+                        </a:buClr>
+                        <a:buSzPts val="1100"/>
+                        <a:buFont typeface="Arial"/>
+                        <a:buNone/>
+                      </a:pPr>
+                      <a:r>
+                        <a:rPr lang="en" sz="2200">
+                          <a:solidFill>
+                            <a:schemeClr val="dk1"/>
+                          </a:solidFill>
+                        </a:rPr>
+                        <a:t>0.965</a:t>
+                      </a:r>
+                      <a:endParaRPr sz="2200"/>
+                    </a:p>
+                  </a:txBody>
+                  <a:tcPr marT="91425" marB="91425" marR="91425" marL="91425" anchor="ctr">
+                    <a:lnL cap="flat" cmpd="sng" w="19050">
+                      <a:solidFill>
+                        <a:schemeClr val="dk1"/>
+                      </a:solidFill>
+                      <a:prstDash val="solid"/>
+                      <a:round/>
+                      <a:headEnd len="sm" w="sm" type="none"/>
+                      <a:tailEnd len="sm" w="sm" type="none"/>
+                    </a:lnL>
+                    <a:lnR cap="flat" cmpd="sng" w="19050">
+                      <a:solidFill>
+                        <a:schemeClr val="dk1"/>
+                      </a:solidFill>
+                      <a:prstDash val="solid"/>
+                      <a:round/>
+                      <a:headEnd len="sm" w="sm" type="none"/>
+                      <a:tailEnd len="sm" w="sm" type="none"/>
+                    </a:lnR>
+                    <a:lnT cap="flat" cmpd="sng" w="19050">
+                      <a:solidFill>
+                        <a:schemeClr val="dk1"/>
+                      </a:solidFill>
+                      <a:prstDash val="solid"/>
+                      <a:round/>
+                      <a:headEnd len="sm" w="sm" type="none"/>
+                      <a:tailEnd len="sm" w="sm" type="none"/>
+                    </a:lnT>
+                    <a:lnB cap="flat" cmpd="sng" w="19050">
+                      <a:solidFill>
+                        <a:schemeClr val="dk1"/>
+                      </a:solidFill>
+                      <a:prstDash val="solid"/>
+                      <a:round/>
+                      <a:headEnd len="sm" w="sm" type="none"/>
+                      <a:tailEnd len="sm" w="sm" type="none"/>
+                    </a:lnB>
+                  </a:tcPr>
+                </a:tc>
+                <a:tc>
+                  <a:txBody>
+                    <a:bodyPr/>
+                    <a:lstStyle/>
+                    <a:p>
+                      <a:pPr indent="0" lvl="0" marL="0" rtl="0" algn="r">
+                        <a:lnSpc>
+                          <a:spcPct val="80000"/>
+                        </a:lnSpc>
+                        <a:spcBef>
+                          <a:spcPts val="0"/>
+                        </a:spcBef>
+                        <a:spcAft>
+                          <a:spcPts val="0"/>
+                        </a:spcAft>
+                        <a:buClr>
+                          <a:schemeClr val="dk1"/>
+                        </a:buClr>
+                        <a:buSzPts val="1100"/>
+                        <a:buFont typeface="Arial"/>
+                        <a:buNone/>
+                      </a:pPr>
+                      <a:r>
+                        <a:rPr lang="en" sz="2200">
+                          <a:solidFill>
+                            <a:schemeClr val="dk1"/>
+                          </a:solidFill>
+                        </a:rPr>
+                        <a:t>0.965</a:t>
+                      </a:r>
+                      <a:endParaRPr sz="2200"/>
+                    </a:p>
+                  </a:txBody>
+                  <a:tcPr marT="91425" marB="91425" marR="91425" marL="91425" anchor="ctr">
+                    <a:lnL cap="flat" cmpd="sng" w="19050">
+                      <a:solidFill>
+                        <a:schemeClr val="dk1"/>
+                      </a:solidFill>
+                      <a:prstDash val="solid"/>
+                      <a:round/>
+                      <a:headEnd len="sm" w="sm" type="none"/>
+                      <a:tailEnd len="sm" w="sm" type="none"/>
+                    </a:lnL>
+                    <a:lnR cap="flat" cmpd="sng" w="19050">
+                      <a:solidFill>
+                        <a:schemeClr val="dk1"/>
+                      </a:solidFill>
+                      <a:prstDash val="solid"/>
+                      <a:round/>
+                      <a:headEnd len="sm" w="sm" type="none"/>
+                      <a:tailEnd len="sm" w="sm" type="none"/>
+                    </a:lnR>
+                    <a:lnT cap="flat" cmpd="sng" w="19050">
+                      <a:solidFill>
+                        <a:schemeClr val="dk1"/>
+                      </a:solidFill>
+                      <a:prstDash val="solid"/>
+                      <a:round/>
+                      <a:headEnd len="sm" w="sm" type="none"/>
+                      <a:tailEnd len="sm" w="sm" type="none"/>
+                    </a:lnT>
+                    <a:lnB cap="flat" cmpd="sng" w="19050">
+                      <a:solidFill>
+                        <a:schemeClr val="dk1"/>
+                      </a:solidFill>
+                      <a:prstDash val="solid"/>
+                      <a:round/>
+                      <a:headEnd len="sm" w="sm" type="none"/>
+                      <a:tailEnd len="sm" w="sm" type="none"/>
+                    </a:lnB>
+                  </a:tcPr>
+                </a:tc>
+                <a:tc>
+                  <a:txBody>
+                    <a:bodyPr/>
+                    <a:lstStyle/>
+                    <a:p>
+                      <a:pPr indent="0" lvl="0" marL="0" rtl="0" algn="r">
+                        <a:lnSpc>
+                          <a:spcPct val="80000"/>
+                        </a:lnSpc>
+                        <a:spcBef>
+                          <a:spcPts val="0"/>
+                        </a:spcBef>
+                        <a:spcAft>
+                          <a:spcPts val="0"/>
+                        </a:spcAft>
+                        <a:buNone/>
+                      </a:pPr>
+                      <a:r>
+                        <a:rPr lang="en" sz="2200">
+                          <a:solidFill>
+                            <a:schemeClr val="dk1"/>
+                          </a:solidFill>
+                        </a:rPr>
+                        <a:t>0.964  </a:t>
+                      </a:r>
+                      <a:endParaRPr sz="2200"/>
+                    </a:p>
+                  </a:txBody>
+                  <a:tcPr marT="91425" marB="91425" marR="91425" marL="91425" anchor="ctr">
+                    <a:lnL cap="flat" cmpd="sng" w="19050">
+                      <a:solidFill>
+                        <a:schemeClr val="dk1"/>
+                      </a:solidFill>
+                      <a:prstDash val="solid"/>
+                      <a:round/>
+                      <a:headEnd len="sm" w="sm" type="none"/>
+                      <a:tailEnd len="sm" w="sm" type="none"/>
+                    </a:lnL>
+                    <a:lnR cap="flat" cmpd="sng" w="19050">
+                      <a:solidFill>
+                        <a:schemeClr val="dk1"/>
+                      </a:solidFill>
+                      <a:prstDash val="solid"/>
+                      <a:round/>
+                      <a:headEnd len="sm" w="sm" type="none"/>
+                      <a:tailEnd len="sm" w="sm" type="none"/>
+                    </a:lnR>
+                    <a:lnT cap="flat" cmpd="sng" w="19050">
+                      <a:solidFill>
+                        <a:schemeClr val="dk1"/>
+                      </a:solidFill>
+                      <a:prstDash val="solid"/>
+                      <a:round/>
+                      <a:headEnd len="sm" w="sm" type="none"/>
+                      <a:tailEnd len="sm" w="sm" type="none"/>
+                    </a:lnT>
+                    <a:lnB cap="flat" cmpd="sng" w="19050">
+                      <a:solidFill>
+                        <a:schemeClr val="dk1"/>
+                      </a:solidFill>
+                      <a:prstDash val="solid"/>
+                      <a:round/>
+                      <a:headEnd len="sm" w="sm" type="none"/>
+                      <a:tailEnd len="sm" w="sm" type="none"/>
+                    </a:lnB>
+                  </a:tcPr>
+                </a:tc>
+                <a:tc>
+                  <a:txBody>
+                    <a:bodyPr/>
+                    <a:lstStyle/>
+                    <a:p>
+                      <a:pPr indent="0" lvl="0" marL="0" rtl="0" algn="r">
+                        <a:lnSpc>
+                          <a:spcPct val="80000"/>
+                        </a:lnSpc>
+                        <a:spcBef>
+                          <a:spcPts val="0"/>
+                        </a:spcBef>
+                        <a:spcAft>
+                          <a:spcPts val="0"/>
+                        </a:spcAft>
+                        <a:buNone/>
+                      </a:pPr>
+                      <a:r>
+                        <a:rPr b="1" lang="en" sz="2200">
+                          <a:solidFill>
+                            <a:schemeClr val="dk1"/>
+                          </a:solidFill>
+                        </a:rPr>
+                        <a:t>0.965</a:t>
+                      </a:r>
+                      <a:endParaRPr b="1" sz="2200">
+                        <a:solidFill>
+                          <a:schemeClr val="dk1"/>
+                        </a:solidFill>
+                      </a:endParaRPr>
+                    </a:p>
+                  </a:txBody>
+                  <a:tcPr marT="91425" marB="91425" marR="91425" marL="91425" anchor="ctr">
+                    <a:lnL cap="flat" cmpd="sng" w="19050">
+                      <a:solidFill>
+                        <a:schemeClr val="dk1"/>
+                      </a:solidFill>
+                      <a:prstDash val="solid"/>
+                      <a:round/>
+                      <a:headEnd len="sm" w="sm" type="none"/>
+                      <a:tailEnd len="sm" w="sm" type="none"/>
+                    </a:lnL>
+                    <a:lnR cap="flat" cmpd="sng" w="19050">
+                      <a:solidFill>
+                        <a:schemeClr val="dk1"/>
+                      </a:solidFill>
+                      <a:prstDash val="solid"/>
+                      <a:round/>
+                      <a:headEnd len="sm" w="sm" type="none"/>
+                      <a:tailEnd len="sm" w="sm" type="none"/>
+                    </a:lnR>
+                    <a:lnT cap="flat" cmpd="sng" w="19050">
+                      <a:solidFill>
+                        <a:schemeClr val="dk1"/>
+                      </a:solidFill>
+                      <a:prstDash val="solid"/>
+                      <a:round/>
+                      <a:headEnd len="sm" w="sm" type="none"/>
+                      <a:tailEnd len="sm" w="sm" type="none"/>
+                    </a:lnT>
+                    <a:lnB cap="flat" cmpd="sng" w="19050">
+                      <a:solidFill>
+                        <a:schemeClr val="dk1"/>
+                      </a:solidFill>
+                      <a:prstDash val="solid"/>
+                      <a:round/>
+                      <a:headEnd len="sm" w="sm" type="none"/>
+                      <a:tailEnd len="sm" w="sm" type="none"/>
+                    </a:lnB>
+                    <a:solidFill>
+                      <a:srgbClr val="7FB7F8"/>
+                    </a:solidFill>
+                  </a:tcPr>
+                </a:tc>
+              </a:tr>
+              <a:tr h="381000">
+                <a:tc>
+                  <a:txBody>
+                    <a:bodyPr/>
+                    <a:lstStyle/>
+                    <a:p>
+                      <a:pPr indent="0" lvl="0" marL="0" rtl="0" algn="l">
+                        <a:lnSpc>
+                          <a:spcPct val="80000"/>
+                        </a:lnSpc>
+                        <a:spcBef>
+                          <a:spcPts val="0"/>
+                        </a:spcBef>
+                        <a:spcAft>
+                          <a:spcPts val="0"/>
+                        </a:spcAft>
+                        <a:buNone/>
+                      </a:pPr>
+                      <a:r>
+                        <a:rPr b="1" lang="en" sz="2200"/>
+                        <a:t>MAE</a:t>
+                      </a:r>
+                      <a:endParaRPr b="1" sz="2200"/>
+                    </a:p>
+                  </a:txBody>
+                  <a:tcPr marT="91425" marB="91425" marR="91425" marL="91425" anchor="ctr">
+                    <a:lnL cap="flat" cmpd="sng" w="19050">
+                      <a:solidFill>
+                        <a:schemeClr val="dk1">
+                          <a:alpha val="0"/>
+                        </a:schemeClr>
+                      </a:solidFill>
+                      <a:prstDash val="solid"/>
+                      <a:round/>
+                      <a:headEnd len="sm" w="sm" type="none"/>
+                      <a:tailEnd len="sm" w="sm" type="none"/>
+                    </a:lnL>
+                    <a:lnR cap="flat" cmpd="sng" w="19050">
+                      <a:solidFill>
+                        <a:schemeClr val="dk1"/>
+                      </a:solidFill>
+                      <a:prstDash val="solid"/>
+                      <a:round/>
+                      <a:headEnd len="sm" w="sm" type="none"/>
+                      <a:tailEnd len="sm" w="sm" type="none"/>
+                    </a:lnR>
+                    <a:lnT cap="flat" cmpd="sng" w="19050">
+                      <a:solidFill>
+                        <a:schemeClr val="dk1"/>
+                      </a:solidFill>
+                      <a:prstDash val="solid"/>
+                      <a:round/>
+                      <a:headEnd len="sm" w="sm" type="none"/>
+                      <a:tailEnd len="sm" w="sm" type="none"/>
+                    </a:lnT>
+                    <a:lnB cap="flat" cmpd="sng" w="19050">
+                      <a:solidFill>
+                        <a:schemeClr val="dk1"/>
+                      </a:solidFill>
+                      <a:prstDash val="solid"/>
+                      <a:round/>
+                      <a:headEnd len="sm" w="sm" type="none"/>
+                      <a:tailEnd len="sm" w="sm" type="none"/>
+                    </a:lnB>
+                    <a:solidFill>
+                      <a:srgbClr val="4FA8F7"/>
+                    </a:solidFill>
+                  </a:tcPr>
+                </a:tc>
+                <a:tc>
+                  <a:txBody>
+                    <a:bodyPr/>
+                    <a:lstStyle/>
+                    <a:p>
+                      <a:pPr indent="0" lvl="0" marL="0" rtl="0" algn="r">
+                        <a:lnSpc>
+                          <a:spcPct val="80000"/>
+                        </a:lnSpc>
+                        <a:spcBef>
+                          <a:spcPts val="0"/>
+                        </a:spcBef>
+                        <a:spcAft>
+                          <a:spcPts val="0"/>
+                        </a:spcAft>
+                        <a:buClr>
+                          <a:schemeClr val="dk1"/>
+                        </a:buClr>
+                        <a:buSzPts val="1100"/>
+                        <a:buFont typeface="Arial"/>
+                        <a:buNone/>
+                      </a:pPr>
+                      <a:r>
+                        <a:rPr lang="en" sz="2200">
+                          <a:solidFill>
+                            <a:schemeClr val="dk1"/>
+                          </a:solidFill>
+                        </a:rPr>
+                        <a:t>11.539</a:t>
+                      </a:r>
+                      <a:endParaRPr sz="2200"/>
+                    </a:p>
+                  </a:txBody>
+                  <a:tcPr marT="91425" marB="91425" marR="91425" marL="91425" anchor="ctr">
+                    <a:lnL cap="flat" cmpd="sng" w="19050">
+                      <a:solidFill>
+                        <a:schemeClr val="dk1"/>
+                      </a:solidFill>
+                      <a:prstDash val="solid"/>
+                      <a:round/>
+                      <a:headEnd len="sm" w="sm" type="none"/>
+                      <a:tailEnd len="sm" w="sm" type="none"/>
+                    </a:lnL>
+                    <a:lnR cap="flat" cmpd="sng" w="19050">
+                      <a:solidFill>
+                        <a:schemeClr val="dk1"/>
+                      </a:solidFill>
+                      <a:prstDash val="solid"/>
+                      <a:round/>
+                      <a:headEnd len="sm" w="sm" type="none"/>
+                      <a:tailEnd len="sm" w="sm" type="none"/>
+                    </a:lnR>
+                    <a:lnT cap="flat" cmpd="sng" w="19050">
+                      <a:solidFill>
+                        <a:schemeClr val="dk1"/>
+                      </a:solidFill>
+                      <a:prstDash val="solid"/>
+                      <a:round/>
+                      <a:headEnd len="sm" w="sm" type="none"/>
+                      <a:tailEnd len="sm" w="sm" type="none"/>
+                    </a:lnT>
+                    <a:lnB cap="flat" cmpd="sng" w="19050">
+                      <a:solidFill>
+                        <a:schemeClr val="dk1"/>
+                      </a:solidFill>
+                      <a:prstDash val="solid"/>
+                      <a:round/>
+                      <a:headEnd len="sm" w="sm" type="none"/>
+                      <a:tailEnd len="sm" w="sm" type="none"/>
+                    </a:lnB>
+                  </a:tcPr>
+                </a:tc>
+                <a:tc>
+                  <a:txBody>
+                    <a:bodyPr/>
+                    <a:lstStyle/>
+                    <a:p>
+                      <a:pPr indent="0" lvl="0" marL="0" rtl="0" algn="r">
+                        <a:lnSpc>
+                          <a:spcPct val="80000"/>
+                        </a:lnSpc>
+                        <a:spcBef>
+                          <a:spcPts val="0"/>
+                        </a:spcBef>
+                        <a:spcAft>
+                          <a:spcPts val="0"/>
+                        </a:spcAft>
+                        <a:buClr>
+                          <a:schemeClr val="dk1"/>
+                        </a:buClr>
+                        <a:buSzPts val="1100"/>
+                        <a:buFont typeface="Arial"/>
+                        <a:buNone/>
+                      </a:pPr>
+                      <a:r>
+                        <a:rPr lang="en" sz="2200">
+                          <a:solidFill>
+                            <a:schemeClr val="dk1"/>
+                          </a:solidFill>
+                        </a:rPr>
+                        <a:t>11.544</a:t>
+                      </a:r>
+                      <a:endParaRPr sz="2200"/>
+                    </a:p>
+                  </a:txBody>
+                  <a:tcPr marT="91425" marB="91425" marR="91425" marL="91425" anchor="ctr">
+                    <a:lnL cap="flat" cmpd="sng" w="19050">
+                      <a:solidFill>
+                        <a:schemeClr val="dk1"/>
+                      </a:solidFill>
+                      <a:prstDash val="solid"/>
+                      <a:round/>
+                      <a:headEnd len="sm" w="sm" type="none"/>
+                      <a:tailEnd len="sm" w="sm" type="none"/>
+                    </a:lnL>
+                    <a:lnR cap="flat" cmpd="sng" w="19050">
+                      <a:solidFill>
+                        <a:schemeClr val="dk1"/>
+                      </a:solidFill>
+                      <a:prstDash val="solid"/>
+                      <a:round/>
+                      <a:headEnd len="sm" w="sm" type="none"/>
+                      <a:tailEnd len="sm" w="sm" type="none"/>
+                    </a:lnR>
+                    <a:lnT cap="flat" cmpd="sng" w="19050">
+                      <a:solidFill>
+                        <a:schemeClr val="dk1"/>
+                      </a:solidFill>
+                      <a:prstDash val="solid"/>
+                      <a:round/>
+                      <a:headEnd len="sm" w="sm" type="none"/>
+                      <a:tailEnd len="sm" w="sm" type="none"/>
+                    </a:lnT>
+                    <a:lnB cap="flat" cmpd="sng" w="19050">
+                      <a:solidFill>
+                        <a:schemeClr val="dk1"/>
+                      </a:solidFill>
+                      <a:prstDash val="solid"/>
+                      <a:round/>
+                      <a:headEnd len="sm" w="sm" type="none"/>
+                      <a:tailEnd len="sm" w="sm" type="none"/>
+                    </a:lnB>
+                  </a:tcPr>
+                </a:tc>
+                <a:tc>
+                  <a:txBody>
+                    <a:bodyPr/>
+                    <a:lstStyle/>
+                    <a:p>
+                      <a:pPr indent="0" lvl="0" marL="0" rtl="0" algn="r">
+                        <a:lnSpc>
+                          <a:spcPct val="80000"/>
+                        </a:lnSpc>
+                        <a:spcBef>
+                          <a:spcPts val="0"/>
+                        </a:spcBef>
+                        <a:spcAft>
+                          <a:spcPts val="0"/>
+                        </a:spcAft>
+                        <a:buClr>
+                          <a:schemeClr val="dk1"/>
+                        </a:buClr>
+                        <a:buSzPts val="1100"/>
+                        <a:buFont typeface="Arial"/>
+                        <a:buNone/>
+                      </a:pPr>
+                      <a:r>
+                        <a:rPr lang="en" sz="2200">
+                          <a:solidFill>
+                            <a:schemeClr val="dk1"/>
+                          </a:solidFill>
+                        </a:rPr>
+                        <a:t>11.515</a:t>
+                      </a:r>
+                      <a:endParaRPr sz="2200"/>
+                    </a:p>
+                  </a:txBody>
+                  <a:tcPr marT="91425" marB="91425" marR="91425" marL="91425" anchor="ctr">
+                    <a:lnL cap="flat" cmpd="sng" w="19050">
+                      <a:solidFill>
+                        <a:schemeClr val="dk1"/>
+                      </a:solidFill>
+                      <a:prstDash val="solid"/>
+                      <a:round/>
+                      <a:headEnd len="sm" w="sm" type="none"/>
+                      <a:tailEnd len="sm" w="sm" type="none"/>
+                    </a:lnL>
+                    <a:lnR cap="flat" cmpd="sng" w="19050">
+                      <a:solidFill>
+                        <a:schemeClr val="dk1"/>
+                      </a:solidFill>
+                      <a:prstDash val="solid"/>
+                      <a:round/>
+                      <a:headEnd len="sm" w="sm" type="none"/>
+                      <a:tailEnd len="sm" w="sm" type="none"/>
+                    </a:lnR>
+                    <a:lnT cap="flat" cmpd="sng" w="19050">
+                      <a:solidFill>
+                        <a:schemeClr val="dk1"/>
+                      </a:solidFill>
+                      <a:prstDash val="solid"/>
+                      <a:round/>
+                      <a:headEnd len="sm" w="sm" type="none"/>
+                      <a:tailEnd len="sm" w="sm" type="none"/>
+                    </a:lnT>
+                    <a:lnB cap="flat" cmpd="sng" w="19050">
+                      <a:solidFill>
+                        <a:schemeClr val="dk1"/>
+                      </a:solidFill>
+                      <a:prstDash val="solid"/>
+                      <a:round/>
+                      <a:headEnd len="sm" w="sm" type="none"/>
+                      <a:tailEnd len="sm" w="sm" type="none"/>
+                    </a:lnB>
+                  </a:tcPr>
+                </a:tc>
+                <a:tc>
+                  <a:txBody>
+                    <a:bodyPr/>
+                    <a:lstStyle/>
+                    <a:p>
+                      <a:pPr indent="0" lvl="0" marL="0" rtl="0" algn="r">
+                        <a:lnSpc>
+                          <a:spcPct val="80000"/>
+                        </a:lnSpc>
+                        <a:spcBef>
+                          <a:spcPts val="0"/>
+                        </a:spcBef>
+                        <a:spcAft>
+                          <a:spcPts val="0"/>
+                        </a:spcAft>
+                        <a:buNone/>
+                      </a:pPr>
+                      <a:r>
+                        <a:rPr b="1" lang="en" sz="2200">
+                          <a:solidFill>
+                            <a:schemeClr val="dk1"/>
+                          </a:solidFill>
+                        </a:rPr>
+                        <a:t>11.476</a:t>
+                      </a:r>
+                      <a:endParaRPr b="1" sz="2200">
+                        <a:solidFill>
+                          <a:schemeClr val="dk1"/>
+                        </a:solidFill>
+                      </a:endParaRPr>
+                    </a:p>
+                  </a:txBody>
+                  <a:tcPr marT="91425" marB="91425" marR="91425" marL="91425" anchor="ctr">
+                    <a:lnL cap="flat" cmpd="sng" w="19050">
+                      <a:solidFill>
+                        <a:schemeClr val="dk1"/>
+                      </a:solidFill>
+                      <a:prstDash val="solid"/>
+                      <a:round/>
+                      <a:headEnd len="sm" w="sm" type="none"/>
+                      <a:tailEnd len="sm" w="sm" type="none"/>
+                    </a:lnL>
+                    <a:lnR cap="flat" cmpd="sng" w="19050">
+                      <a:solidFill>
+                        <a:schemeClr val="dk1"/>
+                      </a:solidFill>
+                      <a:prstDash val="solid"/>
+                      <a:round/>
+                      <a:headEnd len="sm" w="sm" type="none"/>
+                      <a:tailEnd len="sm" w="sm" type="none"/>
+                    </a:lnR>
+                    <a:lnT cap="flat" cmpd="sng" w="19050">
+                      <a:solidFill>
+                        <a:schemeClr val="dk1"/>
+                      </a:solidFill>
+                      <a:prstDash val="solid"/>
+                      <a:round/>
+                      <a:headEnd len="sm" w="sm" type="none"/>
+                      <a:tailEnd len="sm" w="sm" type="none"/>
+                    </a:lnT>
+                    <a:lnB cap="flat" cmpd="sng" w="19050">
+                      <a:solidFill>
+                        <a:schemeClr val="dk1"/>
+                      </a:solidFill>
+                      <a:prstDash val="solid"/>
+                      <a:round/>
+                      <a:headEnd len="sm" w="sm" type="none"/>
+                      <a:tailEnd len="sm" w="sm" type="none"/>
+                    </a:lnB>
+                    <a:solidFill>
+                      <a:srgbClr val="7FB7F8"/>
+                    </a:solidFill>
+                  </a:tcPr>
+                </a:tc>
+              </a:tr>
+              <a:tr h="381000">
+                <a:tc>
+                  <a:txBody>
+                    <a:bodyPr/>
+                    <a:lstStyle/>
+                    <a:p>
+                      <a:pPr indent="0" lvl="0" marL="0" rtl="0" algn="l">
+                        <a:lnSpc>
+                          <a:spcPct val="80000"/>
+                        </a:lnSpc>
+                        <a:spcBef>
+                          <a:spcPts val="0"/>
+                        </a:spcBef>
+                        <a:spcAft>
+                          <a:spcPts val="0"/>
+                        </a:spcAft>
+                        <a:buNone/>
+                      </a:pPr>
+                      <a:r>
+                        <a:rPr b="1" lang="en" sz="2200"/>
+                        <a:t>p</a:t>
+                      </a:r>
+                      <a:endParaRPr b="1" sz="2200"/>
+                    </a:p>
+                  </a:txBody>
+                  <a:tcPr marT="91425" marB="91425" marR="91425" marL="91425" anchor="ctr">
+                    <a:lnL cap="flat" cmpd="sng" w="19050">
+                      <a:solidFill>
+                        <a:schemeClr val="dk1">
+                          <a:alpha val="0"/>
+                        </a:schemeClr>
+                      </a:solidFill>
+                      <a:prstDash val="solid"/>
+                      <a:round/>
+                      <a:headEnd len="sm" w="sm" type="none"/>
+                      <a:tailEnd len="sm" w="sm" type="none"/>
+                    </a:lnL>
+                    <a:lnR cap="flat" cmpd="sng" w="19050">
+                      <a:solidFill>
+                        <a:schemeClr val="dk1"/>
+                      </a:solidFill>
+                      <a:prstDash val="solid"/>
+                      <a:round/>
+                      <a:headEnd len="sm" w="sm" type="none"/>
+                      <a:tailEnd len="sm" w="sm" type="none"/>
+                    </a:lnR>
+                    <a:lnT cap="flat" cmpd="sng" w="19050">
+                      <a:solidFill>
+                        <a:schemeClr val="dk1"/>
+                      </a:solidFill>
+                      <a:prstDash val="solid"/>
+                      <a:round/>
+                      <a:headEnd len="sm" w="sm" type="none"/>
+                      <a:tailEnd len="sm" w="sm" type="none"/>
+                    </a:lnT>
+                    <a:lnB cap="flat" cmpd="sng" w="19050">
+                      <a:solidFill>
+                        <a:schemeClr val="dk1"/>
+                      </a:solidFill>
+                      <a:prstDash val="solid"/>
+                      <a:round/>
+                      <a:headEnd len="sm" w="sm" type="none"/>
+                      <a:tailEnd len="sm" w="sm" type="none"/>
+                    </a:lnB>
+                    <a:solidFill>
+                      <a:srgbClr val="4FA8F7"/>
+                    </a:solidFill>
+                  </a:tcPr>
+                </a:tc>
+                <a:tc>
+                  <a:txBody>
+                    <a:bodyPr/>
+                    <a:lstStyle/>
+                    <a:p>
+                      <a:pPr indent="0" lvl="0" marL="0" rtl="0" algn="r">
+                        <a:lnSpc>
+                          <a:spcPct val="80000"/>
+                        </a:lnSpc>
+                        <a:spcBef>
+                          <a:spcPts val="0"/>
+                        </a:spcBef>
+                        <a:spcAft>
+                          <a:spcPts val="0"/>
+                        </a:spcAft>
+                        <a:buNone/>
+                      </a:pPr>
+                      <a:r>
+                        <a:rPr lang="en" sz="2200"/>
+                        <a:t>26</a:t>
+                      </a:r>
+                      <a:endParaRPr sz="2200"/>
+                    </a:p>
+                  </a:txBody>
+                  <a:tcPr marT="91425" marB="91425" marR="91425" marL="91425" anchor="ctr">
+                    <a:lnL cap="flat" cmpd="sng" w="19050">
+                      <a:solidFill>
+                        <a:schemeClr val="dk1"/>
+                      </a:solidFill>
+                      <a:prstDash val="solid"/>
+                      <a:round/>
+                      <a:headEnd len="sm" w="sm" type="none"/>
+                      <a:tailEnd len="sm" w="sm" type="none"/>
+                    </a:lnL>
+                    <a:lnR cap="flat" cmpd="sng" w="19050">
+                      <a:solidFill>
+                        <a:schemeClr val="dk1"/>
+                      </a:solidFill>
+                      <a:prstDash val="solid"/>
+                      <a:round/>
+                      <a:headEnd len="sm" w="sm" type="none"/>
+                      <a:tailEnd len="sm" w="sm" type="none"/>
+                    </a:lnR>
+                    <a:lnT cap="flat" cmpd="sng" w="19050">
+                      <a:solidFill>
+                        <a:schemeClr val="dk1"/>
+                      </a:solidFill>
+                      <a:prstDash val="solid"/>
+                      <a:round/>
+                      <a:headEnd len="sm" w="sm" type="none"/>
+                      <a:tailEnd len="sm" w="sm" type="none"/>
+                    </a:lnT>
+                    <a:lnB cap="flat" cmpd="sng" w="19050">
+                      <a:solidFill>
+                        <a:schemeClr val="dk1"/>
+                      </a:solidFill>
+                      <a:prstDash val="solid"/>
+                      <a:round/>
+                      <a:headEnd len="sm" w="sm" type="none"/>
+                      <a:tailEnd len="sm" w="sm" type="none"/>
+                    </a:lnB>
+                  </a:tcPr>
+                </a:tc>
+                <a:tc>
+                  <a:txBody>
+                    <a:bodyPr/>
+                    <a:lstStyle/>
+                    <a:p>
+                      <a:pPr indent="0" lvl="0" marL="0" rtl="0" algn="r">
+                        <a:lnSpc>
+                          <a:spcPct val="80000"/>
+                        </a:lnSpc>
+                        <a:spcBef>
+                          <a:spcPts val="0"/>
+                        </a:spcBef>
+                        <a:spcAft>
+                          <a:spcPts val="0"/>
+                        </a:spcAft>
+                        <a:buNone/>
+                      </a:pPr>
+                      <a:r>
+                        <a:rPr lang="en" sz="2200"/>
+                        <a:t>23</a:t>
+                      </a:r>
+                      <a:endParaRPr sz="2200"/>
+                    </a:p>
+                  </a:txBody>
+                  <a:tcPr marT="91425" marB="91425" marR="91425" marL="91425" anchor="ctr">
+                    <a:lnL cap="flat" cmpd="sng" w="19050">
+                      <a:solidFill>
+                        <a:schemeClr val="dk1"/>
+                      </a:solidFill>
+                      <a:prstDash val="solid"/>
+                      <a:round/>
+                      <a:headEnd len="sm" w="sm" type="none"/>
+                      <a:tailEnd len="sm" w="sm" type="none"/>
+                    </a:lnL>
+                    <a:lnR cap="flat" cmpd="sng" w="19050">
+                      <a:solidFill>
+                        <a:schemeClr val="dk1"/>
+                      </a:solidFill>
+                      <a:prstDash val="solid"/>
+                      <a:round/>
+                      <a:headEnd len="sm" w="sm" type="none"/>
+                      <a:tailEnd len="sm" w="sm" type="none"/>
+                    </a:lnR>
+                    <a:lnT cap="flat" cmpd="sng" w="19050">
+                      <a:solidFill>
+                        <a:schemeClr val="dk1"/>
+                      </a:solidFill>
+                      <a:prstDash val="solid"/>
+                      <a:round/>
+                      <a:headEnd len="sm" w="sm" type="none"/>
+                      <a:tailEnd len="sm" w="sm" type="none"/>
+                    </a:lnT>
+                    <a:lnB cap="flat" cmpd="sng" w="19050">
+                      <a:solidFill>
+                        <a:schemeClr val="dk1"/>
+                      </a:solidFill>
+                      <a:prstDash val="solid"/>
+                      <a:round/>
+                      <a:headEnd len="sm" w="sm" type="none"/>
+                      <a:tailEnd len="sm" w="sm" type="none"/>
+                    </a:lnB>
+                  </a:tcPr>
+                </a:tc>
+                <a:tc>
+                  <a:txBody>
+                    <a:bodyPr/>
+                    <a:lstStyle/>
+                    <a:p>
+                      <a:pPr indent="0" lvl="0" marL="0" marR="0" rtl="0" algn="r">
+                        <a:lnSpc>
+                          <a:spcPct val="80000"/>
+                        </a:lnSpc>
+                        <a:spcBef>
+                          <a:spcPts val="0"/>
+                        </a:spcBef>
+                        <a:spcAft>
+                          <a:spcPts val="0"/>
+                        </a:spcAft>
+                        <a:buNone/>
+                      </a:pPr>
+                      <a:r>
+                        <a:rPr lang="en" sz="2200"/>
+                        <a:t>21</a:t>
+                      </a:r>
+                      <a:endParaRPr sz="2200"/>
+                    </a:p>
+                  </a:txBody>
+                  <a:tcPr marT="91425" marB="91425" marR="91425" marL="91425" anchor="ctr">
+                    <a:lnL cap="flat" cmpd="sng" w="19050">
+                      <a:solidFill>
+                        <a:schemeClr val="dk1"/>
+                      </a:solidFill>
+                      <a:prstDash val="solid"/>
+                      <a:round/>
+                      <a:headEnd len="sm" w="sm" type="none"/>
+                      <a:tailEnd len="sm" w="sm" type="none"/>
+                    </a:lnL>
+                    <a:lnR cap="flat" cmpd="sng" w="19050">
+                      <a:solidFill>
+                        <a:schemeClr val="dk1"/>
+                      </a:solidFill>
+                      <a:prstDash val="solid"/>
+                      <a:round/>
+                      <a:headEnd len="sm" w="sm" type="none"/>
+                      <a:tailEnd len="sm" w="sm" type="none"/>
+                    </a:lnR>
+                    <a:lnT cap="flat" cmpd="sng" w="19050">
+                      <a:solidFill>
+                        <a:schemeClr val="dk1"/>
+                      </a:solidFill>
+                      <a:prstDash val="solid"/>
+                      <a:round/>
+                      <a:headEnd len="sm" w="sm" type="none"/>
+                      <a:tailEnd len="sm" w="sm" type="none"/>
+                    </a:lnT>
+                    <a:lnB cap="flat" cmpd="sng" w="19050">
+                      <a:solidFill>
+                        <a:schemeClr val="dk1"/>
+                      </a:solidFill>
+                      <a:prstDash val="solid"/>
+                      <a:round/>
+                      <a:headEnd len="sm" w="sm" type="none"/>
+                      <a:tailEnd len="sm" w="sm" type="none"/>
+                    </a:lnB>
+                  </a:tcPr>
+                </a:tc>
+                <a:tc>
+                  <a:txBody>
+                    <a:bodyPr/>
+                    <a:lstStyle/>
+                    <a:p>
+                      <a:pPr indent="0" lvl="0" marL="0" marR="0" rtl="0" algn="r">
+                        <a:lnSpc>
+                          <a:spcPct val="80000"/>
+                        </a:lnSpc>
+                        <a:spcBef>
+                          <a:spcPts val="0"/>
+                        </a:spcBef>
+                        <a:spcAft>
+                          <a:spcPts val="0"/>
+                        </a:spcAft>
+                        <a:buNone/>
+                      </a:pPr>
+                      <a:r>
+                        <a:rPr b="1" lang="en" sz="2200">
+                          <a:solidFill>
+                            <a:schemeClr val="dk1"/>
+                          </a:solidFill>
+                        </a:rPr>
+                        <a:t>21</a:t>
+                      </a:r>
+                      <a:endParaRPr b="1" sz="2200">
+                        <a:solidFill>
+                          <a:schemeClr val="dk1"/>
+                        </a:solidFill>
+                      </a:endParaRPr>
+                    </a:p>
+                  </a:txBody>
+                  <a:tcPr marT="91425" marB="91425" marR="91425" marL="91425" anchor="ctr">
+                    <a:lnL cap="flat" cmpd="sng" w="19050">
+                      <a:solidFill>
+                        <a:schemeClr val="dk1"/>
+                      </a:solidFill>
+                      <a:prstDash val="solid"/>
+                      <a:round/>
+                      <a:headEnd len="sm" w="sm" type="none"/>
+                      <a:tailEnd len="sm" w="sm" type="none"/>
+                    </a:lnL>
+                    <a:lnR cap="flat" cmpd="sng" w="19050">
+                      <a:solidFill>
+                        <a:schemeClr val="dk1"/>
+                      </a:solidFill>
+                      <a:prstDash val="solid"/>
+                      <a:round/>
+                      <a:headEnd len="sm" w="sm" type="none"/>
+                      <a:tailEnd len="sm" w="sm" type="none"/>
+                    </a:lnR>
+                    <a:lnT cap="flat" cmpd="sng" w="19050">
+                      <a:solidFill>
+                        <a:schemeClr val="dk1"/>
+                      </a:solidFill>
+                      <a:prstDash val="solid"/>
+                      <a:round/>
+                      <a:headEnd len="sm" w="sm" type="none"/>
+                      <a:tailEnd len="sm" w="sm" type="none"/>
+                    </a:lnT>
+                    <a:lnB cap="flat" cmpd="sng" w="19050">
+                      <a:solidFill>
+                        <a:schemeClr val="dk1"/>
+                      </a:solidFill>
+                      <a:prstDash val="solid"/>
+                      <a:round/>
+                      <a:headEnd len="sm" w="sm" type="none"/>
+                      <a:tailEnd len="sm" w="sm" type="none"/>
+                    </a:lnB>
+                    <a:solidFill>
+                      <a:srgbClr val="7FB7F8"/>
+                    </a:solidFill>
+                  </a:tcPr>
+                </a:tc>
+              </a:tr>
+            </a:tbl>
+          </a:graphicData>
+        </a:graphic>
+      </p:graphicFrame>
       <p:pic>
         <p:nvPicPr>
           <p:cNvPr id="72" name="Google Shape;72;p13"/>
@@ -6617,7 +9429,7 @@
           <p:nvPr/>
         </p:nvPicPr>
         <p:blipFill>
-          <a:blip r:embed="rId6">
+          <a:blip r:embed="rId3">
             <a:alphaModFix/>
           </a:blip>
           <a:stretch>
@@ -6626,8 +9438,8 @@
         </p:blipFill>
         <p:spPr>
           <a:xfrm>
-            <a:off x="431925" y="16306417"/>
-            <a:ext cx="11430000" cy="4665921"/>
+            <a:off x="695075" y="272831"/>
+            <a:ext cx="2710448" cy="2724000"/>
           </a:xfrm>
           <a:prstGeom prst="rect">
             <a:avLst/>
@@ -6646,8 +9458,359 @@
         </p:nvSpPr>
         <p:spPr>
           <a:xfrm>
-            <a:off x="431925" y="8433825"/>
-            <a:ext cx="11430000" cy="7872600"/>
+            <a:off x="12139175" y="3231875"/>
+            <a:ext cx="15078300" cy="567600"/>
+          </a:xfrm>
+          <a:prstGeom prst="rect">
+            <a:avLst/>
+          </a:prstGeom>
+          <a:noFill/>
+          <a:ln>
+            <a:noFill/>
+          </a:ln>
+        </p:spPr>
+        <p:txBody>
+          <a:bodyPr anchorCtr="0" anchor="ctr" bIns="91425" lIns="91425" spcFirstLastPara="1" rIns="91425" wrap="square" tIns="91425">
+            <a:noAutofit/>
+          </a:bodyPr>
+          <a:lstStyle/>
+          <a:p>
+            <a:pPr indent="0" lvl="0" marL="0" rtl="0" algn="ctr">
+              <a:spcBef>
+                <a:spcPts val="0"/>
+              </a:spcBef>
+              <a:spcAft>
+                <a:spcPts val="0"/>
+              </a:spcAft>
+              <a:buNone/>
+            </a:pPr>
+            <a:r>
+              <a:rPr b="1" lang="en" sz="3600">
+                <a:solidFill>
+                  <a:schemeClr val="dk1"/>
+                </a:solidFill>
+                <a:latin typeface="Merriweather"/>
+                <a:ea typeface="Merriweather"/>
+                <a:cs typeface="Merriweather"/>
+                <a:sym typeface="Merriweather"/>
+              </a:rPr>
+              <a:t>Methodology</a:t>
+            </a:r>
+            <a:endParaRPr b="1" sz="3600">
+              <a:solidFill>
+                <a:schemeClr val="dk1"/>
+              </a:solidFill>
+              <a:latin typeface="Merriweather"/>
+              <a:ea typeface="Merriweather"/>
+              <a:cs typeface="Merriweather"/>
+              <a:sym typeface="Merriweather"/>
+            </a:endParaRPr>
+          </a:p>
+        </p:txBody>
+      </p:sp>
+      <p:sp>
+        <p:nvSpPr>
+          <p:cNvPr id="74" name="Google Shape;74;p13"/>
+          <p:cNvSpPr txBox="1"/>
+          <p:nvPr/>
+        </p:nvSpPr>
+        <p:spPr>
+          <a:xfrm>
+            <a:off x="12298175" y="3729550"/>
+            <a:ext cx="14771700" cy="914100"/>
+          </a:xfrm>
+          <a:prstGeom prst="rect">
+            <a:avLst/>
+          </a:prstGeom>
+          <a:noFill/>
+          <a:ln>
+            <a:noFill/>
+          </a:ln>
+        </p:spPr>
+        <p:txBody>
+          <a:bodyPr anchorCtr="0" anchor="ctr" bIns="91425" lIns="91425" spcFirstLastPara="1" rIns="91425" wrap="square" tIns="91425">
+            <a:noAutofit/>
+          </a:bodyPr>
+          <a:lstStyle/>
+          <a:p>
+            <a:pPr indent="0" lvl="0" marL="0" rtl="0" algn="l">
+              <a:spcBef>
+                <a:spcPts val="0"/>
+              </a:spcBef>
+              <a:spcAft>
+                <a:spcPts val="0"/>
+              </a:spcAft>
+              <a:buNone/>
+            </a:pPr>
+            <a:r>
+              <a:rPr b="1" lang="en" sz="2400">
+                <a:solidFill>
+                  <a:schemeClr val="dk1"/>
+                </a:solidFill>
+                <a:latin typeface="Times New Roman"/>
+                <a:ea typeface="Times New Roman"/>
+                <a:cs typeface="Times New Roman"/>
+                <a:sym typeface="Times New Roman"/>
+              </a:rPr>
+              <a:t>STEP 1: </a:t>
+            </a:r>
+            <a:r>
+              <a:rPr lang="en" sz="2400">
+                <a:solidFill>
+                  <a:schemeClr val="dk1"/>
+                </a:solidFill>
+                <a:latin typeface="Times New Roman"/>
+                <a:ea typeface="Times New Roman"/>
+                <a:cs typeface="Times New Roman"/>
+                <a:sym typeface="Times New Roman"/>
+              </a:rPr>
+              <a:t>Check multicollinearity: remove the ‘population’ variable due to the VIF score being 53</a:t>
+            </a:r>
+            <a:endParaRPr sz="2400">
+              <a:solidFill>
+                <a:schemeClr val="dk1"/>
+              </a:solidFill>
+              <a:latin typeface="Times New Roman"/>
+              <a:ea typeface="Times New Roman"/>
+              <a:cs typeface="Times New Roman"/>
+              <a:sym typeface="Times New Roman"/>
+            </a:endParaRPr>
+          </a:p>
+          <a:p>
+            <a:pPr indent="0" lvl="0" marL="0" rtl="0" algn="l">
+              <a:spcBef>
+                <a:spcPts val="0"/>
+              </a:spcBef>
+              <a:spcAft>
+                <a:spcPts val="0"/>
+              </a:spcAft>
+              <a:buNone/>
+            </a:pPr>
+            <a:r>
+              <a:rPr b="1" lang="en" sz="2400">
+                <a:solidFill>
+                  <a:schemeClr val="dk1"/>
+                </a:solidFill>
+                <a:latin typeface="Times New Roman"/>
+                <a:ea typeface="Times New Roman"/>
+                <a:cs typeface="Times New Roman"/>
+                <a:sym typeface="Times New Roman"/>
+              </a:rPr>
+              <a:t>STEP 2: </a:t>
+            </a:r>
+            <a:r>
+              <a:rPr lang="en" sz="2400">
+                <a:solidFill>
+                  <a:schemeClr val="dk1"/>
+                </a:solidFill>
+                <a:latin typeface="Times New Roman"/>
+                <a:ea typeface="Times New Roman"/>
+                <a:cs typeface="Times New Roman"/>
+                <a:sym typeface="Times New Roman"/>
+              </a:rPr>
+              <a:t>Identify the best first order model by comparing multiple metrics, including the 10-fold CV</a:t>
+            </a:r>
+            <a:endParaRPr sz="2400">
+              <a:solidFill>
+                <a:schemeClr val="dk1"/>
+              </a:solidFill>
+              <a:latin typeface="Times New Roman"/>
+              <a:ea typeface="Times New Roman"/>
+              <a:cs typeface="Times New Roman"/>
+              <a:sym typeface="Times New Roman"/>
+            </a:endParaRPr>
+          </a:p>
+        </p:txBody>
+      </p:sp>
+      <p:sp>
+        <p:nvSpPr>
+          <p:cNvPr id="75" name="Google Shape;75;p13"/>
+          <p:cNvSpPr/>
+          <p:nvPr/>
+        </p:nvSpPr>
+        <p:spPr>
+          <a:xfrm>
+            <a:off x="12110975" y="11339075"/>
+            <a:ext cx="15117300" cy="7579500"/>
+          </a:xfrm>
+          <a:prstGeom prst="roundRect">
+            <a:avLst>
+              <a:gd fmla="val 2536" name="adj"/>
+            </a:avLst>
+          </a:prstGeom>
+          <a:solidFill>
+            <a:srgbClr val="C9DAF8"/>
+          </a:solidFill>
+          <a:ln cap="flat" cmpd="sng" w="9525">
+            <a:solidFill>
+              <a:schemeClr val="dk2"/>
+            </a:solidFill>
+            <a:prstDash val="solid"/>
+            <a:round/>
+            <a:headEnd len="sm" w="sm" type="none"/>
+            <a:tailEnd len="sm" w="sm" type="none"/>
+          </a:ln>
+        </p:spPr>
+        <p:txBody>
+          <a:bodyPr anchorCtr="0" anchor="ctr" bIns="91425" lIns="91425" spcFirstLastPara="1" rIns="91425" wrap="square" tIns="91425">
+            <a:noAutofit/>
+          </a:bodyPr>
+          <a:lstStyle/>
+          <a:p>
+            <a:pPr indent="0" lvl="0" marL="0" rtl="0" algn="ctr">
+              <a:spcBef>
+                <a:spcPts val="0"/>
+              </a:spcBef>
+              <a:spcAft>
+                <a:spcPts val="0"/>
+              </a:spcAft>
+              <a:buNone/>
+            </a:pPr>
+            <a:r>
+              <a:t/>
+            </a:r>
+            <a:endParaRPr/>
+          </a:p>
+        </p:txBody>
+      </p:sp>
+      <p:sp>
+        <p:nvSpPr>
+          <p:cNvPr id="76" name="Google Shape;76;p13"/>
+          <p:cNvSpPr txBox="1"/>
+          <p:nvPr/>
+        </p:nvSpPr>
+        <p:spPr>
+          <a:xfrm>
+            <a:off x="12149825" y="11339063"/>
+            <a:ext cx="15078300" cy="621000"/>
+          </a:xfrm>
+          <a:prstGeom prst="rect">
+            <a:avLst/>
+          </a:prstGeom>
+          <a:noFill/>
+          <a:ln>
+            <a:noFill/>
+          </a:ln>
+        </p:spPr>
+        <p:txBody>
+          <a:bodyPr anchorCtr="0" anchor="ctr" bIns="91425" lIns="91425" spcFirstLastPara="1" rIns="91425" wrap="square" tIns="91425">
+            <a:noAutofit/>
+          </a:bodyPr>
+          <a:lstStyle/>
+          <a:p>
+            <a:pPr indent="0" lvl="0" marL="0" rtl="0" algn="ctr">
+              <a:spcBef>
+                <a:spcPts val="0"/>
+              </a:spcBef>
+              <a:spcAft>
+                <a:spcPts val="0"/>
+              </a:spcAft>
+              <a:buNone/>
+            </a:pPr>
+            <a:r>
+              <a:rPr b="1" lang="en" sz="3600">
+                <a:solidFill>
+                  <a:schemeClr val="dk1"/>
+                </a:solidFill>
+                <a:latin typeface="Merriweather"/>
+                <a:ea typeface="Merriweather"/>
+                <a:cs typeface="Merriweather"/>
+                <a:sym typeface="Merriweather"/>
+              </a:rPr>
+              <a:t>Results and Model</a:t>
+            </a:r>
+            <a:endParaRPr b="1" sz="3600">
+              <a:solidFill>
+                <a:schemeClr val="dk1"/>
+              </a:solidFill>
+              <a:latin typeface="Merriweather"/>
+              <a:ea typeface="Merriweather"/>
+              <a:cs typeface="Merriweather"/>
+              <a:sym typeface="Merriweather"/>
+            </a:endParaRPr>
+          </a:p>
+        </p:txBody>
+      </p:sp>
+      <p:sp>
+        <p:nvSpPr>
+          <p:cNvPr id="77" name="Google Shape;77;p13"/>
+          <p:cNvSpPr txBox="1"/>
+          <p:nvPr/>
+        </p:nvSpPr>
+        <p:spPr>
+          <a:xfrm>
+            <a:off x="12302913" y="7664400"/>
+            <a:ext cx="14281800" cy="437700"/>
+          </a:xfrm>
+          <a:prstGeom prst="rect">
+            <a:avLst/>
+          </a:prstGeom>
+          <a:noFill/>
+          <a:ln>
+            <a:noFill/>
+          </a:ln>
+        </p:spPr>
+        <p:txBody>
+          <a:bodyPr anchorCtr="0" anchor="ctr" bIns="91425" lIns="91425" spcFirstLastPara="1" rIns="91425" wrap="square" tIns="91425">
+            <a:noAutofit/>
+          </a:bodyPr>
+          <a:lstStyle/>
+          <a:p>
+            <a:pPr indent="0" lvl="0" marL="0" rtl="0" algn="l">
+              <a:spcBef>
+                <a:spcPts val="0"/>
+              </a:spcBef>
+              <a:spcAft>
+                <a:spcPts val="0"/>
+              </a:spcAft>
+              <a:buNone/>
+            </a:pPr>
+            <a:r>
+              <a:rPr b="1" lang="en" sz="2400">
+                <a:solidFill>
+                  <a:schemeClr val="dk1"/>
+                </a:solidFill>
+                <a:latin typeface="Times New Roman"/>
+                <a:ea typeface="Times New Roman"/>
+                <a:cs typeface="Times New Roman"/>
+                <a:sym typeface="Times New Roman"/>
+              </a:rPr>
+              <a:t>STEP 3: </a:t>
+            </a:r>
+            <a:r>
+              <a:rPr lang="en" sz="2400">
+                <a:solidFill>
+                  <a:schemeClr val="dk1"/>
+                </a:solidFill>
+                <a:latin typeface="Times New Roman"/>
+                <a:ea typeface="Times New Roman"/>
+                <a:cs typeface="Times New Roman"/>
+                <a:sym typeface="Times New Roman"/>
+              </a:rPr>
+              <a:t>Check the assumptions for the best model</a:t>
+            </a:r>
+            <a:endParaRPr sz="2400">
+              <a:solidFill>
+                <a:schemeClr val="dk1"/>
+              </a:solidFill>
+              <a:latin typeface="Times New Roman"/>
+              <a:ea typeface="Times New Roman"/>
+              <a:cs typeface="Times New Roman"/>
+              <a:sym typeface="Times New Roman"/>
+            </a:endParaRPr>
+          </a:p>
+        </p:txBody>
+      </p:sp>
+      <p:sp>
+        <p:nvSpPr>
+          <p:cNvPr id="78" name="Google Shape;78;p13"/>
+          <p:cNvSpPr txBox="1"/>
+          <p:nvPr/>
+        </p:nvSpPr>
+        <p:spPr>
+          <a:xfrm>
+            <a:off x="12303125" y="11747913"/>
+            <a:ext cx="14771700" cy="996900"/>
           </a:xfrm>
           <a:prstGeom prst="rect">
             <a:avLst/>
@@ -6673,463 +9836,47 @@
               <a:buNone/>
             </a:pPr>
             <a:r>
-              <a:rPr b="1" lang="en" sz="2400">
-                <a:solidFill>
-                  <a:schemeClr val="dk1"/>
-                </a:solidFill>
-              </a:rPr>
-              <a:t>Sources</a:t>
-            </a:r>
-            <a:endParaRPr b="1" sz="2400">
-              <a:solidFill>
-                <a:schemeClr val="dk1"/>
-              </a:solidFill>
-            </a:endParaRPr>
-          </a:p>
-          <a:p>
-            <a:pPr indent="-381000" lvl="0" marL="457200" rtl="0" algn="l">
-              <a:spcBef>
-                <a:spcPts val="0"/>
-              </a:spcBef>
-              <a:spcAft>
-                <a:spcPts val="0"/>
-              </a:spcAft>
-              <a:buClr>
-                <a:schemeClr val="dk1"/>
-              </a:buClr>
-              <a:buSzPts val="2400"/>
-              <a:buChar char="●"/>
-            </a:pPr>
-            <a:r>
               <a:rPr lang="en" sz="2400">
                 <a:solidFill>
                   <a:schemeClr val="dk1"/>
                 </a:solidFill>
+                <a:latin typeface="Times New Roman"/>
+                <a:ea typeface="Times New Roman"/>
+                <a:cs typeface="Times New Roman"/>
+                <a:sym typeface="Times New Roman"/>
               </a:rPr>
-              <a:t>Bluebike Trips for the summer months from 2020 to 2024</a:t>
+              <a:t>Based on the observations, the linear model appears to be the best model for predicting the popularity of a station, which I have defined as the total number of trips that started and ended at that station.</a:t>
             </a:r>
             <a:endParaRPr sz="2400">
               <a:solidFill>
                 <a:schemeClr val="dk1"/>
               </a:solidFill>
-            </a:endParaRPr>
-          </a:p>
-          <a:p>
-            <a:pPr indent="-381000" lvl="1" marL="914400" rtl="0" algn="l">
-              <a:spcBef>
-                <a:spcPts val="0"/>
-              </a:spcBef>
-              <a:spcAft>
-                <a:spcPts val="0"/>
-              </a:spcAft>
-              <a:buClr>
-                <a:schemeClr val="dk1"/>
-              </a:buClr>
-              <a:buSzPts val="2400"/>
-              <a:buChar char="○"/>
-            </a:pPr>
-            <a:r>
-              <a:rPr lang="en" sz="2400">
-                <a:solidFill>
-                  <a:schemeClr val="dk1"/>
-                </a:solidFill>
-              </a:rPr>
-              <a:t>Attributes: start/end stations (station id, trip duration, trip displacement)</a:t>
-            </a:r>
-            <a:endParaRPr sz="2400">
-              <a:solidFill>
-                <a:schemeClr val="dk1"/>
-              </a:solidFill>
-            </a:endParaRPr>
-          </a:p>
-          <a:p>
-            <a:pPr indent="-381000" lvl="0" marL="457200" rtl="0" algn="l">
-              <a:spcBef>
-                <a:spcPts val="0"/>
-              </a:spcBef>
-              <a:spcAft>
-                <a:spcPts val="0"/>
-              </a:spcAft>
-              <a:buClr>
-                <a:schemeClr val="dk1"/>
-              </a:buClr>
-              <a:buSzPts val="2400"/>
-              <a:buChar char="●"/>
-            </a:pPr>
-            <a:r>
-              <a:rPr lang="en" sz="2400">
-                <a:solidFill>
-                  <a:schemeClr val="dk1"/>
-                </a:solidFill>
-              </a:rPr>
-              <a:t>Bluebike Station Data</a:t>
-            </a:r>
-            <a:endParaRPr sz="2400">
-              <a:solidFill>
-                <a:schemeClr val="dk1"/>
-              </a:solidFill>
-            </a:endParaRPr>
-          </a:p>
-          <a:p>
-            <a:pPr indent="-381000" lvl="1" marL="914400" rtl="0" algn="l">
-              <a:spcBef>
-                <a:spcPts val="0"/>
-              </a:spcBef>
-              <a:spcAft>
-                <a:spcPts val="0"/>
-              </a:spcAft>
-              <a:buClr>
-                <a:schemeClr val="dk1"/>
-              </a:buClr>
-              <a:buSzPts val="2400"/>
-              <a:buChar char="○"/>
-            </a:pPr>
-            <a:r>
-              <a:rPr lang="en" sz="2400">
-                <a:solidFill>
-                  <a:schemeClr val="dk1"/>
-                </a:solidFill>
-              </a:rPr>
-              <a:t>Attributes: station information (total docks, municipality, seasonal status)</a:t>
-            </a:r>
-            <a:endParaRPr sz="2400">
-              <a:solidFill>
-                <a:schemeClr val="dk1"/>
-              </a:solidFill>
-            </a:endParaRPr>
-          </a:p>
-          <a:p>
-            <a:pPr indent="-381000" lvl="0" marL="457200" rtl="0" algn="l">
-              <a:spcBef>
-                <a:spcPts val="0"/>
-              </a:spcBef>
-              <a:spcAft>
-                <a:spcPts val="0"/>
-              </a:spcAft>
-              <a:buClr>
-                <a:schemeClr val="dk1"/>
-              </a:buClr>
-              <a:buSzPts val="2400"/>
-              <a:buChar char="●"/>
-            </a:pPr>
-            <a:r>
-              <a:rPr lang="en" sz="2400">
-                <a:solidFill>
-                  <a:schemeClr val="dk1"/>
-                </a:solidFill>
-              </a:rPr>
-              <a:t>Institution Location Data</a:t>
-            </a:r>
-            <a:endParaRPr sz="2400">
-              <a:solidFill>
-                <a:schemeClr val="dk1"/>
-              </a:solidFill>
-            </a:endParaRPr>
-          </a:p>
-          <a:p>
-            <a:pPr indent="-381000" lvl="1" marL="914400" rtl="0" algn="l">
-              <a:spcBef>
-                <a:spcPts val="0"/>
-              </a:spcBef>
-              <a:spcAft>
-                <a:spcPts val="0"/>
-              </a:spcAft>
-              <a:buClr>
-                <a:schemeClr val="dk1"/>
-              </a:buClr>
-              <a:buSzPts val="2400"/>
-              <a:buChar char="○"/>
-            </a:pPr>
-            <a:r>
-              <a:rPr lang="en" sz="2400">
-                <a:solidFill>
-                  <a:schemeClr val="dk1"/>
-                </a:solidFill>
-              </a:rPr>
-              <a:t>Attribution: name, location (Lat, Long, State Abbreviations)</a:t>
-            </a:r>
-            <a:endParaRPr sz="2400">
-              <a:solidFill>
-                <a:schemeClr val="dk1"/>
-              </a:solidFill>
-            </a:endParaRPr>
-          </a:p>
-          <a:p>
-            <a:pPr indent="-381000" lvl="0" marL="457200" rtl="0" algn="l">
-              <a:spcBef>
-                <a:spcPts val="0"/>
-              </a:spcBef>
-              <a:spcAft>
-                <a:spcPts val="0"/>
-              </a:spcAft>
-              <a:buClr>
-                <a:schemeClr val="dk1"/>
-              </a:buClr>
-              <a:buSzPts val="2400"/>
-              <a:buChar char="●"/>
-            </a:pPr>
-            <a:r>
-              <a:rPr lang="en" sz="2400">
-                <a:solidFill>
-                  <a:schemeClr val="dk1"/>
-                </a:solidFill>
-              </a:rPr>
-              <a:t>MBTA Train Station Data</a:t>
-            </a:r>
-            <a:endParaRPr sz="2400">
-              <a:solidFill>
-                <a:schemeClr val="dk1"/>
-              </a:solidFill>
-            </a:endParaRPr>
-          </a:p>
-          <a:p>
-            <a:pPr indent="-381000" lvl="1" marL="914400" rtl="0" algn="l">
-              <a:spcBef>
-                <a:spcPts val="0"/>
-              </a:spcBef>
-              <a:spcAft>
-                <a:spcPts val="0"/>
-              </a:spcAft>
-              <a:buClr>
-                <a:schemeClr val="dk1"/>
-              </a:buClr>
-              <a:buSzPts val="2400"/>
-              <a:buChar char="○"/>
-            </a:pPr>
-            <a:r>
-              <a:rPr lang="en" sz="2400">
-                <a:solidFill>
-                  <a:schemeClr val="dk1"/>
-                </a:solidFill>
-              </a:rPr>
-              <a:t>Attribution: name, location (Lat, Long)</a:t>
-            </a:r>
-            <a:endParaRPr sz="2400">
-              <a:solidFill>
-                <a:schemeClr val="dk1"/>
-              </a:solidFill>
-            </a:endParaRPr>
-          </a:p>
-          <a:p>
-            <a:pPr indent="-381000" lvl="0" marL="457200" rtl="0" algn="l">
-              <a:spcBef>
-                <a:spcPts val="0"/>
-              </a:spcBef>
-              <a:spcAft>
-                <a:spcPts val="0"/>
-              </a:spcAft>
-              <a:buClr>
-                <a:schemeClr val="dk1"/>
-              </a:buClr>
-              <a:buSzPts val="2400"/>
-              <a:buChar char="●"/>
-            </a:pPr>
-            <a:r>
-              <a:rPr lang="en" sz="2400">
-                <a:solidFill>
-                  <a:schemeClr val="dk1"/>
-                </a:solidFill>
-              </a:rPr>
-              <a:t>Massachusetts Weather Data</a:t>
-            </a:r>
-            <a:endParaRPr sz="2400">
-              <a:solidFill>
-                <a:schemeClr val="dk1"/>
-              </a:solidFill>
-            </a:endParaRPr>
-          </a:p>
-          <a:p>
-            <a:pPr indent="-381000" lvl="1" marL="914400" rtl="0" algn="l">
-              <a:spcBef>
-                <a:spcPts val="0"/>
-              </a:spcBef>
-              <a:spcAft>
-                <a:spcPts val="0"/>
-              </a:spcAft>
-              <a:buClr>
-                <a:schemeClr val="dk1"/>
-              </a:buClr>
-              <a:buSzPts val="2400"/>
-              <a:buChar char="○"/>
-            </a:pPr>
-            <a:r>
-              <a:rPr lang="en" sz="2400">
-                <a:solidFill>
-                  <a:schemeClr val="dk1"/>
-                </a:solidFill>
-              </a:rPr>
-              <a:t>Attributions: </a:t>
-            </a:r>
-            <a:r>
-              <a:rPr lang="en" sz="2400">
-                <a:solidFill>
-                  <a:schemeClr val="dk1"/>
-                </a:solidFill>
-              </a:rPr>
-              <a:t>TMAX</a:t>
-            </a:r>
-            <a:r>
-              <a:rPr lang="en" sz="2400">
-                <a:solidFill>
-                  <a:schemeClr val="dk1"/>
-                </a:solidFill>
-              </a:rPr>
-              <a:t>, TMIN, PRCP</a:t>
-            </a:r>
-            <a:endParaRPr sz="2400">
-              <a:solidFill>
-                <a:schemeClr val="dk1"/>
-              </a:solidFill>
-            </a:endParaRPr>
-          </a:p>
-          <a:p>
-            <a:pPr indent="0" lvl="0" marL="0" rtl="0" algn="l">
-              <a:spcBef>
-                <a:spcPts val="0"/>
-              </a:spcBef>
-              <a:spcAft>
-                <a:spcPts val="0"/>
-              </a:spcAft>
-              <a:buNone/>
-            </a:pPr>
-            <a:r>
-              <a:rPr b="1" lang="en" sz="2400">
-                <a:solidFill>
-                  <a:schemeClr val="dk1"/>
-                </a:solidFill>
-              </a:rPr>
-              <a:t>Data Manipulation</a:t>
-            </a:r>
-            <a:endParaRPr b="1" sz="2400">
-              <a:solidFill>
-                <a:schemeClr val="dk1"/>
-              </a:solidFill>
-            </a:endParaRPr>
-          </a:p>
-          <a:p>
-            <a:pPr indent="-381000" lvl="0" marL="457200" rtl="0" algn="l">
-              <a:spcBef>
-                <a:spcPts val="0"/>
-              </a:spcBef>
-              <a:spcAft>
-                <a:spcPts val="0"/>
-              </a:spcAft>
-              <a:buClr>
-                <a:schemeClr val="dk1"/>
-              </a:buClr>
-              <a:buSzPts val="2400"/>
-              <a:buChar char="●"/>
-            </a:pPr>
-            <a:r>
-              <a:rPr lang="en" sz="2400">
-                <a:solidFill>
-                  <a:schemeClr val="dk1"/>
-                </a:solidFill>
-              </a:rPr>
-              <a:t>Merged all the user datasets and added/calculated necessary columns (e.g. year, month, trip duration, trip displacement)</a:t>
-            </a:r>
-            <a:endParaRPr sz="2400">
-              <a:solidFill>
-                <a:schemeClr val="dk1"/>
-              </a:solidFill>
-            </a:endParaRPr>
-          </a:p>
-          <a:p>
-            <a:pPr indent="-381000" lvl="0" marL="457200" rtl="0" algn="l">
-              <a:spcBef>
-                <a:spcPts val="0"/>
-              </a:spcBef>
-              <a:spcAft>
-                <a:spcPts val="0"/>
-              </a:spcAft>
-              <a:buClr>
-                <a:schemeClr val="dk1"/>
-              </a:buClr>
-              <a:buSzPts val="2400"/>
-              <a:buChar char="●"/>
-            </a:pPr>
-            <a:r>
-              <a:rPr lang="en" sz="2400">
-                <a:solidFill>
-                  <a:schemeClr val="dk1"/>
-                </a:solidFill>
-              </a:rPr>
-              <a:t>Using the station data, for each station, calculated the number of trips that started/ended at that station, number of trips that were made by subscribers, number of institutions within the 1km boundary, and number of MBTA stations within the 1km boundary</a:t>
-            </a:r>
-            <a:endParaRPr sz="2400">
-              <a:solidFill>
-                <a:schemeClr val="dk1"/>
-              </a:solidFill>
-            </a:endParaRPr>
-          </a:p>
-          <a:p>
-            <a:pPr indent="-381000" lvl="0" marL="457200" rtl="0" algn="l">
-              <a:spcBef>
-                <a:spcPts val="0"/>
-              </a:spcBef>
-              <a:spcAft>
-                <a:spcPts val="0"/>
-              </a:spcAft>
-              <a:buClr>
-                <a:schemeClr val="dk1"/>
-              </a:buClr>
-              <a:buSzPts val="2400"/>
-              <a:buChar char="●"/>
-            </a:pPr>
-            <a:r>
-              <a:rPr lang="en" sz="2400">
-                <a:solidFill>
-                  <a:schemeClr val="dk1"/>
-                </a:solidFill>
-              </a:rPr>
-              <a:t>The data is aggregated monthly. </a:t>
-            </a:r>
-            <a:endParaRPr sz="2400">
-              <a:solidFill>
-                <a:schemeClr val="dk1"/>
-              </a:solidFill>
-            </a:endParaRPr>
-          </a:p>
-          <a:p>
-            <a:pPr indent="-381000" lvl="0" marL="457200" rtl="0" algn="l">
-              <a:spcBef>
-                <a:spcPts val="0"/>
-              </a:spcBef>
-              <a:spcAft>
-                <a:spcPts val="0"/>
-              </a:spcAft>
-              <a:buClr>
-                <a:schemeClr val="dk1"/>
-              </a:buClr>
-              <a:buSzPts val="2400"/>
-              <a:buChar char="●"/>
-            </a:pPr>
-            <a:r>
-              <a:rPr lang="en" sz="2400">
-                <a:solidFill>
-                  <a:schemeClr val="dk1"/>
-                </a:solidFill>
-              </a:rPr>
-              <a:t>Tested models using a full model and compared them using AIC and BIC for model selection.</a:t>
-            </a:r>
-            <a:endParaRPr sz="2400">
-              <a:solidFill>
-                <a:schemeClr val="dk1"/>
-              </a:solidFill>
+              <a:latin typeface="Times New Roman"/>
+              <a:ea typeface="Times New Roman"/>
+              <a:cs typeface="Times New Roman"/>
+              <a:sym typeface="Times New Roman"/>
             </a:endParaRPr>
           </a:p>
         </p:txBody>
       </p:sp>
-      <p:sp>
-        <p:nvSpPr>
-          <p:cNvPr id="74" name="Google Shape;74;p13"/>
-          <p:cNvSpPr txBox="1"/>
+      <p:pic>
+        <p:nvPicPr>
+          <p:cNvPr id="79" name="Google Shape;79;p13"/>
+          <p:cNvPicPr preferRelativeResize="0"/>
           <p:nvPr/>
-        </p:nvSpPr>
+        </p:nvPicPr>
+        <p:blipFill>
+          <a:blip r:embed="rId4">
+            <a:alphaModFix/>
+          </a:blip>
+          <a:stretch>
+            <a:fillRect/>
+          </a:stretch>
+        </p:blipFill>
         <p:spPr>
           <a:xfrm>
-            <a:off x="12579913" y="9291438"/>
-            <a:ext cx="14247600" cy="914100"/>
+            <a:off x="403950" y="16241638"/>
+            <a:ext cx="11505499" cy="4229125"/>
           </a:xfrm>
           <a:prstGeom prst="rect">
             <a:avLst/>
@@ -7139,47 +9886,17 @@
             <a:noFill/>
           </a:ln>
         </p:spPr>
-        <p:txBody>
-          <a:bodyPr anchorCtr="0" anchor="t" bIns="91425" lIns="91425" spcFirstLastPara="1" rIns="91425" wrap="square" tIns="91425">
-            <a:noAutofit/>
-          </a:bodyPr>
-          <a:lstStyle/>
-          <a:p>
-            <a:pPr indent="0" lvl="0" marL="0" rtl="0" algn="l">
-              <a:spcBef>
-                <a:spcPts val="0"/>
-              </a:spcBef>
-              <a:spcAft>
-                <a:spcPts val="0"/>
-              </a:spcAft>
-              <a:buNone/>
-            </a:pPr>
-            <a:r>
-              <a:rPr lang="en" sz="2200">
-                <a:solidFill>
-                  <a:schemeClr val="dk1"/>
-                </a:solidFill>
-              </a:rPr>
-              <a:t>Figure 2: Barplot by municipality showing the distribution of five key factors along with total trips as the response variable. We can see that most of the factors are positively correlated with the response variable total_trips. </a:t>
-            </a:r>
-            <a:endParaRPr sz="2200">
-              <a:solidFill>
-                <a:schemeClr val="dk1"/>
-              </a:solidFill>
-            </a:endParaRPr>
-          </a:p>
-        </p:txBody>
-      </p:sp>
+      </p:pic>
       <p:sp>
         <p:nvSpPr>
-          <p:cNvPr id="75" name="Google Shape;75;p13"/>
+          <p:cNvPr id="80" name="Google Shape;80;p13"/>
           <p:cNvSpPr txBox="1"/>
           <p:nvPr/>
         </p:nvSpPr>
         <p:spPr>
           <a:xfrm>
-            <a:off x="12213375" y="18243700"/>
-            <a:ext cx="14998200" cy="467100"/>
+            <a:off x="21332688" y="8029375"/>
+            <a:ext cx="5722800" cy="3124800"/>
           </a:xfrm>
           <a:prstGeom prst="rect">
             <a:avLst/>
@@ -7195,7 +9912,7 @@
           </a:bodyPr>
           <a:lstStyle/>
           <a:p>
-            <a:pPr indent="0" lvl="0" marL="0" rtl="0" algn="ctr">
+            <a:pPr indent="0" lvl="0" marL="0" rtl="0" algn="l">
               <a:spcBef>
                 <a:spcPts val="0"/>
               </a:spcBef>
@@ -7205,31 +9922,4673 @@
               <a:buNone/>
             </a:pPr>
             <a:r>
-              <a:rPr lang="en" sz="2400">
+              <a:rPr b="1" i="1" lang="en" sz="2100">
                 <a:solidFill>
                   <a:schemeClr val="dk1"/>
                 </a:solidFill>
+                <a:latin typeface="Times New Roman"/>
+                <a:ea typeface="Times New Roman"/>
+                <a:cs typeface="Times New Roman"/>
+                <a:sym typeface="Times New Roman"/>
               </a:rPr>
-              <a:t>Figure 3: Residual v. Fitted plot for the final model. This plot shows that the linearity assumption meets.</a:t>
+              <a:t>Figure 2: </a:t>
             </a:r>
-            <a:endParaRPr sz="2400">
+            <a:r>
+              <a:rPr i="1" lang="en" sz="2100">
+                <a:solidFill>
+                  <a:schemeClr val="dk1"/>
+                </a:solidFill>
+                <a:latin typeface="Times New Roman"/>
+                <a:ea typeface="Times New Roman"/>
+                <a:cs typeface="Times New Roman"/>
+                <a:sym typeface="Times New Roman"/>
+              </a:rPr>
+              <a:t>The larger cluster observed in the plot corresponds to a higher concentration of observations in Boston, Cambridge, and Somerville. This grouping is expected, given the greater number of data points from these municipalities. Despite this, the residuals appear to be evenly distributed around the zero line across the range of fitted values, suggesting that the model satisfies the constant variance assumption.</a:t>
+            </a:r>
+            <a:endParaRPr b="1" i="1" sz="2100">
               <a:solidFill>
                 <a:schemeClr val="dk1"/>
               </a:solidFill>
+              <a:latin typeface="Times New Roman"/>
+              <a:ea typeface="Times New Roman"/>
+              <a:cs typeface="Times New Roman"/>
+              <a:sym typeface="Times New Roman"/>
             </a:endParaRPr>
           </a:p>
         </p:txBody>
       </p:sp>
+      <p:graphicFrame>
+        <p:nvGraphicFramePr>
+          <p:cNvPr id="81" name="Google Shape;81;p13"/>
+          <p:cNvGraphicFramePr/>
+          <p:nvPr/>
+        </p:nvGraphicFramePr>
+        <p:xfrm>
+          <a:off x="12303125" y="12621563"/>
+          <a:ext cx="3000000" cy="3000000"/>
+        </p:xfrm>
+        <a:graphic>
+          <a:graphicData uri="http://schemas.openxmlformats.org/drawingml/2006/table">
+            <a:tbl>
+              <a:tblPr>
+                <a:noFill/>
+                <a:tableStyleId>{139D3AC5-8908-4B74-92D6-4A814344356D}</a:tableStyleId>
+              </a:tblPr>
+              <a:tblGrid>
+                <a:gridCol w="3103400"/>
+                <a:gridCol w="1538675"/>
+                <a:gridCol w="2775150"/>
+                <a:gridCol w="2178625"/>
+                <a:gridCol w="3350200"/>
+                <a:gridCol w="1825650"/>
+              </a:tblGrid>
+              <a:tr h="381000">
+                <a:tc>
+                  <a:txBody>
+                    <a:bodyPr/>
+                    <a:lstStyle/>
+                    <a:p>
+                      <a:pPr indent="0" lvl="0" marL="0" rtl="0" algn="l">
+                        <a:lnSpc>
+                          <a:spcPct val="80000"/>
+                        </a:lnSpc>
+                        <a:spcBef>
+                          <a:spcPts val="0"/>
+                        </a:spcBef>
+                        <a:spcAft>
+                          <a:spcPts val="0"/>
+                        </a:spcAft>
+                        <a:buNone/>
+                      </a:pPr>
+                      <a:r>
+                        <a:rPr b="1" lang="en" sz="2000">
+                          <a:solidFill>
+                            <a:schemeClr val="dk1"/>
+                          </a:solidFill>
+                          <a:latin typeface="Times New Roman"/>
+                          <a:ea typeface="Times New Roman"/>
+                          <a:cs typeface="Times New Roman"/>
+                          <a:sym typeface="Times New Roman"/>
+                        </a:rPr>
+                        <a:t>Predictor</a:t>
+                      </a:r>
+                      <a:endParaRPr b="1" sz="2000">
+                        <a:solidFill>
+                          <a:schemeClr val="dk1"/>
+                        </a:solidFill>
+                        <a:latin typeface="Times New Roman"/>
+                        <a:ea typeface="Times New Roman"/>
+                        <a:cs typeface="Times New Roman"/>
+                        <a:sym typeface="Times New Roman"/>
+                      </a:endParaRPr>
+                    </a:p>
+                  </a:txBody>
+                  <a:tcPr marT="91425" marB="91425" marR="91425" marL="91425" anchor="ctr">
+                    <a:lnL cap="flat" cmpd="sng" w="19050">
+                      <a:solidFill>
+                        <a:schemeClr val="dk1">
+                          <a:alpha val="0"/>
+                        </a:schemeClr>
+                      </a:solidFill>
+                      <a:prstDash val="solid"/>
+                      <a:round/>
+                      <a:headEnd len="sm" w="sm" type="none"/>
+                      <a:tailEnd len="sm" w="sm" type="none"/>
+                    </a:lnL>
+                    <a:lnR cap="flat" cmpd="sng" w="19050">
+                      <a:solidFill>
+                        <a:schemeClr val="dk1"/>
+                      </a:solidFill>
+                      <a:prstDash val="solid"/>
+                      <a:round/>
+                      <a:headEnd len="sm" w="sm" type="none"/>
+                      <a:tailEnd len="sm" w="sm" type="none"/>
+                    </a:lnR>
+                    <a:lnT cap="flat" cmpd="sng" w="19050">
+                      <a:solidFill>
+                        <a:schemeClr val="dk1"/>
+                      </a:solidFill>
+                      <a:prstDash val="solid"/>
+                      <a:round/>
+                      <a:headEnd len="sm" w="sm" type="none"/>
+                      <a:tailEnd len="sm" w="sm" type="none"/>
+                    </a:lnT>
+                    <a:lnB cap="flat" cmpd="sng" w="19050">
+                      <a:solidFill>
+                        <a:schemeClr val="dk1"/>
+                      </a:solidFill>
+                      <a:prstDash val="solid"/>
+                      <a:round/>
+                      <a:headEnd len="sm" w="sm" type="none"/>
+                      <a:tailEnd len="sm" w="sm" type="none"/>
+                    </a:lnB>
+                    <a:solidFill>
+                      <a:srgbClr val="7FB7F8"/>
+                    </a:solidFill>
+                  </a:tcPr>
+                </a:tc>
+                <a:tc>
+                  <a:txBody>
+                    <a:bodyPr/>
+                    <a:lstStyle/>
+                    <a:p>
+                      <a:pPr indent="0" lvl="0" marL="0" rtl="0" algn="l">
+                        <a:lnSpc>
+                          <a:spcPct val="80000"/>
+                        </a:lnSpc>
+                        <a:spcBef>
+                          <a:spcPts val="0"/>
+                        </a:spcBef>
+                        <a:spcAft>
+                          <a:spcPts val="0"/>
+                        </a:spcAft>
+                        <a:buNone/>
+                      </a:pPr>
+                      <a:r>
+                        <a:rPr b="1" lang="en" sz="2000">
+                          <a:solidFill>
+                            <a:schemeClr val="dk1"/>
+                          </a:solidFill>
+                          <a:latin typeface="Times New Roman"/>
+                          <a:ea typeface="Times New Roman"/>
+                          <a:cs typeface="Times New Roman"/>
+                          <a:sym typeface="Times New Roman"/>
+                        </a:rPr>
+                        <a:t>Coefficient</a:t>
+                      </a:r>
+                      <a:endParaRPr b="1" sz="2000">
+                        <a:solidFill>
+                          <a:schemeClr val="dk1"/>
+                        </a:solidFill>
+                        <a:latin typeface="Times New Roman"/>
+                        <a:ea typeface="Times New Roman"/>
+                        <a:cs typeface="Times New Roman"/>
+                        <a:sym typeface="Times New Roman"/>
+                      </a:endParaRPr>
+                    </a:p>
+                  </a:txBody>
+                  <a:tcPr marT="91425" marB="91425" marR="91425" marL="91425" anchor="ctr">
+                    <a:lnL cap="flat" cmpd="sng" w="19050">
+                      <a:solidFill>
+                        <a:schemeClr val="dk1"/>
+                      </a:solidFill>
+                      <a:prstDash val="solid"/>
+                      <a:round/>
+                      <a:headEnd len="sm" w="sm" type="none"/>
+                      <a:tailEnd len="sm" w="sm" type="none"/>
+                    </a:lnL>
+                    <a:lnR cap="flat" cmpd="sng" w="19050">
+                      <a:solidFill>
+                        <a:schemeClr val="dk1"/>
+                      </a:solidFill>
+                      <a:prstDash val="solid"/>
+                      <a:round/>
+                      <a:headEnd len="sm" w="sm" type="none"/>
+                      <a:tailEnd len="sm" w="sm" type="none"/>
+                    </a:lnR>
+                    <a:lnT cap="flat" cmpd="sng" w="19050">
+                      <a:solidFill>
+                        <a:schemeClr val="dk1"/>
+                      </a:solidFill>
+                      <a:prstDash val="solid"/>
+                      <a:round/>
+                      <a:headEnd len="sm" w="sm" type="none"/>
+                      <a:tailEnd len="sm" w="sm" type="none"/>
+                    </a:lnT>
+                    <a:lnB cap="flat" cmpd="sng" w="19050">
+                      <a:solidFill>
+                        <a:schemeClr val="dk1"/>
+                      </a:solidFill>
+                      <a:prstDash val="solid"/>
+                      <a:round/>
+                      <a:headEnd len="sm" w="sm" type="none"/>
+                      <a:tailEnd len="sm" w="sm" type="none"/>
+                    </a:lnB>
+                    <a:solidFill>
+                      <a:srgbClr val="7FB7F8"/>
+                    </a:solidFill>
+                  </a:tcPr>
+                </a:tc>
+                <a:tc>
+                  <a:txBody>
+                    <a:bodyPr/>
+                    <a:lstStyle/>
+                    <a:p>
+                      <a:pPr indent="0" lvl="0" marL="0" rtl="0" algn="l">
+                        <a:lnSpc>
+                          <a:spcPct val="80000"/>
+                        </a:lnSpc>
+                        <a:spcBef>
+                          <a:spcPts val="0"/>
+                        </a:spcBef>
+                        <a:spcAft>
+                          <a:spcPts val="0"/>
+                        </a:spcAft>
+                        <a:buNone/>
+                      </a:pPr>
+                      <a:r>
+                        <a:rPr b="1" lang="en" sz="2000">
+                          <a:solidFill>
+                            <a:schemeClr val="dk1"/>
+                          </a:solidFill>
+                          <a:latin typeface="Times New Roman"/>
+                          <a:ea typeface="Times New Roman"/>
+                          <a:cs typeface="Times New Roman"/>
+                          <a:sym typeface="Times New Roman"/>
+                        </a:rPr>
+                        <a:t>Predictor</a:t>
+                      </a:r>
+                      <a:endParaRPr b="1" sz="2000">
+                        <a:solidFill>
+                          <a:schemeClr val="dk1"/>
+                        </a:solidFill>
+                        <a:latin typeface="Times New Roman"/>
+                        <a:ea typeface="Times New Roman"/>
+                        <a:cs typeface="Times New Roman"/>
+                        <a:sym typeface="Times New Roman"/>
+                      </a:endParaRPr>
+                    </a:p>
+                  </a:txBody>
+                  <a:tcPr marT="91425" marB="91425" marR="91425" marL="91425" anchor="ctr">
+                    <a:lnL cap="flat" cmpd="sng" w="19050">
+                      <a:solidFill>
+                        <a:schemeClr val="dk1"/>
+                      </a:solidFill>
+                      <a:prstDash val="solid"/>
+                      <a:round/>
+                      <a:headEnd len="sm" w="sm" type="none"/>
+                      <a:tailEnd len="sm" w="sm" type="none"/>
+                    </a:lnL>
+                    <a:lnR cap="flat" cmpd="sng" w="19050">
+                      <a:solidFill>
+                        <a:schemeClr val="dk1"/>
+                      </a:solidFill>
+                      <a:prstDash val="solid"/>
+                      <a:round/>
+                      <a:headEnd len="sm" w="sm" type="none"/>
+                      <a:tailEnd len="sm" w="sm" type="none"/>
+                    </a:lnR>
+                    <a:lnT cap="flat" cmpd="sng" w="19050">
+                      <a:solidFill>
+                        <a:schemeClr val="dk1"/>
+                      </a:solidFill>
+                      <a:prstDash val="solid"/>
+                      <a:round/>
+                      <a:headEnd len="sm" w="sm" type="none"/>
+                      <a:tailEnd len="sm" w="sm" type="none"/>
+                    </a:lnT>
+                    <a:lnB cap="flat" cmpd="sng" w="19050">
+                      <a:solidFill>
+                        <a:schemeClr val="dk1"/>
+                      </a:solidFill>
+                      <a:prstDash val="solid"/>
+                      <a:round/>
+                      <a:headEnd len="sm" w="sm" type="none"/>
+                      <a:tailEnd len="sm" w="sm" type="none"/>
+                    </a:lnB>
+                    <a:solidFill>
+                      <a:srgbClr val="7FB7F8"/>
+                    </a:solidFill>
+                  </a:tcPr>
+                </a:tc>
+                <a:tc>
+                  <a:txBody>
+                    <a:bodyPr/>
+                    <a:lstStyle/>
+                    <a:p>
+                      <a:pPr indent="0" lvl="0" marL="0" rtl="0" algn="l">
+                        <a:lnSpc>
+                          <a:spcPct val="80000"/>
+                        </a:lnSpc>
+                        <a:spcBef>
+                          <a:spcPts val="0"/>
+                        </a:spcBef>
+                        <a:spcAft>
+                          <a:spcPts val="0"/>
+                        </a:spcAft>
+                        <a:buNone/>
+                      </a:pPr>
+                      <a:r>
+                        <a:rPr b="1" lang="en" sz="2000">
+                          <a:solidFill>
+                            <a:schemeClr val="dk1"/>
+                          </a:solidFill>
+                          <a:latin typeface="Times New Roman"/>
+                          <a:ea typeface="Times New Roman"/>
+                          <a:cs typeface="Times New Roman"/>
+                          <a:sym typeface="Times New Roman"/>
+                        </a:rPr>
+                        <a:t>Coefficient</a:t>
+                      </a:r>
+                      <a:endParaRPr b="1" sz="2000">
+                        <a:solidFill>
+                          <a:schemeClr val="dk1"/>
+                        </a:solidFill>
+                        <a:latin typeface="Times New Roman"/>
+                        <a:ea typeface="Times New Roman"/>
+                        <a:cs typeface="Times New Roman"/>
+                        <a:sym typeface="Times New Roman"/>
+                      </a:endParaRPr>
+                    </a:p>
+                  </a:txBody>
+                  <a:tcPr marT="91425" marB="91425" marR="91425" marL="91425" anchor="ctr">
+                    <a:lnL cap="flat" cmpd="sng" w="19050">
+                      <a:solidFill>
+                        <a:schemeClr val="dk1"/>
+                      </a:solidFill>
+                      <a:prstDash val="solid"/>
+                      <a:round/>
+                      <a:headEnd len="sm" w="sm" type="none"/>
+                      <a:tailEnd len="sm" w="sm" type="none"/>
+                    </a:lnL>
+                    <a:lnR cap="flat" cmpd="sng" w="19050">
+                      <a:solidFill>
+                        <a:schemeClr val="dk1"/>
+                      </a:solidFill>
+                      <a:prstDash val="solid"/>
+                      <a:round/>
+                      <a:headEnd len="sm" w="sm" type="none"/>
+                      <a:tailEnd len="sm" w="sm" type="none"/>
+                    </a:lnR>
+                    <a:lnT cap="flat" cmpd="sng" w="19050">
+                      <a:solidFill>
+                        <a:schemeClr val="dk1"/>
+                      </a:solidFill>
+                      <a:prstDash val="solid"/>
+                      <a:round/>
+                      <a:headEnd len="sm" w="sm" type="none"/>
+                      <a:tailEnd len="sm" w="sm" type="none"/>
+                    </a:lnT>
+                    <a:lnB cap="flat" cmpd="sng" w="19050">
+                      <a:solidFill>
+                        <a:schemeClr val="dk1"/>
+                      </a:solidFill>
+                      <a:prstDash val="solid"/>
+                      <a:round/>
+                      <a:headEnd len="sm" w="sm" type="none"/>
+                      <a:tailEnd len="sm" w="sm" type="none"/>
+                    </a:lnB>
+                    <a:solidFill>
+                      <a:srgbClr val="7FB7F8"/>
+                    </a:solidFill>
+                  </a:tcPr>
+                </a:tc>
+                <a:tc>
+                  <a:txBody>
+                    <a:bodyPr/>
+                    <a:lstStyle/>
+                    <a:p>
+                      <a:pPr indent="0" lvl="0" marL="0" rtl="0" algn="l">
+                        <a:lnSpc>
+                          <a:spcPct val="80000"/>
+                        </a:lnSpc>
+                        <a:spcBef>
+                          <a:spcPts val="0"/>
+                        </a:spcBef>
+                        <a:spcAft>
+                          <a:spcPts val="0"/>
+                        </a:spcAft>
+                        <a:buNone/>
+                      </a:pPr>
+                      <a:r>
+                        <a:rPr b="1" lang="en" sz="2000">
+                          <a:solidFill>
+                            <a:schemeClr val="dk1"/>
+                          </a:solidFill>
+                          <a:latin typeface="Times New Roman"/>
+                          <a:ea typeface="Times New Roman"/>
+                          <a:cs typeface="Times New Roman"/>
+                          <a:sym typeface="Times New Roman"/>
+                        </a:rPr>
+                        <a:t>Predictor</a:t>
+                      </a:r>
+                      <a:endParaRPr b="1" sz="2000">
+                        <a:solidFill>
+                          <a:schemeClr val="dk1"/>
+                        </a:solidFill>
+                        <a:latin typeface="Times New Roman"/>
+                        <a:ea typeface="Times New Roman"/>
+                        <a:cs typeface="Times New Roman"/>
+                        <a:sym typeface="Times New Roman"/>
+                      </a:endParaRPr>
+                    </a:p>
+                  </a:txBody>
+                  <a:tcPr marT="91425" marB="91425" marR="91425" marL="91425" anchor="ctr">
+                    <a:lnL cap="flat" cmpd="sng" w="19050">
+                      <a:solidFill>
+                        <a:schemeClr val="dk1"/>
+                      </a:solidFill>
+                      <a:prstDash val="solid"/>
+                      <a:round/>
+                      <a:headEnd len="sm" w="sm" type="none"/>
+                      <a:tailEnd len="sm" w="sm" type="none"/>
+                    </a:lnL>
+                    <a:lnR cap="flat" cmpd="sng" w="19050">
+                      <a:solidFill>
+                        <a:schemeClr val="dk1"/>
+                      </a:solidFill>
+                      <a:prstDash val="solid"/>
+                      <a:round/>
+                      <a:headEnd len="sm" w="sm" type="none"/>
+                      <a:tailEnd len="sm" w="sm" type="none"/>
+                    </a:lnR>
+                    <a:lnT cap="flat" cmpd="sng" w="19050">
+                      <a:solidFill>
+                        <a:schemeClr val="dk1"/>
+                      </a:solidFill>
+                      <a:prstDash val="solid"/>
+                      <a:round/>
+                      <a:headEnd len="sm" w="sm" type="none"/>
+                      <a:tailEnd len="sm" w="sm" type="none"/>
+                    </a:lnT>
+                    <a:lnB cap="flat" cmpd="sng" w="19050">
+                      <a:solidFill>
+                        <a:schemeClr val="dk1"/>
+                      </a:solidFill>
+                      <a:prstDash val="solid"/>
+                      <a:round/>
+                      <a:headEnd len="sm" w="sm" type="none"/>
+                      <a:tailEnd len="sm" w="sm" type="none"/>
+                    </a:lnB>
+                    <a:solidFill>
+                      <a:srgbClr val="7FB7F8"/>
+                    </a:solidFill>
+                  </a:tcPr>
+                </a:tc>
+                <a:tc>
+                  <a:txBody>
+                    <a:bodyPr/>
+                    <a:lstStyle/>
+                    <a:p>
+                      <a:pPr indent="0" lvl="0" marL="0" rtl="0" algn="l">
+                        <a:lnSpc>
+                          <a:spcPct val="80000"/>
+                        </a:lnSpc>
+                        <a:spcBef>
+                          <a:spcPts val="0"/>
+                        </a:spcBef>
+                        <a:spcAft>
+                          <a:spcPts val="0"/>
+                        </a:spcAft>
+                        <a:buNone/>
+                      </a:pPr>
+                      <a:r>
+                        <a:rPr b="1" lang="en" sz="2000">
+                          <a:solidFill>
+                            <a:schemeClr val="dk1"/>
+                          </a:solidFill>
+                          <a:latin typeface="Times New Roman"/>
+                          <a:ea typeface="Times New Roman"/>
+                          <a:cs typeface="Times New Roman"/>
+                          <a:sym typeface="Times New Roman"/>
+                        </a:rPr>
+                        <a:t>Coefficient</a:t>
+                      </a:r>
+                      <a:endParaRPr b="1" sz="2000">
+                        <a:solidFill>
+                          <a:schemeClr val="dk1"/>
+                        </a:solidFill>
+                        <a:latin typeface="Times New Roman"/>
+                        <a:ea typeface="Times New Roman"/>
+                        <a:cs typeface="Times New Roman"/>
+                        <a:sym typeface="Times New Roman"/>
+                      </a:endParaRPr>
+                    </a:p>
+                  </a:txBody>
+                  <a:tcPr marT="91425" marB="91425" marR="91425" marL="91425" anchor="ctr">
+                    <a:lnL cap="flat" cmpd="sng" w="19050">
+                      <a:solidFill>
+                        <a:schemeClr val="dk1"/>
+                      </a:solidFill>
+                      <a:prstDash val="solid"/>
+                      <a:round/>
+                      <a:headEnd len="sm" w="sm" type="none"/>
+                      <a:tailEnd len="sm" w="sm" type="none"/>
+                    </a:lnL>
+                    <a:lnR cap="flat" cmpd="sng" w="19050">
+                      <a:solidFill>
+                        <a:schemeClr val="dk1">
+                          <a:alpha val="0"/>
+                        </a:schemeClr>
+                      </a:solidFill>
+                      <a:prstDash val="solid"/>
+                      <a:round/>
+                      <a:headEnd len="sm" w="sm" type="none"/>
+                      <a:tailEnd len="sm" w="sm" type="none"/>
+                    </a:lnR>
+                    <a:lnT cap="flat" cmpd="sng" w="19050">
+                      <a:solidFill>
+                        <a:schemeClr val="dk1"/>
+                      </a:solidFill>
+                      <a:prstDash val="solid"/>
+                      <a:round/>
+                      <a:headEnd len="sm" w="sm" type="none"/>
+                      <a:tailEnd len="sm" w="sm" type="none"/>
+                    </a:lnT>
+                    <a:lnB cap="flat" cmpd="sng" w="19050">
+                      <a:solidFill>
+                        <a:schemeClr val="dk1"/>
+                      </a:solidFill>
+                      <a:prstDash val="solid"/>
+                      <a:round/>
+                      <a:headEnd len="sm" w="sm" type="none"/>
+                      <a:tailEnd len="sm" w="sm" type="none"/>
+                    </a:lnB>
+                    <a:solidFill>
+                      <a:srgbClr val="7FB7F8"/>
+                    </a:solidFill>
+                  </a:tcPr>
+                </a:tc>
+              </a:tr>
+              <a:tr h="381000">
+                <a:tc>
+                  <a:txBody>
+                    <a:bodyPr/>
+                    <a:lstStyle/>
+                    <a:p>
+                      <a:pPr indent="0" lvl="0" marL="0" rtl="0" algn="l">
+                        <a:lnSpc>
+                          <a:spcPct val="80000"/>
+                        </a:lnSpc>
+                        <a:spcBef>
+                          <a:spcPts val="0"/>
+                        </a:spcBef>
+                        <a:spcAft>
+                          <a:spcPts val="0"/>
+                        </a:spcAft>
+                        <a:buNone/>
+                      </a:pPr>
+                      <a:r>
+                        <a:rPr lang="en" sz="2000">
+                          <a:solidFill>
+                            <a:schemeClr val="dk1"/>
+                          </a:solidFill>
+                          <a:latin typeface="Times New Roman"/>
+                          <a:ea typeface="Times New Roman"/>
+                          <a:cs typeface="Times New Roman"/>
+                          <a:sym typeface="Times New Roman"/>
+                        </a:rPr>
+                        <a:t>Intercept</a:t>
+                      </a:r>
+                      <a:endParaRPr sz="2000">
+                        <a:solidFill>
+                          <a:schemeClr val="dk1"/>
+                        </a:solidFill>
+                        <a:latin typeface="Times New Roman"/>
+                        <a:ea typeface="Times New Roman"/>
+                        <a:cs typeface="Times New Roman"/>
+                        <a:sym typeface="Times New Roman"/>
+                      </a:endParaRPr>
+                    </a:p>
+                  </a:txBody>
+                  <a:tcPr marT="91425" marB="91425" marR="91425" marL="91425" anchor="ctr">
+                    <a:lnL cap="flat" cmpd="sng" w="19050">
+                      <a:solidFill>
+                        <a:schemeClr val="dk1">
+                          <a:alpha val="0"/>
+                        </a:schemeClr>
+                      </a:solidFill>
+                      <a:prstDash val="solid"/>
+                      <a:round/>
+                      <a:headEnd len="sm" w="sm" type="none"/>
+                      <a:tailEnd len="sm" w="sm" type="none"/>
+                    </a:lnL>
+                    <a:lnR cap="flat" cmpd="sng" w="19050">
+                      <a:solidFill>
+                        <a:schemeClr val="dk1"/>
+                      </a:solidFill>
+                      <a:prstDash val="solid"/>
+                      <a:round/>
+                      <a:headEnd len="sm" w="sm" type="none"/>
+                      <a:tailEnd len="sm" w="sm" type="none"/>
+                    </a:lnR>
+                    <a:lnT cap="flat" cmpd="sng" w="19050">
+                      <a:solidFill>
+                        <a:schemeClr val="dk1"/>
+                      </a:solidFill>
+                      <a:prstDash val="solid"/>
+                      <a:round/>
+                      <a:headEnd len="sm" w="sm" type="none"/>
+                      <a:tailEnd len="sm" w="sm" type="none"/>
+                    </a:lnT>
+                    <a:lnB cap="flat" cmpd="sng" w="19050">
+                      <a:solidFill>
+                        <a:schemeClr val="dk1"/>
+                      </a:solidFill>
+                      <a:prstDash val="solid"/>
+                      <a:round/>
+                      <a:headEnd len="sm" w="sm" type="none"/>
+                      <a:tailEnd len="sm" w="sm" type="none"/>
+                    </a:lnB>
+                    <a:solidFill>
+                      <a:srgbClr val="D4D8FF"/>
+                    </a:solidFill>
+                  </a:tcPr>
+                </a:tc>
+                <a:tc>
+                  <a:txBody>
+                    <a:bodyPr/>
+                    <a:lstStyle/>
+                    <a:p>
+                      <a:pPr indent="0" lvl="0" marL="0" rtl="0" algn="l">
+                        <a:lnSpc>
+                          <a:spcPct val="80000"/>
+                        </a:lnSpc>
+                        <a:spcBef>
+                          <a:spcPts val="0"/>
+                        </a:spcBef>
+                        <a:spcAft>
+                          <a:spcPts val="0"/>
+                        </a:spcAft>
+                        <a:buNone/>
+                      </a:pPr>
+                      <a:r>
+                        <a:rPr b="1" lang="en" sz="2000">
+                          <a:solidFill>
+                            <a:schemeClr val="dk1"/>
+                          </a:solidFill>
+                          <a:latin typeface="Times New Roman"/>
+                          <a:ea typeface="Times New Roman"/>
+                          <a:cs typeface="Times New Roman"/>
+                          <a:sym typeface="Times New Roman"/>
+                        </a:rPr>
+                        <a:t>-926.9</a:t>
+                      </a:r>
+                      <a:endParaRPr b="1" sz="2000">
+                        <a:solidFill>
+                          <a:schemeClr val="dk1"/>
+                        </a:solidFill>
+                        <a:latin typeface="Times New Roman"/>
+                        <a:ea typeface="Times New Roman"/>
+                        <a:cs typeface="Times New Roman"/>
+                        <a:sym typeface="Times New Roman"/>
+                      </a:endParaRPr>
+                    </a:p>
+                  </a:txBody>
+                  <a:tcPr marT="91425" marB="91425" marR="91425" marL="91425" anchor="ctr">
+                    <a:lnL cap="flat" cmpd="sng" w="19050">
+                      <a:solidFill>
+                        <a:schemeClr val="dk1"/>
+                      </a:solidFill>
+                      <a:prstDash val="solid"/>
+                      <a:round/>
+                      <a:headEnd len="sm" w="sm" type="none"/>
+                      <a:tailEnd len="sm" w="sm" type="none"/>
+                    </a:lnL>
+                    <a:lnR cap="flat" cmpd="sng" w="19050">
+                      <a:solidFill>
+                        <a:schemeClr val="dk1"/>
+                      </a:solidFill>
+                      <a:prstDash val="solid"/>
+                      <a:round/>
+                      <a:headEnd len="sm" w="sm" type="none"/>
+                      <a:tailEnd len="sm" w="sm" type="none"/>
+                    </a:lnR>
+                    <a:lnT cap="flat" cmpd="sng" w="19050">
+                      <a:solidFill>
+                        <a:schemeClr val="dk1"/>
+                      </a:solidFill>
+                      <a:prstDash val="solid"/>
+                      <a:round/>
+                      <a:headEnd len="sm" w="sm" type="none"/>
+                      <a:tailEnd len="sm" w="sm" type="none"/>
+                    </a:lnT>
+                    <a:lnB cap="flat" cmpd="sng" w="19050">
+                      <a:solidFill>
+                        <a:schemeClr val="dk1"/>
+                      </a:solidFill>
+                      <a:prstDash val="solid"/>
+                      <a:round/>
+                      <a:headEnd len="sm" w="sm" type="none"/>
+                      <a:tailEnd len="sm" w="sm" type="none"/>
+                    </a:lnB>
+                    <a:solidFill>
+                      <a:srgbClr val="D4D8FF"/>
+                    </a:solidFill>
+                  </a:tcPr>
+                </a:tc>
+                <a:tc>
+                  <a:txBody>
+                    <a:bodyPr/>
+                    <a:lstStyle/>
+                    <a:p>
+                      <a:pPr indent="0" lvl="0" marL="0" rtl="0" algn="l">
+                        <a:lnSpc>
+                          <a:spcPct val="80000"/>
+                        </a:lnSpc>
+                        <a:spcBef>
+                          <a:spcPts val="0"/>
+                        </a:spcBef>
+                        <a:spcAft>
+                          <a:spcPts val="0"/>
+                        </a:spcAft>
+                        <a:buNone/>
+                      </a:pPr>
+                      <a:r>
+                        <a:rPr lang="en" sz="2000">
+                          <a:solidFill>
+                            <a:schemeClr val="dk1"/>
+                          </a:solidFill>
+                          <a:latin typeface="Times New Roman"/>
+                          <a:ea typeface="Times New Roman"/>
+                          <a:cs typeface="Times New Roman"/>
+                          <a:sym typeface="Times New Roman"/>
+                        </a:rPr>
+                        <a:t>Municipality - Revere</a:t>
+                      </a:r>
+                      <a:endParaRPr sz="2000">
+                        <a:solidFill>
+                          <a:schemeClr val="dk1"/>
+                        </a:solidFill>
+                        <a:latin typeface="Times New Roman"/>
+                        <a:ea typeface="Times New Roman"/>
+                        <a:cs typeface="Times New Roman"/>
+                        <a:sym typeface="Times New Roman"/>
+                      </a:endParaRPr>
+                    </a:p>
+                  </a:txBody>
+                  <a:tcPr marT="91425" marB="91425" marR="91425" marL="91425" anchor="ctr">
+                    <a:lnL cap="flat" cmpd="sng" w="19050">
+                      <a:solidFill>
+                        <a:schemeClr val="dk1"/>
+                      </a:solidFill>
+                      <a:prstDash val="solid"/>
+                      <a:round/>
+                      <a:headEnd len="sm" w="sm" type="none"/>
+                      <a:tailEnd len="sm" w="sm" type="none"/>
+                    </a:lnL>
+                    <a:lnR cap="flat" cmpd="sng" w="19050">
+                      <a:solidFill>
+                        <a:schemeClr val="dk1"/>
+                      </a:solidFill>
+                      <a:prstDash val="solid"/>
+                      <a:round/>
+                      <a:headEnd len="sm" w="sm" type="none"/>
+                      <a:tailEnd len="sm" w="sm" type="none"/>
+                    </a:lnR>
+                    <a:lnT cap="flat" cmpd="sng" w="19050">
+                      <a:solidFill>
+                        <a:schemeClr val="dk1"/>
+                      </a:solidFill>
+                      <a:prstDash val="solid"/>
+                      <a:round/>
+                      <a:headEnd len="sm" w="sm" type="none"/>
+                      <a:tailEnd len="sm" w="sm" type="none"/>
+                    </a:lnT>
+                    <a:lnB cap="flat" cmpd="sng" w="19050">
+                      <a:solidFill>
+                        <a:schemeClr val="dk1"/>
+                      </a:solidFill>
+                      <a:prstDash val="solid"/>
+                      <a:round/>
+                      <a:headEnd len="sm" w="sm" type="none"/>
+                      <a:tailEnd len="sm" w="sm" type="none"/>
+                    </a:lnB>
+                    <a:solidFill>
+                      <a:srgbClr val="D4D8FF"/>
+                    </a:solidFill>
+                  </a:tcPr>
+                </a:tc>
+                <a:tc>
+                  <a:txBody>
+                    <a:bodyPr/>
+                    <a:lstStyle/>
+                    <a:p>
+                      <a:pPr indent="0" lvl="0" marL="0" rtl="0" algn="l">
+                        <a:lnSpc>
+                          <a:spcPct val="80000"/>
+                        </a:lnSpc>
+                        <a:spcBef>
+                          <a:spcPts val="0"/>
+                        </a:spcBef>
+                        <a:spcAft>
+                          <a:spcPts val="0"/>
+                        </a:spcAft>
+                        <a:buNone/>
+                      </a:pPr>
+                      <a:r>
+                        <a:rPr b="1" lang="en" sz="2000">
+                          <a:solidFill>
+                            <a:schemeClr val="dk1"/>
+                          </a:solidFill>
+                          <a:latin typeface="Times New Roman"/>
+                          <a:ea typeface="Times New Roman"/>
+                          <a:cs typeface="Times New Roman"/>
+                          <a:sym typeface="Times New Roman"/>
+                        </a:rPr>
+                        <a:t>-14.25</a:t>
+                      </a:r>
+                      <a:endParaRPr b="1" sz="2000">
+                        <a:solidFill>
+                          <a:schemeClr val="dk1"/>
+                        </a:solidFill>
+                        <a:latin typeface="Times New Roman"/>
+                        <a:ea typeface="Times New Roman"/>
+                        <a:cs typeface="Times New Roman"/>
+                        <a:sym typeface="Times New Roman"/>
+                      </a:endParaRPr>
+                    </a:p>
+                  </a:txBody>
+                  <a:tcPr marT="91425" marB="91425" marR="91425" marL="91425" anchor="ctr">
+                    <a:lnL cap="flat" cmpd="sng" w="19050">
+                      <a:solidFill>
+                        <a:schemeClr val="dk1"/>
+                      </a:solidFill>
+                      <a:prstDash val="solid"/>
+                      <a:round/>
+                      <a:headEnd len="sm" w="sm" type="none"/>
+                      <a:tailEnd len="sm" w="sm" type="none"/>
+                    </a:lnL>
+                    <a:lnR cap="flat" cmpd="sng" w="19050">
+                      <a:solidFill>
+                        <a:schemeClr val="dk1"/>
+                      </a:solidFill>
+                      <a:prstDash val="solid"/>
+                      <a:round/>
+                      <a:headEnd len="sm" w="sm" type="none"/>
+                      <a:tailEnd len="sm" w="sm" type="none"/>
+                    </a:lnR>
+                    <a:lnT cap="flat" cmpd="sng" w="19050">
+                      <a:solidFill>
+                        <a:schemeClr val="dk1"/>
+                      </a:solidFill>
+                      <a:prstDash val="solid"/>
+                      <a:round/>
+                      <a:headEnd len="sm" w="sm" type="none"/>
+                      <a:tailEnd len="sm" w="sm" type="none"/>
+                    </a:lnT>
+                    <a:lnB cap="flat" cmpd="sng" w="19050">
+                      <a:solidFill>
+                        <a:schemeClr val="dk1"/>
+                      </a:solidFill>
+                      <a:prstDash val="solid"/>
+                      <a:round/>
+                      <a:headEnd len="sm" w="sm" type="none"/>
+                      <a:tailEnd len="sm" w="sm" type="none"/>
+                    </a:lnB>
+                    <a:solidFill>
+                      <a:srgbClr val="D4D8FF"/>
+                    </a:solidFill>
+                  </a:tcPr>
+                </a:tc>
+                <a:tc>
+                  <a:txBody>
+                    <a:bodyPr/>
+                    <a:lstStyle/>
+                    <a:p>
+                      <a:pPr indent="0" lvl="0" marL="0" rtl="0" algn="l">
+                        <a:lnSpc>
+                          <a:spcPct val="80000"/>
+                        </a:lnSpc>
+                        <a:spcBef>
+                          <a:spcPts val="0"/>
+                        </a:spcBef>
+                        <a:spcAft>
+                          <a:spcPts val="0"/>
+                        </a:spcAft>
+                        <a:buNone/>
+                      </a:pPr>
+                      <a:r>
+                        <a:rPr lang="en" sz="2000">
+                          <a:latin typeface="Times New Roman"/>
+                          <a:ea typeface="Times New Roman"/>
+                          <a:cs typeface="Times New Roman"/>
+                          <a:sym typeface="Times New Roman"/>
+                        </a:rPr>
+                        <a:t>Municipality - Watertown</a:t>
+                      </a:r>
+                      <a:endParaRPr sz="2000">
+                        <a:solidFill>
+                          <a:schemeClr val="dk1"/>
+                        </a:solidFill>
+                        <a:latin typeface="Times New Roman"/>
+                        <a:ea typeface="Times New Roman"/>
+                        <a:cs typeface="Times New Roman"/>
+                        <a:sym typeface="Times New Roman"/>
+                      </a:endParaRPr>
+                    </a:p>
+                  </a:txBody>
+                  <a:tcPr marT="91425" marB="91425" marR="91425" marL="91425" anchor="ctr">
+                    <a:lnL cap="flat" cmpd="sng" w="19050">
+                      <a:solidFill>
+                        <a:schemeClr val="dk1"/>
+                      </a:solidFill>
+                      <a:prstDash val="solid"/>
+                      <a:round/>
+                      <a:headEnd len="sm" w="sm" type="none"/>
+                      <a:tailEnd len="sm" w="sm" type="none"/>
+                    </a:lnL>
+                    <a:lnR cap="flat" cmpd="sng" w="19050">
+                      <a:solidFill>
+                        <a:schemeClr val="dk1"/>
+                      </a:solidFill>
+                      <a:prstDash val="solid"/>
+                      <a:round/>
+                      <a:headEnd len="sm" w="sm" type="none"/>
+                      <a:tailEnd len="sm" w="sm" type="none"/>
+                    </a:lnR>
+                    <a:lnT cap="flat" cmpd="sng" w="19050">
+                      <a:solidFill>
+                        <a:schemeClr val="dk1"/>
+                      </a:solidFill>
+                      <a:prstDash val="solid"/>
+                      <a:round/>
+                      <a:headEnd len="sm" w="sm" type="none"/>
+                      <a:tailEnd len="sm" w="sm" type="none"/>
+                    </a:lnT>
+                    <a:lnB cap="flat" cmpd="sng" w="19050">
+                      <a:solidFill>
+                        <a:schemeClr val="dk1"/>
+                      </a:solidFill>
+                      <a:prstDash val="solid"/>
+                      <a:round/>
+                      <a:headEnd len="sm" w="sm" type="none"/>
+                      <a:tailEnd len="sm" w="sm" type="none"/>
+                    </a:lnB>
+                    <a:solidFill>
+                      <a:srgbClr val="CBDFFF"/>
+                    </a:solidFill>
+                  </a:tcPr>
+                </a:tc>
+                <a:tc>
+                  <a:txBody>
+                    <a:bodyPr/>
+                    <a:lstStyle/>
+                    <a:p>
+                      <a:pPr indent="0" lvl="0" marL="0" rtl="0" algn="l">
+                        <a:lnSpc>
+                          <a:spcPct val="80000"/>
+                        </a:lnSpc>
+                        <a:spcBef>
+                          <a:spcPts val="0"/>
+                        </a:spcBef>
+                        <a:spcAft>
+                          <a:spcPts val="0"/>
+                        </a:spcAft>
+                        <a:buNone/>
+                      </a:pPr>
+                      <a:r>
+                        <a:rPr b="1" lang="en" sz="2000">
+                          <a:solidFill>
+                            <a:schemeClr val="dk1"/>
+                          </a:solidFill>
+                          <a:latin typeface="Times New Roman"/>
+                          <a:ea typeface="Times New Roman"/>
+                          <a:cs typeface="Times New Roman"/>
+                          <a:sym typeface="Times New Roman"/>
+                        </a:rPr>
+                        <a:t>7.274</a:t>
+                      </a:r>
+                      <a:endParaRPr b="1" sz="2000">
+                        <a:solidFill>
+                          <a:schemeClr val="dk1"/>
+                        </a:solidFill>
+                        <a:latin typeface="Times New Roman"/>
+                        <a:ea typeface="Times New Roman"/>
+                        <a:cs typeface="Times New Roman"/>
+                        <a:sym typeface="Times New Roman"/>
+                      </a:endParaRPr>
+                    </a:p>
+                  </a:txBody>
+                  <a:tcPr marT="91425" marB="91425" marR="91425" marL="91425" anchor="ctr">
+                    <a:lnL cap="flat" cmpd="sng" w="19050">
+                      <a:solidFill>
+                        <a:schemeClr val="dk1"/>
+                      </a:solidFill>
+                      <a:prstDash val="solid"/>
+                      <a:round/>
+                      <a:headEnd len="sm" w="sm" type="none"/>
+                      <a:tailEnd len="sm" w="sm" type="none"/>
+                    </a:lnL>
+                    <a:lnR cap="flat" cmpd="sng" w="19050">
+                      <a:solidFill>
+                        <a:schemeClr val="dk1">
+                          <a:alpha val="0"/>
+                        </a:schemeClr>
+                      </a:solidFill>
+                      <a:prstDash val="solid"/>
+                      <a:round/>
+                      <a:headEnd len="sm" w="sm" type="none"/>
+                      <a:tailEnd len="sm" w="sm" type="none"/>
+                    </a:lnR>
+                    <a:lnT cap="flat" cmpd="sng" w="19050">
+                      <a:solidFill>
+                        <a:schemeClr val="dk1"/>
+                      </a:solidFill>
+                      <a:prstDash val="solid"/>
+                      <a:round/>
+                      <a:headEnd len="sm" w="sm" type="none"/>
+                      <a:tailEnd len="sm" w="sm" type="none"/>
+                    </a:lnT>
+                    <a:lnB cap="flat" cmpd="sng" w="19050">
+                      <a:solidFill>
+                        <a:schemeClr val="dk1"/>
+                      </a:solidFill>
+                      <a:prstDash val="solid"/>
+                      <a:round/>
+                      <a:headEnd len="sm" w="sm" type="none"/>
+                      <a:tailEnd len="sm" w="sm" type="none"/>
+                    </a:lnB>
+                    <a:solidFill>
+                      <a:srgbClr val="CBDFFF"/>
+                    </a:solidFill>
+                  </a:tcPr>
+                </a:tc>
+              </a:tr>
+              <a:tr h="381000">
+                <a:tc>
+                  <a:txBody>
+                    <a:bodyPr/>
+                    <a:lstStyle/>
+                    <a:p>
+                      <a:pPr indent="0" lvl="0" marL="0" rtl="0" algn="l">
+                        <a:lnSpc>
+                          <a:spcPct val="80000"/>
+                        </a:lnSpc>
+                        <a:spcBef>
+                          <a:spcPts val="0"/>
+                        </a:spcBef>
+                        <a:spcAft>
+                          <a:spcPts val="0"/>
+                        </a:spcAft>
+                        <a:buNone/>
+                      </a:pPr>
+                      <a:r>
+                        <a:rPr lang="en" sz="2000">
+                          <a:solidFill>
+                            <a:schemeClr val="dk1"/>
+                          </a:solidFill>
+                          <a:latin typeface="Times New Roman"/>
+                          <a:ea typeface="Times New Roman"/>
+                          <a:cs typeface="Times New Roman"/>
+                          <a:sym typeface="Times New Roman"/>
+                        </a:rPr>
+                        <a:t>Seasonal status:</a:t>
+                      </a:r>
+                      <a:endParaRPr sz="2000">
+                        <a:solidFill>
+                          <a:schemeClr val="dk1"/>
+                        </a:solidFill>
+                        <a:latin typeface="Times New Roman"/>
+                        <a:ea typeface="Times New Roman"/>
+                        <a:cs typeface="Times New Roman"/>
+                        <a:sym typeface="Times New Roman"/>
+                      </a:endParaRPr>
+                    </a:p>
+                    <a:p>
+                      <a:pPr indent="0" lvl="0" marL="0" rtl="0" algn="l">
+                        <a:lnSpc>
+                          <a:spcPct val="80000"/>
+                        </a:lnSpc>
+                        <a:spcBef>
+                          <a:spcPts val="0"/>
+                        </a:spcBef>
+                        <a:spcAft>
+                          <a:spcPts val="0"/>
+                        </a:spcAft>
+                        <a:buNone/>
+                      </a:pPr>
+                      <a:r>
+                        <a:rPr lang="en" sz="2000">
+                          <a:solidFill>
+                            <a:schemeClr val="dk1"/>
+                          </a:solidFill>
+                          <a:latin typeface="Times New Roman"/>
+                          <a:ea typeface="Times New Roman"/>
+                          <a:cs typeface="Times New Roman"/>
+                          <a:sym typeface="Times New Roman"/>
+                        </a:rPr>
+                        <a:t>winter storage</a:t>
+                      </a:r>
+                      <a:endParaRPr sz="2000">
+                        <a:solidFill>
+                          <a:schemeClr val="dk1"/>
+                        </a:solidFill>
+                        <a:latin typeface="Times New Roman"/>
+                        <a:ea typeface="Times New Roman"/>
+                        <a:cs typeface="Times New Roman"/>
+                        <a:sym typeface="Times New Roman"/>
+                      </a:endParaRPr>
+                    </a:p>
+                  </a:txBody>
+                  <a:tcPr marT="91425" marB="91425" marR="91425" marL="91425" anchor="ctr">
+                    <a:lnL cap="flat" cmpd="sng" w="19050">
+                      <a:solidFill>
+                        <a:schemeClr val="dk1">
+                          <a:alpha val="0"/>
+                        </a:schemeClr>
+                      </a:solidFill>
+                      <a:prstDash val="solid"/>
+                      <a:round/>
+                      <a:headEnd len="sm" w="sm" type="none"/>
+                      <a:tailEnd len="sm" w="sm" type="none"/>
+                    </a:lnL>
+                    <a:lnR cap="flat" cmpd="sng" w="19050">
+                      <a:solidFill>
+                        <a:schemeClr val="dk1"/>
+                      </a:solidFill>
+                      <a:prstDash val="solid"/>
+                      <a:round/>
+                      <a:headEnd len="sm" w="sm" type="none"/>
+                      <a:tailEnd len="sm" w="sm" type="none"/>
+                    </a:lnR>
+                    <a:lnT cap="flat" cmpd="sng" w="19050">
+                      <a:solidFill>
+                        <a:schemeClr val="dk1"/>
+                      </a:solidFill>
+                      <a:prstDash val="solid"/>
+                      <a:round/>
+                      <a:headEnd len="sm" w="sm" type="none"/>
+                      <a:tailEnd len="sm" w="sm" type="none"/>
+                    </a:lnT>
+                    <a:lnB cap="flat" cmpd="sng" w="19050">
+                      <a:solidFill>
+                        <a:schemeClr val="dk1"/>
+                      </a:solidFill>
+                      <a:prstDash val="solid"/>
+                      <a:round/>
+                      <a:headEnd len="sm" w="sm" type="none"/>
+                      <a:tailEnd len="sm" w="sm" type="none"/>
+                    </a:lnB>
+                    <a:solidFill>
+                      <a:srgbClr val="D4D8FF"/>
+                    </a:solidFill>
+                  </a:tcPr>
+                </a:tc>
+                <a:tc>
+                  <a:txBody>
+                    <a:bodyPr/>
+                    <a:lstStyle/>
+                    <a:p>
+                      <a:pPr indent="0" lvl="0" marL="0" rtl="0" algn="l">
+                        <a:lnSpc>
+                          <a:spcPct val="80000"/>
+                        </a:lnSpc>
+                        <a:spcBef>
+                          <a:spcPts val="0"/>
+                        </a:spcBef>
+                        <a:spcAft>
+                          <a:spcPts val="0"/>
+                        </a:spcAft>
+                        <a:buNone/>
+                      </a:pPr>
+                      <a:r>
+                        <a:rPr b="1" lang="en" sz="2000">
+                          <a:solidFill>
+                            <a:schemeClr val="dk1"/>
+                          </a:solidFill>
+                          <a:latin typeface="Times New Roman"/>
+                          <a:ea typeface="Times New Roman"/>
+                          <a:cs typeface="Times New Roman"/>
+                          <a:sym typeface="Times New Roman"/>
+                        </a:rPr>
+                        <a:t>-2.011</a:t>
+                      </a:r>
+                      <a:endParaRPr b="1" sz="2000">
+                        <a:solidFill>
+                          <a:schemeClr val="dk1"/>
+                        </a:solidFill>
+                        <a:latin typeface="Times New Roman"/>
+                        <a:ea typeface="Times New Roman"/>
+                        <a:cs typeface="Times New Roman"/>
+                        <a:sym typeface="Times New Roman"/>
+                      </a:endParaRPr>
+                    </a:p>
+                  </a:txBody>
+                  <a:tcPr marT="91425" marB="91425" marR="91425" marL="91425" anchor="ctr">
+                    <a:lnL cap="flat" cmpd="sng" w="19050">
+                      <a:solidFill>
+                        <a:schemeClr val="dk1"/>
+                      </a:solidFill>
+                      <a:prstDash val="solid"/>
+                      <a:round/>
+                      <a:headEnd len="sm" w="sm" type="none"/>
+                      <a:tailEnd len="sm" w="sm" type="none"/>
+                    </a:lnL>
+                    <a:lnR cap="flat" cmpd="sng" w="19050">
+                      <a:solidFill>
+                        <a:schemeClr val="dk1"/>
+                      </a:solidFill>
+                      <a:prstDash val="solid"/>
+                      <a:round/>
+                      <a:headEnd len="sm" w="sm" type="none"/>
+                      <a:tailEnd len="sm" w="sm" type="none"/>
+                    </a:lnR>
+                    <a:lnT cap="flat" cmpd="sng" w="19050">
+                      <a:solidFill>
+                        <a:schemeClr val="dk1"/>
+                      </a:solidFill>
+                      <a:prstDash val="solid"/>
+                      <a:round/>
+                      <a:headEnd len="sm" w="sm" type="none"/>
+                      <a:tailEnd len="sm" w="sm" type="none"/>
+                    </a:lnT>
+                    <a:lnB cap="flat" cmpd="sng" w="19050">
+                      <a:solidFill>
+                        <a:schemeClr val="dk1"/>
+                      </a:solidFill>
+                      <a:prstDash val="solid"/>
+                      <a:round/>
+                      <a:headEnd len="sm" w="sm" type="none"/>
+                      <a:tailEnd len="sm" w="sm" type="none"/>
+                    </a:lnB>
+                    <a:solidFill>
+                      <a:srgbClr val="D4D8FF"/>
+                    </a:solidFill>
+                  </a:tcPr>
+                </a:tc>
+                <a:tc>
+                  <a:txBody>
+                    <a:bodyPr/>
+                    <a:lstStyle/>
+                    <a:p>
+                      <a:pPr indent="0" lvl="0" marL="0" rtl="0" algn="l">
+                        <a:lnSpc>
+                          <a:spcPct val="80000"/>
+                        </a:lnSpc>
+                        <a:spcBef>
+                          <a:spcPts val="0"/>
+                        </a:spcBef>
+                        <a:spcAft>
+                          <a:spcPts val="0"/>
+                        </a:spcAft>
+                        <a:buNone/>
+                      </a:pPr>
+                      <a:r>
+                        <a:rPr lang="en" sz="2000">
+                          <a:solidFill>
+                            <a:schemeClr val="dk1"/>
+                          </a:solidFill>
+                          <a:latin typeface="Times New Roman"/>
+                          <a:ea typeface="Times New Roman"/>
+                          <a:cs typeface="Times New Roman"/>
+                          <a:sym typeface="Times New Roman"/>
+                        </a:rPr>
+                        <a:t>Municipality - Salem</a:t>
+                      </a:r>
+                      <a:endParaRPr sz="2000">
+                        <a:solidFill>
+                          <a:schemeClr val="dk1"/>
+                        </a:solidFill>
+                        <a:latin typeface="Times New Roman"/>
+                        <a:ea typeface="Times New Roman"/>
+                        <a:cs typeface="Times New Roman"/>
+                        <a:sym typeface="Times New Roman"/>
+                      </a:endParaRPr>
+                    </a:p>
+                  </a:txBody>
+                  <a:tcPr marT="91425" marB="91425" marR="91425" marL="91425" anchor="ctr">
+                    <a:lnL cap="flat" cmpd="sng" w="19050">
+                      <a:solidFill>
+                        <a:schemeClr val="dk1"/>
+                      </a:solidFill>
+                      <a:prstDash val="solid"/>
+                      <a:round/>
+                      <a:headEnd len="sm" w="sm" type="none"/>
+                      <a:tailEnd len="sm" w="sm" type="none"/>
+                    </a:lnL>
+                    <a:lnR cap="flat" cmpd="sng" w="19050">
+                      <a:solidFill>
+                        <a:schemeClr val="dk1"/>
+                      </a:solidFill>
+                      <a:prstDash val="solid"/>
+                      <a:round/>
+                      <a:headEnd len="sm" w="sm" type="none"/>
+                      <a:tailEnd len="sm" w="sm" type="none"/>
+                    </a:lnR>
+                    <a:lnT cap="flat" cmpd="sng" w="19050">
+                      <a:solidFill>
+                        <a:schemeClr val="dk1"/>
+                      </a:solidFill>
+                      <a:prstDash val="solid"/>
+                      <a:round/>
+                      <a:headEnd len="sm" w="sm" type="none"/>
+                      <a:tailEnd len="sm" w="sm" type="none"/>
+                    </a:lnT>
+                    <a:lnB cap="flat" cmpd="sng" w="19050">
+                      <a:solidFill>
+                        <a:schemeClr val="dk1"/>
+                      </a:solidFill>
+                      <a:prstDash val="solid"/>
+                      <a:round/>
+                      <a:headEnd len="sm" w="sm" type="none"/>
+                      <a:tailEnd len="sm" w="sm" type="none"/>
+                    </a:lnB>
+                    <a:solidFill>
+                      <a:srgbClr val="D4D8FF"/>
+                    </a:solidFill>
+                  </a:tcPr>
+                </a:tc>
+                <a:tc>
+                  <a:txBody>
+                    <a:bodyPr/>
+                    <a:lstStyle/>
+                    <a:p>
+                      <a:pPr indent="0" lvl="0" marL="0" rtl="0" algn="l">
+                        <a:lnSpc>
+                          <a:spcPct val="80000"/>
+                        </a:lnSpc>
+                        <a:spcBef>
+                          <a:spcPts val="0"/>
+                        </a:spcBef>
+                        <a:spcAft>
+                          <a:spcPts val="0"/>
+                        </a:spcAft>
+                        <a:buNone/>
+                      </a:pPr>
+                      <a:r>
+                        <a:rPr b="1" lang="en" sz="2000">
+                          <a:solidFill>
+                            <a:schemeClr val="dk1"/>
+                          </a:solidFill>
+                          <a:latin typeface="Times New Roman"/>
+                          <a:ea typeface="Times New Roman"/>
+                          <a:cs typeface="Times New Roman"/>
+                          <a:sym typeface="Times New Roman"/>
+                        </a:rPr>
+                        <a:t>-41.79</a:t>
+                      </a:r>
+                      <a:endParaRPr b="1" sz="2000">
+                        <a:solidFill>
+                          <a:schemeClr val="dk1"/>
+                        </a:solidFill>
+                        <a:latin typeface="Times New Roman"/>
+                        <a:ea typeface="Times New Roman"/>
+                        <a:cs typeface="Times New Roman"/>
+                        <a:sym typeface="Times New Roman"/>
+                      </a:endParaRPr>
+                    </a:p>
+                  </a:txBody>
+                  <a:tcPr marT="91425" marB="91425" marR="91425" marL="91425" anchor="ctr">
+                    <a:lnL cap="flat" cmpd="sng" w="19050">
+                      <a:solidFill>
+                        <a:schemeClr val="dk1"/>
+                      </a:solidFill>
+                      <a:prstDash val="solid"/>
+                      <a:round/>
+                      <a:headEnd len="sm" w="sm" type="none"/>
+                      <a:tailEnd len="sm" w="sm" type="none"/>
+                    </a:lnL>
+                    <a:lnR cap="flat" cmpd="sng" w="19050">
+                      <a:solidFill>
+                        <a:schemeClr val="dk1"/>
+                      </a:solidFill>
+                      <a:prstDash val="solid"/>
+                      <a:round/>
+                      <a:headEnd len="sm" w="sm" type="none"/>
+                      <a:tailEnd len="sm" w="sm" type="none"/>
+                    </a:lnR>
+                    <a:lnT cap="flat" cmpd="sng" w="19050">
+                      <a:solidFill>
+                        <a:schemeClr val="dk1"/>
+                      </a:solidFill>
+                      <a:prstDash val="solid"/>
+                      <a:round/>
+                      <a:headEnd len="sm" w="sm" type="none"/>
+                      <a:tailEnd len="sm" w="sm" type="none"/>
+                    </a:lnT>
+                    <a:lnB cap="flat" cmpd="sng" w="19050">
+                      <a:solidFill>
+                        <a:schemeClr val="dk1"/>
+                      </a:solidFill>
+                      <a:prstDash val="solid"/>
+                      <a:round/>
+                      <a:headEnd len="sm" w="sm" type="none"/>
+                      <a:tailEnd len="sm" w="sm" type="none"/>
+                    </a:lnB>
+                    <a:solidFill>
+                      <a:srgbClr val="D4D8FF"/>
+                    </a:solidFill>
+                  </a:tcPr>
+                </a:tc>
+                <a:tc>
+                  <a:txBody>
+                    <a:bodyPr/>
+                    <a:lstStyle/>
+                    <a:p>
+                      <a:pPr indent="0" lvl="0" marL="0" rtl="0" algn="l">
+                        <a:lnSpc>
+                          <a:spcPct val="80000"/>
+                        </a:lnSpc>
+                        <a:spcBef>
+                          <a:spcPts val="0"/>
+                        </a:spcBef>
+                        <a:spcAft>
+                          <a:spcPts val="0"/>
+                        </a:spcAft>
+                        <a:buNone/>
+                      </a:pPr>
+                      <a:r>
+                        <a:rPr lang="en" sz="2000">
+                          <a:latin typeface="Times New Roman"/>
+                          <a:ea typeface="Times New Roman"/>
+                          <a:cs typeface="Times New Roman"/>
+                          <a:sym typeface="Times New Roman"/>
+                        </a:rPr>
+                        <a:t>Total Docks</a:t>
+                      </a:r>
+                      <a:endParaRPr sz="2000">
+                        <a:solidFill>
+                          <a:schemeClr val="dk1"/>
+                        </a:solidFill>
+                        <a:latin typeface="Times New Roman"/>
+                        <a:ea typeface="Times New Roman"/>
+                        <a:cs typeface="Times New Roman"/>
+                        <a:sym typeface="Times New Roman"/>
+                      </a:endParaRPr>
+                    </a:p>
+                  </a:txBody>
+                  <a:tcPr marT="91425" marB="91425" marR="91425" marL="91425" anchor="ctr">
+                    <a:lnL cap="flat" cmpd="sng" w="19050">
+                      <a:solidFill>
+                        <a:schemeClr val="dk1"/>
+                      </a:solidFill>
+                      <a:prstDash val="solid"/>
+                      <a:round/>
+                      <a:headEnd len="sm" w="sm" type="none"/>
+                      <a:tailEnd len="sm" w="sm" type="none"/>
+                    </a:lnL>
+                    <a:lnR cap="flat" cmpd="sng" w="19050">
+                      <a:solidFill>
+                        <a:schemeClr val="dk1"/>
+                      </a:solidFill>
+                      <a:prstDash val="solid"/>
+                      <a:round/>
+                      <a:headEnd len="sm" w="sm" type="none"/>
+                      <a:tailEnd len="sm" w="sm" type="none"/>
+                    </a:lnR>
+                    <a:lnT cap="flat" cmpd="sng" w="19050">
+                      <a:solidFill>
+                        <a:schemeClr val="dk1"/>
+                      </a:solidFill>
+                      <a:prstDash val="solid"/>
+                      <a:round/>
+                      <a:headEnd len="sm" w="sm" type="none"/>
+                      <a:tailEnd len="sm" w="sm" type="none"/>
+                    </a:lnT>
+                    <a:lnB cap="flat" cmpd="sng" w="19050">
+                      <a:solidFill>
+                        <a:schemeClr val="dk1"/>
+                      </a:solidFill>
+                      <a:prstDash val="solid"/>
+                      <a:round/>
+                      <a:headEnd len="sm" w="sm" type="none"/>
+                      <a:tailEnd len="sm" w="sm" type="none"/>
+                    </a:lnB>
+                    <a:solidFill>
+                      <a:srgbClr val="CBDFFF"/>
+                    </a:solidFill>
+                  </a:tcPr>
+                </a:tc>
+                <a:tc>
+                  <a:txBody>
+                    <a:bodyPr/>
+                    <a:lstStyle/>
+                    <a:p>
+                      <a:pPr indent="0" lvl="0" marL="0" rtl="0" algn="l">
+                        <a:lnSpc>
+                          <a:spcPct val="80000"/>
+                        </a:lnSpc>
+                        <a:spcBef>
+                          <a:spcPts val="0"/>
+                        </a:spcBef>
+                        <a:spcAft>
+                          <a:spcPts val="0"/>
+                        </a:spcAft>
+                        <a:buNone/>
+                      </a:pPr>
+                      <a:r>
+                        <a:rPr b="1" lang="en" sz="2000">
+                          <a:solidFill>
+                            <a:schemeClr val="dk1"/>
+                          </a:solidFill>
+                          <a:latin typeface="Times New Roman"/>
+                          <a:ea typeface="Times New Roman"/>
+                          <a:cs typeface="Times New Roman"/>
+                          <a:sym typeface="Times New Roman"/>
+                        </a:rPr>
+                        <a:t>0.1746</a:t>
+                      </a:r>
+                      <a:endParaRPr b="1" sz="2000">
+                        <a:solidFill>
+                          <a:schemeClr val="dk1"/>
+                        </a:solidFill>
+                        <a:latin typeface="Times New Roman"/>
+                        <a:ea typeface="Times New Roman"/>
+                        <a:cs typeface="Times New Roman"/>
+                        <a:sym typeface="Times New Roman"/>
+                      </a:endParaRPr>
+                    </a:p>
+                  </a:txBody>
+                  <a:tcPr marT="91425" marB="91425" marR="91425" marL="91425" anchor="ctr">
+                    <a:lnL cap="flat" cmpd="sng" w="19050">
+                      <a:solidFill>
+                        <a:schemeClr val="dk1"/>
+                      </a:solidFill>
+                      <a:prstDash val="solid"/>
+                      <a:round/>
+                      <a:headEnd len="sm" w="sm" type="none"/>
+                      <a:tailEnd len="sm" w="sm" type="none"/>
+                    </a:lnL>
+                    <a:lnR cap="flat" cmpd="sng" w="19050">
+                      <a:solidFill>
+                        <a:schemeClr val="dk1">
+                          <a:alpha val="0"/>
+                        </a:schemeClr>
+                      </a:solidFill>
+                      <a:prstDash val="solid"/>
+                      <a:round/>
+                      <a:headEnd len="sm" w="sm" type="none"/>
+                      <a:tailEnd len="sm" w="sm" type="none"/>
+                    </a:lnR>
+                    <a:lnT cap="flat" cmpd="sng" w="19050">
+                      <a:solidFill>
+                        <a:schemeClr val="dk1"/>
+                      </a:solidFill>
+                      <a:prstDash val="solid"/>
+                      <a:round/>
+                      <a:headEnd len="sm" w="sm" type="none"/>
+                      <a:tailEnd len="sm" w="sm" type="none"/>
+                    </a:lnT>
+                    <a:lnB cap="flat" cmpd="sng" w="19050">
+                      <a:solidFill>
+                        <a:schemeClr val="dk1"/>
+                      </a:solidFill>
+                      <a:prstDash val="solid"/>
+                      <a:round/>
+                      <a:headEnd len="sm" w="sm" type="none"/>
+                      <a:tailEnd len="sm" w="sm" type="none"/>
+                    </a:lnB>
+                    <a:solidFill>
+                      <a:srgbClr val="CBDFFF"/>
+                    </a:solidFill>
+                  </a:tcPr>
+                </a:tc>
+              </a:tr>
+              <a:tr h="381000">
+                <a:tc>
+                  <a:txBody>
+                    <a:bodyPr/>
+                    <a:lstStyle/>
+                    <a:p>
+                      <a:pPr indent="0" lvl="0" marL="0" rtl="0" algn="l">
+                        <a:lnSpc>
+                          <a:spcPct val="80000"/>
+                        </a:lnSpc>
+                        <a:spcBef>
+                          <a:spcPts val="0"/>
+                        </a:spcBef>
+                        <a:spcAft>
+                          <a:spcPts val="0"/>
+                        </a:spcAft>
+                        <a:buClr>
+                          <a:schemeClr val="dk1"/>
+                        </a:buClr>
+                        <a:buSzPts val="1100"/>
+                        <a:buFont typeface="Arial"/>
+                        <a:buNone/>
+                      </a:pPr>
+                      <a:r>
+                        <a:rPr lang="en" sz="2000">
+                          <a:solidFill>
+                            <a:schemeClr val="dk1"/>
+                          </a:solidFill>
+                          <a:latin typeface="Times New Roman"/>
+                          <a:ea typeface="Times New Roman"/>
+                          <a:cs typeface="Times New Roman"/>
+                          <a:sym typeface="Times New Roman"/>
+                        </a:rPr>
+                        <a:t>Seasonal status:</a:t>
+                      </a:r>
+                      <a:endParaRPr sz="2000">
+                        <a:solidFill>
+                          <a:schemeClr val="dk1"/>
+                        </a:solidFill>
+                        <a:latin typeface="Times New Roman"/>
+                        <a:ea typeface="Times New Roman"/>
+                        <a:cs typeface="Times New Roman"/>
+                        <a:sym typeface="Times New Roman"/>
+                      </a:endParaRPr>
+                    </a:p>
+                    <a:p>
+                      <a:pPr indent="0" lvl="0" marL="0" rtl="0" algn="l">
+                        <a:lnSpc>
+                          <a:spcPct val="80000"/>
+                        </a:lnSpc>
+                        <a:spcBef>
+                          <a:spcPts val="0"/>
+                        </a:spcBef>
+                        <a:spcAft>
+                          <a:spcPts val="0"/>
+                        </a:spcAft>
+                        <a:buClr>
+                          <a:schemeClr val="dk1"/>
+                        </a:buClr>
+                        <a:buSzPts val="1100"/>
+                        <a:buFont typeface="Arial"/>
+                        <a:buNone/>
+                      </a:pPr>
+                      <a:r>
+                        <a:rPr lang="en" sz="2000">
+                          <a:solidFill>
+                            <a:schemeClr val="dk1"/>
+                          </a:solidFill>
+                          <a:latin typeface="Times New Roman"/>
+                          <a:ea typeface="Times New Roman"/>
+                          <a:cs typeface="Times New Roman"/>
+                          <a:sym typeface="Times New Roman"/>
+                        </a:rPr>
+                        <a:t>year round currently stored</a:t>
+                      </a:r>
+                      <a:endParaRPr sz="2000">
+                        <a:solidFill>
+                          <a:schemeClr val="dk1"/>
+                        </a:solidFill>
+                        <a:latin typeface="Times New Roman"/>
+                        <a:ea typeface="Times New Roman"/>
+                        <a:cs typeface="Times New Roman"/>
+                        <a:sym typeface="Times New Roman"/>
+                      </a:endParaRPr>
+                    </a:p>
+                  </a:txBody>
+                  <a:tcPr marT="91425" marB="91425" marR="91425" marL="91425" anchor="ctr">
+                    <a:lnL cap="flat" cmpd="sng" w="19050">
+                      <a:solidFill>
+                        <a:schemeClr val="dk1">
+                          <a:alpha val="0"/>
+                        </a:schemeClr>
+                      </a:solidFill>
+                      <a:prstDash val="solid"/>
+                      <a:round/>
+                      <a:headEnd len="sm" w="sm" type="none"/>
+                      <a:tailEnd len="sm" w="sm" type="none"/>
+                    </a:lnL>
+                    <a:lnR cap="flat" cmpd="sng" w="19050">
+                      <a:solidFill>
+                        <a:schemeClr val="dk1"/>
+                      </a:solidFill>
+                      <a:prstDash val="solid"/>
+                      <a:round/>
+                      <a:headEnd len="sm" w="sm" type="none"/>
+                      <a:tailEnd len="sm" w="sm" type="none"/>
+                    </a:lnR>
+                    <a:lnT cap="flat" cmpd="sng" w="19050">
+                      <a:solidFill>
+                        <a:schemeClr val="dk1"/>
+                      </a:solidFill>
+                      <a:prstDash val="solid"/>
+                      <a:round/>
+                      <a:headEnd len="sm" w="sm" type="none"/>
+                      <a:tailEnd len="sm" w="sm" type="none"/>
+                    </a:lnT>
+                    <a:lnB cap="flat" cmpd="sng" w="19050">
+                      <a:solidFill>
+                        <a:schemeClr val="dk1"/>
+                      </a:solidFill>
+                      <a:prstDash val="solid"/>
+                      <a:round/>
+                      <a:headEnd len="sm" w="sm" type="none"/>
+                      <a:tailEnd len="sm" w="sm" type="none"/>
+                    </a:lnB>
+                    <a:solidFill>
+                      <a:srgbClr val="D4D8FF"/>
+                    </a:solidFill>
+                  </a:tcPr>
+                </a:tc>
+                <a:tc>
+                  <a:txBody>
+                    <a:bodyPr/>
+                    <a:lstStyle/>
+                    <a:p>
+                      <a:pPr indent="0" lvl="0" marL="0" rtl="0" algn="l">
+                        <a:lnSpc>
+                          <a:spcPct val="80000"/>
+                        </a:lnSpc>
+                        <a:spcBef>
+                          <a:spcPts val="0"/>
+                        </a:spcBef>
+                        <a:spcAft>
+                          <a:spcPts val="0"/>
+                        </a:spcAft>
+                        <a:buNone/>
+                      </a:pPr>
+                      <a:r>
+                        <a:rPr b="1" lang="en" sz="2000">
+                          <a:solidFill>
+                            <a:schemeClr val="dk1"/>
+                          </a:solidFill>
+                          <a:latin typeface="Times New Roman"/>
+                          <a:ea typeface="Times New Roman"/>
+                          <a:cs typeface="Times New Roman"/>
+                          <a:sym typeface="Times New Roman"/>
+                        </a:rPr>
+                        <a:t>-19.32</a:t>
+                      </a:r>
+                      <a:endParaRPr b="1" sz="2000">
+                        <a:solidFill>
+                          <a:schemeClr val="dk1"/>
+                        </a:solidFill>
+                        <a:latin typeface="Times New Roman"/>
+                        <a:ea typeface="Times New Roman"/>
+                        <a:cs typeface="Times New Roman"/>
+                        <a:sym typeface="Times New Roman"/>
+                      </a:endParaRPr>
+                    </a:p>
+                  </a:txBody>
+                  <a:tcPr marT="91425" marB="91425" marR="91425" marL="91425" anchor="ctr">
+                    <a:lnL cap="flat" cmpd="sng" w="19050">
+                      <a:solidFill>
+                        <a:schemeClr val="dk1"/>
+                      </a:solidFill>
+                      <a:prstDash val="solid"/>
+                      <a:round/>
+                      <a:headEnd len="sm" w="sm" type="none"/>
+                      <a:tailEnd len="sm" w="sm" type="none"/>
+                    </a:lnL>
+                    <a:lnR cap="flat" cmpd="sng" w="19050">
+                      <a:solidFill>
+                        <a:schemeClr val="dk1"/>
+                      </a:solidFill>
+                      <a:prstDash val="solid"/>
+                      <a:round/>
+                      <a:headEnd len="sm" w="sm" type="none"/>
+                      <a:tailEnd len="sm" w="sm" type="none"/>
+                    </a:lnR>
+                    <a:lnT cap="flat" cmpd="sng" w="19050">
+                      <a:solidFill>
+                        <a:schemeClr val="dk1"/>
+                      </a:solidFill>
+                      <a:prstDash val="solid"/>
+                      <a:round/>
+                      <a:headEnd len="sm" w="sm" type="none"/>
+                      <a:tailEnd len="sm" w="sm" type="none"/>
+                    </a:lnT>
+                    <a:lnB cap="flat" cmpd="sng" w="19050">
+                      <a:solidFill>
+                        <a:schemeClr val="dk1"/>
+                      </a:solidFill>
+                      <a:prstDash val="solid"/>
+                      <a:round/>
+                      <a:headEnd len="sm" w="sm" type="none"/>
+                      <a:tailEnd len="sm" w="sm" type="none"/>
+                    </a:lnB>
+                    <a:solidFill>
+                      <a:srgbClr val="D4D8FF"/>
+                    </a:solidFill>
+                  </a:tcPr>
+                </a:tc>
+                <a:tc>
+                  <a:txBody>
+                    <a:bodyPr/>
+                    <a:lstStyle/>
+                    <a:p>
+                      <a:pPr indent="0" lvl="0" marL="0" rtl="0" algn="l">
+                        <a:lnSpc>
+                          <a:spcPct val="80000"/>
+                        </a:lnSpc>
+                        <a:spcBef>
+                          <a:spcPts val="0"/>
+                        </a:spcBef>
+                        <a:spcAft>
+                          <a:spcPts val="0"/>
+                        </a:spcAft>
+                        <a:buNone/>
+                      </a:pPr>
+                      <a:r>
+                        <a:rPr lang="en" sz="2000">
+                          <a:solidFill>
+                            <a:schemeClr val="dk1"/>
+                          </a:solidFill>
+                          <a:latin typeface="Times New Roman"/>
+                          <a:ea typeface="Times New Roman"/>
+                          <a:cs typeface="Times New Roman"/>
+                          <a:sym typeface="Times New Roman"/>
+                        </a:rPr>
+                        <a:t>Municipality - Somerville</a:t>
+                      </a:r>
+                      <a:endParaRPr sz="2000">
+                        <a:solidFill>
+                          <a:schemeClr val="dk1"/>
+                        </a:solidFill>
+                        <a:latin typeface="Times New Roman"/>
+                        <a:ea typeface="Times New Roman"/>
+                        <a:cs typeface="Times New Roman"/>
+                        <a:sym typeface="Times New Roman"/>
+                      </a:endParaRPr>
+                    </a:p>
+                  </a:txBody>
+                  <a:tcPr marT="91425" marB="91425" marR="91425" marL="91425" anchor="ctr">
+                    <a:lnL cap="flat" cmpd="sng" w="19050">
+                      <a:solidFill>
+                        <a:schemeClr val="dk1"/>
+                      </a:solidFill>
+                      <a:prstDash val="solid"/>
+                      <a:round/>
+                      <a:headEnd len="sm" w="sm" type="none"/>
+                      <a:tailEnd len="sm" w="sm" type="none"/>
+                    </a:lnL>
+                    <a:lnR cap="flat" cmpd="sng" w="19050">
+                      <a:solidFill>
+                        <a:schemeClr val="dk1"/>
+                      </a:solidFill>
+                      <a:prstDash val="solid"/>
+                      <a:round/>
+                      <a:headEnd len="sm" w="sm" type="none"/>
+                      <a:tailEnd len="sm" w="sm" type="none"/>
+                    </a:lnR>
+                    <a:lnT cap="flat" cmpd="sng" w="19050">
+                      <a:solidFill>
+                        <a:schemeClr val="dk1"/>
+                      </a:solidFill>
+                      <a:prstDash val="solid"/>
+                      <a:round/>
+                      <a:headEnd len="sm" w="sm" type="none"/>
+                      <a:tailEnd len="sm" w="sm" type="none"/>
+                    </a:lnT>
+                    <a:lnB cap="flat" cmpd="sng" w="19050">
+                      <a:solidFill>
+                        <a:schemeClr val="dk1"/>
+                      </a:solidFill>
+                      <a:prstDash val="solid"/>
+                      <a:round/>
+                      <a:headEnd len="sm" w="sm" type="none"/>
+                      <a:tailEnd len="sm" w="sm" type="none"/>
+                    </a:lnB>
+                    <a:solidFill>
+                      <a:srgbClr val="D4D8FF"/>
+                    </a:solidFill>
+                  </a:tcPr>
+                </a:tc>
+                <a:tc>
+                  <a:txBody>
+                    <a:bodyPr/>
+                    <a:lstStyle/>
+                    <a:p>
+                      <a:pPr indent="0" lvl="0" marL="0" rtl="0" algn="l">
+                        <a:lnSpc>
+                          <a:spcPct val="80000"/>
+                        </a:lnSpc>
+                        <a:spcBef>
+                          <a:spcPts val="0"/>
+                        </a:spcBef>
+                        <a:spcAft>
+                          <a:spcPts val="0"/>
+                        </a:spcAft>
+                        <a:buNone/>
+                      </a:pPr>
+                      <a:r>
+                        <a:rPr b="1" lang="en" sz="2000">
+                          <a:solidFill>
+                            <a:schemeClr val="dk1"/>
+                          </a:solidFill>
+                          <a:latin typeface="Times New Roman"/>
+                          <a:ea typeface="Times New Roman"/>
+                          <a:cs typeface="Times New Roman"/>
+                          <a:sym typeface="Times New Roman"/>
+                        </a:rPr>
+                        <a:t>-2.642</a:t>
+                      </a:r>
+                      <a:endParaRPr b="1" sz="2000">
+                        <a:solidFill>
+                          <a:schemeClr val="dk1"/>
+                        </a:solidFill>
+                        <a:latin typeface="Times New Roman"/>
+                        <a:ea typeface="Times New Roman"/>
+                        <a:cs typeface="Times New Roman"/>
+                        <a:sym typeface="Times New Roman"/>
+                      </a:endParaRPr>
+                    </a:p>
+                  </a:txBody>
+                  <a:tcPr marT="91425" marB="91425" marR="91425" marL="91425" anchor="ctr">
+                    <a:lnL cap="flat" cmpd="sng" w="19050">
+                      <a:solidFill>
+                        <a:schemeClr val="dk1"/>
+                      </a:solidFill>
+                      <a:prstDash val="solid"/>
+                      <a:round/>
+                      <a:headEnd len="sm" w="sm" type="none"/>
+                      <a:tailEnd len="sm" w="sm" type="none"/>
+                    </a:lnL>
+                    <a:lnR cap="flat" cmpd="sng" w="19050">
+                      <a:solidFill>
+                        <a:schemeClr val="dk1"/>
+                      </a:solidFill>
+                      <a:prstDash val="solid"/>
+                      <a:round/>
+                      <a:headEnd len="sm" w="sm" type="none"/>
+                      <a:tailEnd len="sm" w="sm" type="none"/>
+                    </a:lnR>
+                    <a:lnT cap="flat" cmpd="sng" w="19050">
+                      <a:solidFill>
+                        <a:schemeClr val="dk1"/>
+                      </a:solidFill>
+                      <a:prstDash val="solid"/>
+                      <a:round/>
+                      <a:headEnd len="sm" w="sm" type="none"/>
+                      <a:tailEnd len="sm" w="sm" type="none"/>
+                    </a:lnT>
+                    <a:lnB cap="flat" cmpd="sng" w="19050">
+                      <a:solidFill>
+                        <a:schemeClr val="dk1"/>
+                      </a:solidFill>
+                      <a:prstDash val="solid"/>
+                      <a:round/>
+                      <a:headEnd len="sm" w="sm" type="none"/>
+                      <a:tailEnd len="sm" w="sm" type="none"/>
+                    </a:lnB>
+                    <a:solidFill>
+                      <a:srgbClr val="D4D8FF"/>
+                    </a:solidFill>
+                  </a:tcPr>
+                </a:tc>
+                <a:tc>
+                  <a:txBody>
+                    <a:bodyPr/>
+                    <a:lstStyle/>
+                    <a:p>
+                      <a:pPr indent="0" lvl="0" marL="0" rtl="0" algn="l">
+                        <a:lnSpc>
+                          <a:spcPct val="110000"/>
+                        </a:lnSpc>
+                        <a:spcBef>
+                          <a:spcPts val="0"/>
+                        </a:spcBef>
+                        <a:spcAft>
+                          <a:spcPts val="0"/>
+                        </a:spcAft>
+                        <a:buNone/>
+                      </a:pPr>
+                      <a:r>
+                        <a:rPr lang="en" sz="2000">
+                          <a:solidFill>
+                            <a:schemeClr val="dk1"/>
+                          </a:solidFill>
+                          <a:latin typeface="Times New Roman"/>
+                          <a:ea typeface="Times New Roman"/>
+                          <a:cs typeface="Times New Roman"/>
+                          <a:sym typeface="Times New Roman"/>
+                        </a:rPr>
+                        <a:t>Institutions within 1km </a:t>
+                      </a:r>
+                      <a:endParaRPr sz="2000">
+                        <a:solidFill>
+                          <a:schemeClr val="dk1"/>
+                        </a:solidFill>
+                        <a:latin typeface="Times New Roman"/>
+                        <a:ea typeface="Times New Roman"/>
+                        <a:cs typeface="Times New Roman"/>
+                        <a:sym typeface="Times New Roman"/>
+                      </a:endParaRPr>
+                    </a:p>
+                    <a:p>
+                      <a:pPr indent="0" lvl="0" marL="0" rtl="0" algn="l">
+                        <a:lnSpc>
+                          <a:spcPct val="110000"/>
+                        </a:lnSpc>
+                        <a:spcBef>
+                          <a:spcPts val="0"/>
+                        </a:spcBef>
+                        <a:spcAft>
+                          <a:spcPts val="0"/>
+                        </a:spcAft>
+                        <a:buNone/>
+                      </a:pPr>
+                      <a:r>
+                        <a:rPr lang="en" sz="2000">
+                          <a:solidFill>
+                            <a:schemeClr val="dk1"/>
+                          </a:solidFill>
+                          <a:latin typeface="Times New Roman"/>
+                          <a:ea typeface="Times New Roman"/>
+                          <a:cs typeface="Times New Roman"/>
+                          <a:sym typeface="Times New Roman"/>
+                        </a:rPr>
+                        <a:t>of the Station</a:t>
+                      </a:r>
+                      <a:endParaRPr sz="2000">
+                        <a:solidFill>
+                          <a:schemeClr val="dk1"/>
+                        </a:solidFill>
+                        <a:latin typeface="Times New Roman"/>
+                        <a:ea typeface="Times New Roman"/>
+                        <a:cs typeface="Times New Roman"/>
+                        <a:sym typeface="Times New Roman"/>
+                      </a:endParaRPr>
+                    </a:p>
+                  </a:txBody>
+                  <a:tcPr marT="91425" marB="91425" marR="91425" marL="91425" anchor="ctr">
+                    <a:lnL cap="flat" cmpd="sng" w="19050">
+                      <a:solidFill>
+                        <a:schemeClr val="dk1"/>
+                      </a:solidFill>
+                      <a:prstDash val="solid"/>
+                      <a:round/>
+                      <a:headEnd len="sm" w="sm" type="none"/>
+                      <a:tailEnd len="sm" w="sm" type="none"/>
+                    </a:lnL>
+                    <a:lnR cap="flat" cmpd="sng" w="19050">
+                      <a:solidFill>
+                        <a:schemeClr val="dk1"/>
+                      </a:solidFill>
+                      <a:prstDash val="solid"/>
+                      <a:round/>
+                      <a:headEnd len="sm" w="sm" type="none"/>
+                      <a:tailEnd len="sm" w="sm" type="none"/>
+                    </a:lnR>
+                    <a:lnT cap="flat" cmpd="sng" w="19050">
+                      <a:solidFill>
+                        <a:schemeClr val="dk1"/>
+                      </a:solidFill>
+                      <a:prstDash val="solid"/>
+                      <a:round/>
+                      <a:headEnd len="sm" w="sm" type="none"/>
+                      <a:tailEnd len="sm" w="sm" type="none"/>
+                    </a:lnT>
+                    <a:lnB cap="flat" cmpd="sng" w="19050">
+                      <a:solidFill>
+                        <a:schemeClr val="dk1"/>
+                      </a:solidFill>
+                      <a:prstDash val="solid"/>
+                      <a:round/>
+                      <a:headEnd len="sm" w="sm" type="none"/>
+                      <a:tailEnd len="sm" w="sm" type="none"/>
+                    </a:lnB>
+                    <a:solidFill>
+                      <a:srgbClr val="CBDFFF"/>
+                    </a:solidFill>
+                  </a:tcPr>
+                </a:tc>
+                <a:tc>
+                  <a:txBody>
+                    <a:bodyPr/>
+                    <a:lstStyle/>
+                    <a:p>
+                      <a:pPr indent="0" lvl="0" marL="0" rtl="0" algn="l">
+                        <a:lnSpc>
+                          <a:spcPct val="80000"/>
+                        </a:lnSpc>
+                        <a:spcBef>
+                          <a:spcPts val="0"/>
+                        </a:spcBef>
+                        <a:spcAft>
+                          <a:spcPts val="0"/>
+                        </a:spcAft>
+                        <a:buNone/>
+                      </a:pPr>
+                      <a:r>
+                        <a:rPr b="1" lang="en" sz="2000">
+                          <a:solidFill>
+                            <a:schemeClr val="dk1"/>
+                          </a:solidFill>
+                          <a:latin typeface="Times New Roman"/>
+                          <a:ea typeface="Times New Roman"/>
+                          <a:cs typeface="Times New Roman"/>
+                          <a:sym typeface="Times New Roman"/>
+                        </a:rPr>
+                        <a:t>2.181</a:t>
+                      </a:r>
+                      <a:endParaRPr b="1" sz="2000">
+                        <a:solidFill>
+                          <a:schemeClr val="dk1"/>
+                        </a:solidFill>
+                        <a:latin typeface="Times New Roman"/>
+                        <a:ea typeface="Times New Roman"/>
+                        <a:cs typeface="Times New Roman"/>
+                        <a:sym typeface="Times New Roman"/>
+                      </a:endParaRPr>
+                    </a:p>
+                  </a:txBody>
+                  <a:tcPr marT="91425" marB="91425" marR="91425" marL="91425" anchor="ctr">
+                    <a:lnL cap="flat" cmpd="sng" w="19050">
+                      <a:solidFill>
+                        <a:schemeClr val="dk1"/>
+                      </a:solidFill>
+                      <a:prstDash val="solid"/>
+                      <a:round/>
+                      <a:headEnd len="sm" w="sm" type="none"/>
+                      <a:tailEnd len="sm" w="sm" type="none"/>
+                    </a:lnL>
+                    <a:lnR cap="flat" cmpd="sng" w="19050">
+                      <a:solidFill>
+                        <a:schemeClr val="dk1">
+                          <a:alpha val="0"/>
+                        </a:schemeClr>
+                      </a:solidFill>
+                      <a:prstDash val="solid"/>
+                      <a:round/>
+                      <a:headEnd len="sm" w="sm" type="none"/>
+                      <a:tailEnd len="sm" w="sm" type="none"/>
+                    </a:lnR>
+                    <a:lnT cap="flat" cmpd="sng" w="19050">
+                      <a:solidFill>
+                        <a:schemeClr val="dk1"/>
+                      </a:solidFill>
+                      <a:prstDash val="solid"/>
+                      <a:round/>
+                      <a:headEnd len="sm" w="sm" type="none"/>
+                      <a:tailEnd len="sm" w="sm" type="none"/>
+                    </a:lnT>
+                    <a:lnB cap="flat" cmpd="sng" w="19050">
+                      <a:solidFill>
+                        <a:schemeClr val="dk1"/>
+                      </a:solidFill>
+                      <a:prstDash val="solid"/>
+                      <a:round/>
+                      <a:headEnd len="sm" w="sm" type="none"/>
+                      <a:tailEnd len="sm" w="sm" type="none"/>
+                    </a:lnB>
+                    <a:solidFill>
+                      <a:srgbClr val="CBDFFF"/>
+                    </a:solidFill>
+                  </a:tcPr>
+                </a:tc>
+              </a:tr>
+              <a:tr h="381000">
+                <a:tc>
+                  <a:txBody>
+                    <a:bodyPr/>
+                    <a:lstStyle/>
+                    <a:p>
+                      <a:pPr indent="0" lvl="0" marL="0" rtl="0" algn="l">
+                        <a:lnSpc>
+                          <a:spcPct val="80000"/>
+                        </a:lnSpc>
+                        <a:spcBef>
+                          <a:spcPts val="0"/>
+                        </a:spcBef>
+                        <a:spcAft>
+                          <a:spcPts val="0"/>
+                        </a:spcAft>
+                        <a:buNone/>
+                      </a:pPr>
+                      <a:r>
+                        <a:rPr lang="en" sz="2000">
+                          <a:solidFill>
+                            <a:schemeClr val="dk1"/>
+                          </a:solidFill>
+                          <a:latin typeface="Times New Roman"/>
+                          <a:ea typeface="Times New Roman"/>
+                          <a:cs typeface="Times New Roman"/>
+                          <a:sym typeface="Times New Roman"/>
+                        </a:rPr>
+                        <a:t>Municipality - Cambridge</a:t>
+                      </a:r>
+                      <a:endParaRPr sz="2000">
+                        <a:solidFill>
+                          <a:schemeClr val="dk1"/>
+                        </a:solidFill>
+                        <a:latin typeface="Times New Roman"/>
+                        <a:ea typeface="Times New Roman"/>
+                        <a:cs typeface="Times New Roman"/>
+                        <a:sym typeface="Times New Roman"/>
+                      </a:endParaRPr>
+                    </a:p>
+                  </a:txBody>
+                  <a:tcPr marT="91425" marB="91425" marR="91425" marL="91425" anchor="ctr">
+                    <a:lnL cap="flat" cmpd="sng" w="19050">
+                      <a:solidFill>
+                        <a:schemeClr val="dk1">
+                          <a:alpha val="0"/>
+                        </a:schemeClr>
+                      </a:solidFill>
+                      <a:prstDash val="solid"/>
+                      <a:round/>
+                      <a:headEnd len="sm" w="sm" type="none"/>
+                      <a:tailEnd len="sm" w="sm" type="none"/>
+                    </a:lnL>
+                    <a:lnR cap="flat" cmpd="sng" w="19050">
+                      <a:solidFill>
+                        <a:schemeClr val="dk1"/>
+                      </a:solidFill>
+                      <a:prstDash val="solid"/>
+                      <a:round/>
+                      <a:headEnd len="sm" w="sm" type="none"/>
+                      <a:tailEnd len="sm" w="sm" type="none"/>
+                    </a:lnR>
+                    <a:lnT cap="flat" cmpd="sng" w="19050">
+                      <a:solidFill>
+                        <a:schemeClr val="dk1"/>
+                      </a:solidFill>
+                      <a:prstDash val="solid"/>
+                      <a:round/>
+                      <a:headEnd len="sm" w="sm" type="none"/>
+                      <a:tailEnd len="sm" w="sm" type="none"/>
+                    </a:lnT>
+                    <a:lnB cap="flat" cmpd="sng" w="19050">
+                      <a:solidFill>
+                        <a:schemeClr val="dk1"/>
+                      </a:solidFill>
+                      <a:prstDash val="solid"/>
+                      <a:round/>
+                      <a:headEnd len="sm" w="sm" type="none"/>
+                      <a:tailEnd len="sm" w="sm" type="none"/>
+                    </a:lnB>
+                    <a:solidFill>
+                      <a:srgbClr val="D4D8FF"/>
+                    </a:solidFill>
+                  </a:tcPr>
+                </a:tc>
+                <a:tc>
+                  <a:txBody>
+                    <a:bodyPr/>
+                    <a:lstStyle/>
+                    <a:p>
+                      <a:pPr indent="0" lvl="0" marL="0" rtl="0" algn="l">
+                        <a:lnSpc>
+                          <a:spcPct val="80000"/>
+                        </a:lnSpc>
+                        <a:spcBef>
+                          <a:spcPts val="0"/>
+                        </a:spcBef>
+                        <a:spcAft>
+                          <a:spcPts val="0"/>
+                        </a:spcAft>
+                        <a:buNone/>
+                      </a:pPr>
+                      <a:r>
+                        <a:rPr b="1" lang="en" sz="2000">
+                          <a:solidFill>
+                            <a:schemeClr val="dk1"/>
+                          </a:solidFill>
+                          <a:latin typeface="Times New Roman"/>
+                          <a:ea typeface="Times New Roman"/>
+                          <a:cs typeface="Times New Roman"/>
+                          <a:sym typeface="Times New Roman"/>
+                        </a:rPr>
+                        <a:t>-7.383</a:t>
+                      </a:r>
+                      <a:endParaRPr b="1" sz="2000">
+                        <a:solidFill>
+                          <a:schemeClr val="dk1"/>
+                        </a:solidFill>
+                        <a:latin typeface="Times New Roman"/>
+                        <a:ea typeface="Times New Roman"/>
+                        <a:cs typeface="Times New Roman"/>
+                        <a:sym typeface="Times New Roman"/>
+                      </a:endParaRPr>
+                    </a:p>
+                  </a:txBody>
+                  <a:tcPr marT="91425" marB="91425" marR="91425" marL="91425" anchor="ctr">
+                    <a:lnL cap="flat" cmpd="sng" w="19050">
+                      <a:solidFill>
+                        <a:schemeClr val="dk1"/>
+                      </a:solidFill>
+                      <a:prstDash val="solid"/>
+                      <a:round/>
+                      <a:headEnd len="sm" w="sm" type="none"/>
+                      <a:tailEnd len="sm" w="sm" type="none"/>
+                    </a:lnL>
+                    <a:lnR cap="flat" cmpd="sng" w="19050">
+                      <a:solidFill>
+                        <a:schemeClr val="dk1"/>
+                      </a:solidFill>
+                      <a:prstDash val="solid"/>
+                      <a:round/>
+                      <a:headEnd len="sm" w="sm" type="none"/>
+                      <a:tailEnd len="sm" w="sm" type="none"/>
+                    </a:lnR>
+                    <a:lnT cap="flat" cmpd="sng" w="19050">
+                      <a:solidFill>
+                        <a:schemeClr val="dk1"/>
+                      </a:solidFill>
+                      <a:prstDash val="solid"/>
+                      <a:round/>
+                      <a:headEnd len="sm" w="sm" type="none"/>
+                      <a:tailEnd len="sm" w="sm" type="none"/>
+                    </a:lnT>
+                    <a:lnB cap="flat" cmpd="sng" w="19050">
+                      <a:solidFill>
+                        <a:schemeClr val="dk1"/>
+                      </a:solidFill>
+                      <a:prstDash val="solid"/>
+                      <a:round/>
+                      <a:headEnd len="sm" w="sm" type="none"/>
+                      <a:tailEnd len="sm" w="sm" type="none"/>
+                    </a:lnB>
+                    <a:solidFill>
+                      <a:srgbClr val="D4D8FF"/>
+                    </a:solidFill>
+                  </a:tcPr>
+                </a:tc>
+                <a:tc>
+                  <a:txBody>
+                    <a:bodyPr/>
+                    <a:lstStyle/>
+                    <a:p>
+                      <a:pPr indent="0" lvl="0" marL="0" rtl="0" algn="l">
+                        <a:lnSpc>
+                          <a:spcPct val="110000"/>
+                        </a:lnSpc>
+                        <a:spcBef>
+                          <a:spcPts val="0"/>
+                        </a:spcBef>
+                        <a:spcAft>
+                          <a:spcPts val="0"/>
+                        </a:spcAft>
+                        <a:buNone/>
+                      </a:pPr>
+                      <a:r>
+                        <a:rPr lang="en" sz="2000">
+                          <a:solidFill>
+                            <a:schemeClr val="dk1"/>
+                          </a:solidFill>
+                          <a:latin typeface="Times New Roman"/>
+                          <a:ea typeface="Times New Roman"/>
+                          <a:cs typeface="Times New Roman"/>
+                          <a:sym typeface="Times New Roman"/>
+                        </a:rPr>
+                        <a:t>MBTA Stations within 1km of the Station</a:t>
+                      </a:r>
+                      <a:endParaRPr sz="2000">
+                        <a:solidFill>
+                          <a:schemeClr val="dk1"/>
+                        </a:solidFill>
+                        <a:latin typeface="Times New Roman"/>
+                        <a:ea typeface="Times New Roman"/>
+                        <a:cs typeface="Times New Roman"/>
+                        <a:sym typeface="Times New Roman"/>
+                      </a:endParaRPr>
+                    </a:p>
+                  </a:txBody>
+                  <a:tcPr marT="91425" marB="91425" marR="91425" marL="91425" anchor="ctr">
+                    <a:lnL cap="flat" cmpd="sng" w="19050">
+                      <a:solidFill>
+                        <a:schemeClr val="dk1"/>
+                      </a:solidFill>
+                      <a:prstDash val="solid"/>
+                      <a:round/>
+                      <a:headEnd len="sm" w="sm" type="none"/>
+                      <a:tailEnd len="sm" w="sm" type="none"/>
+                    </a:lnL>
+                    <a:lnR cap="flat" cmpd="sng" w="19050">
+                      <a:solidFill>
+                        <a:schemeClr val="dk1"/>
+                      </a:solidFill>
+                      <a:prstDash val="solid"/>
+                      <a:round/>
+                      <a:headEnd len="sm" w="sm" type="none"/>
+                      <a:tailEnd len="sm" w="sm" type="none"/>
+                    </a:lnR>
+                    <a:lnT cap="flat" cmpd="sng" w="19050">
+                      <a:solidFill>
+                        <a:schemeClr val="dk1"/>
+                      </a:solidFill>
+                      <a:prstDash val="solid"/>
+                      <a:round/>
+                      <a:headEnd len="sm" w="sm" type="none"/>
+                      <a:tailEnd len="sm" w="sm" type="none"/>
+                    </a:lnT>
+                    <a:lnB cap="flat" cmpd="sng" w="19050">
+                      <a:solidFill>
+                        <a:schemeClr val="dk1"/>
+                      </a:solidFill>
+                      <a:prstDash val="solid"/>
+                      <a:round/>
+                      <a:headEnd len="sm" w="sm" type="none"/>
+                      <a:tailEnd len="sm" w="sm" type="none"/>
+                    </a:lnB>
+                    <a:solidFill>
+                      <a:srgbClr val="D4D8FF"/>
+                    </a:solidFill>
+                  </a:tcPr>
+                </a:tc>
+                <a:tc>
+                  <a:txBody>
+                    <a:bodyPr/>
+                    <a:lstStyle/>
+                    <a:p>
+                      <a:pPr indent="0" lvl="0" marL="0" rtl="0" algn="l">
+                        <a:lnSpc>
+                          <a:spcPct val="80000"/>
+                        </a:lnSpc>
+                        <a:spcBef>
+                          <a:spcPts val="0"/>
+                        </a:spcBef>
+                        <a:spcAft>
+                          <a:spcPts val="0"/>
+                        </a:spcAft>
+                        <a:buNone/>
+                      </a:pPr>
+                      <a:r>
+                        <a:rPr b="1" lang="en" sz="2000">
+                          <a:solidFill>
+                            <a:schemeClr val="dk1"/>
+                          </a:solidFill>
+                          <a:latin typeface="Times New Roman"/>
+                          <a:ea typeface="Times New Roman"/>
+                          <a:cs typeface="Times New Roman"/>
+                          <a:sym typeface="Times New Roman"/>
+                        </a:rPr>
+                        <a:t>-0.1379</a:t>
+                      </a:r>
+                      <a:endParaRPr b="1" sz="2000">
+                        <a:solidFill>
+                          <a:schemeClr val="dk1"/>
+                        </a:solidFill>
+                        <a:latin typeface="Times New Roman"/>
+                        <a:ea typeface="Times New Roman"/>
+                        <a:cs typeface="Times New Roman"/>
+                        <a:sym typeface="Times New Roman"/>
+                      </a:endParaRPr>
+                    </a:p>
+                  </a:txBody>
+                  <a:tcPr marT="91425" marB="91425" marR="91425" marL="91425" anchor="ctr">
+                    <a:lnL cap="flat" cmpd="sng" w="19050">
+                      <a:solidFill>
+                        <a:schemeClr val="dk1"/>
+                      </a:solidFill>
+                      <a:prstDash val="solid"/>
+                      <a:round/>
+                      <a:headEnd len="sm" w="sm" type="none"/>
+                      <a:tailEnd len="sm" w="sm" type="none"/>
+                    </a:lnL>
+                    <a:lnR cap="flat" cmpd="sng" w="19050">
+                      <a:solidFill>
+                        <a:schemeClr val="dk1"/>
+                      </a:solidFill>
+                      <a:prstDash val="solid"/>
+                      <a:round/>
+                      <a:headEnd len="sm" w="sm" type="none"/>
+                      <a:tailEnd len="sm" w="sm" type="none"/>
+                    </a:lnR>
+                    <a:lnT cap="flat" cmpd="sng" w="19050">
+                      <a:solidFill>
+                        <a:schemeClr val="dk1"/>
+                      </a:solidFill>
+                      <a:prstDash val="solid"/>
+                      <a:round/>
+                      <a:headEnd len="sm" w="sm" type="none"/>
+                      <a:tailEnd len="sm" w="sm" type="none"/>
+                    </a:lnT>
+                    <a:lnB cap="flat" cmpd="sng" w="19050">
+                      <a:solidFill>
+                        <a:schemeClr val="dk1"/>
+                      </a:solidFill>
+                      <a:prstDash val="solid"/>
+                      <a:round/>
+                      <a:headEnd len="sm" w="sm" type="none"/>
+                      <a:tailEnd len="sm" w="sm" type="none"/>
+                    </a:lnB>
+                    <a:solidFill>
+                      <a:srgbClr val="D4D8FF"/>
+                    </a:solidFill>
+                  </a:tcPr>
+                </a:tc>
+                <a:tc>
+                  <a:txBody>
+                    <a:bodyPr/>
+                    <a:lstStyle/>
+                    <a:p>
+                      <a:pPr indent="0" lvl="0" marL="0" rtl="0" algn="l">
+                        <a:lnSpc>
+                          <a:spcPct val="80000"/>
+                        </a:lnSpc>
+                        <a:spcBef>
+                          <a:spcPts val="0"/>
+                        </a:spcBef>
+                        <a:spcAft>
+                          <a:spcPts val="0"/>
+                        </a:spcAft>
+                        <a:buNone/>
+                      </a:pPr>
+                      <a:r>
+                        <a:rPr lang="en" sz="2000">
+                          <a:solidFill>
+                            <a:schemeClr val="dk1"/>
+                          </a:solidFill>
+                          <a:latin typeface="Times New Roman"/>
+                          <a:ea typeface="Times New Roman"/>
+                          <a:cs typeface="Times New Roman"/>
+                          <a:sym typeface="Times New Roman"/>
+                        </a:rPr>
+                        <a:t>Latitude</a:t>
+                      </a:r>
+                      <a:endParaRPr sz="2000">
+                        <a:solidFill>
+                          <a:schemeClr val="dk1"/>
+                        </a:solidFill>
+                        <a:latin typeface="Times New Roman"/>
+                        <a:ea typeface="Times New Roman"/>
+                        <a:cs typeface="Times New Roman"/>
+                        <a:sym typeface="Times New Roman"/>
+                      </a:endParaRPr>
+                    </a:p>
+                  </a:txBody>
+                  <a:tcPr marT="91425" marB="91425" marR="91425" marL="91425" anchor="ctr">
+                    <a:lnL cap="flat" cmpd="sng" w="19050">
+                      <a:solidFill>
+                        <a:schemeClr val="dk1"/>
+                      </a:solidFill>
+                      <a:prstDash val="solid"/>
+                      <a:round/>
+                      <a:headEnd len="sm" w="sm" type="none"/>
+                      <a:tailEnd len="sm" w="sm" type="none"/>
+                    </a:lnL>
+                    <a:lnR cap="flat" cmpd="sng" w="19050">
+                      <a:solidFill>
+                        <a:schemeClr val="dk1"/>
+                      </a:solidFill>
+                      <a:prstDash val="solid"/>
+                      <a:round/>
+                      <a:headEnd len="sm" w="sm" type="none"/>
+                      <a:tailEnd len="sm" w="sm" type="none"/>
+                    </a:lnR>
+                    <a:lnT cap="flat" cmpd="sng" w="19050">
+                      <a:solidFill>
+                        <a:schemeClr val="dk1"/>
+                      </a:solidFill>
+                      <a:prstDash val="solid"/>
+                      <a:round/>
+                      <a:headEnd len="sm" w="sm" type="none"/>
+                      <a:tailEnd len="sm" w="sm" type="none"/>
+                    </a:lnT>
+                    <a:lnB cap="flat" cmpd="sng" w="19050">
+                      <a:solidFill>
+                        <a:schemeClr val="dk1"/>
+                      </a:solidFill>
+                      <a:prstDash val="solid"/>
+                      <a:round/>
+                      <a:headEnd len="sm" w="sm" type="none"/>
+                      <a:tailEnd len="sm" w="sm" type="none"/>
+                    </a:lnB>
+                    <a:solidFill>
+                      <a:srgbClr val="CBDFFF"/>
+                    </a:solidFill>
+                  </a:tcPr>
+                </a:tc>
+                <a:tc>
+                  <a:txBody>
+                    <a:bodyPr/>
+                    <a:lstStyle/>
+                    <a:p>
+                      <a:pPr indent="0" lvl="0" marL="0" rtl="0" algn="l">
+                        <a:lnSpc>
+                          <a:spcPct val="80000"/>
+                        </a:lnSpc>
+                        <a:spcBef>
+                          <a:spcPts val="0"/>
+                        </a:spcBef>
+                        <a:spcAft>
+                          <a:spcPts val="0"/>
+                        </a:spcAft>
+                        <a:buNone/>
+                      </a:pPr>
+                      <a:r>
+                        <a:rPr b="1" lang="en" sz="2000">
+                          <a:solidFill>
+                            <a:schemeClr val="dk1"/>
+                          </a:solidFill>
+                          <a:latin typeface="Times New Roman"/>
+                          <a:ea typeface="Times New Roman"/>
+                          <a:cs typeface="Times New Roman"/>
+                          <a:sym typeface="Times New Roman"/>
+                        </a:rPr>
+                        <a:t>161.7</a:t>
+                      </a:r>
+                      <a:endParaRPr b="1" sz="2000">
+                        <a:solidFill>
+                          <a:schemeClr val="dk1"/>
+                        </a:solidFill>
+                        <a:latin typeface="Times New Roman"/>
+                        <a:ea typeface="Times New Roman"/>
+                        <a:cs typeface="Times New Roman"/>
+                        <a:sym typeface="Times New Roman"/>
+                      </a:endParaRPr>
+                    </a:p>
+                  </a:txBody>
+                  <a:tcPr marT="91425" marB="91425" marR="91425" marL="91425" anchor="ctr">
+                    <a:lnL cap="flat" cmpd="sng" w="19050">
+                      <a:solidFill>
+                        <a:schemeClr val="dk1"/>
+                      </a:solidFill>
+                      <a:prstDash val="solid"/>
+                      <a:round/>
+                      <a:headEnd len="sm" w="sm" type="none"/>
+                      <a:tailEnd len="sm" w="sm" type="none"/>
+                    </a:lnL>
+                    <a:lnR cap="flat" cmpd="sng" w="19050">
+                      <a:solidFill>
+                        <a:schemeClr val="dk1">
+                          <a:alpha val="0"/>
+                        </a:schemeClr>
+                      </a:solidFill>
+                      <a:prstDash val="solid"/>
+                      <a:round/>
+                      <a:headEnd len="sm" w="sm" type="none"/>
+                      <a:tailEnd len="sm" w="sm" type="none"/>
+                    </a:lnR>
+                    <a:lnT cap="flat" cmpd="sng" w="19050">
+                      <a:solidFill>
+                        <a:schemeClr val="dk1"/>
+                      </a:solidFill>
+                      <a:prstDash val="solid"/>
+                      <a:round/>
+                      <a:headEnd len="sm" w="sm" type="none"/>
+                      <a:tailEnd len="sm" w="sm" type="none"/>
+                    </a:lnT>
+                    <a:lnB cap="flat" cmpd="sng" w="19050">
+                      <a:solidFill>
+                        <a:schemeClr val="dk1"/>
+                      </a:solidFill>
+                      <a:prstDash val="solid"/>
+                      <a:round/>
+                      <a:headEnd len="sm" w="sm" type="none"/>
+                      <a:tailEnd len="sm" w="sm" type="none"/>
+                    </a:lnB>
+                    <a:solidFill>
+                      <a:srgbClr val="CBDFFF"/>
+                    </a:solidFill>
+                  </a:tcPr>
+                </a:tc>
+              </a:tr>
+              <a:tr h="381000">
+                <a:tc>
+                  <a:txBody>
+                    <a:bodyPr/>
+                    <a:lstStyle/>
+                    <a:p>
+                      <a:pPr indent="0" lvl="0" marL="0" rtl="0" algn="l">
+                        <a:lnSpc>
+                          <a:spcPct val="80000"/>
+                        </a:lnSpc>
+                        <a:spcBef>
+                          <a:spcPts val="0"/>
+                        </a:spcBef>
+                        <a:spcAft>
+                          <a:spcPts val="0"/>
+                        </a:spcAft>
+                        <a:buClr>
+                          <a:schemeClr val="dk1"/>
+                        </a:buClr>
+                        <a:buSzPts val="1100"/>
+                        <a:buFont typeface="Arial"/>
+                        <a:buNone/>
+                      </a:pPr>
+                      <a:r>
+                        <a:rPr lang="en" sz="2000">
+                          <a:solidFill>
+                            <a:schemeClr val="dk1"/>
+                          </a:solidFill>
+                          <a:latin typeface="Times New Roman"/>
+                          <a:ea typeface="Times New Roman"/>
+                          <a:cs typeface="Times New Roman"/>
+                          <a:sym typeface="Times New Roman"/>
+                        </a:rPr>
+                        <a:t>Municipality - Chelsea</a:t>
+                      </a:r>
+                      <a:endParaRPr sz="2000">
+                        <a:solidFill>
+                          <a:schemeClr val="dk1"/>
+                        </a:solidFill>
+                        <a:latin typeface="Times New Roman"/>
+                        <a:ea typeface="Times New Roman"/>
+                        <a:cs typeface="Times New Roman"/>
+                        <a:sym typeface="Times New Roman"/>
+                      </a:endParaRPr>
+                    </a:p>
+                  </a:txBody>
+                  <a:tcPr marT="91425" marB="91425" marR="91425" marL="91425" anchor="ctr">
+                    <a:lnL cap="flat" cmpd="sng" w="19050">
+                      <a:solidFill>
+                        <a:schemeClr val="dk1">
+                          <a:alpha val="0"/>
+                        </a:schemeClr>
+                      </a:solidFill>
+                      <a:prstDash val="solid"/>
+                      <a:round/>
+                      <a:headEnd len="sm" w="sm" type="none"/>
+                      <a:tailEnd len="sm" w="sm" type="none"/>
+                    </a:lnL>
+                    <a:lnR cap="flat" cmpd="sng" w="19050">
+                      <a:solidFill>
+                        <a:schemeClr val="dk1"/>
+                      </a:solidFill>
+                      <a:prstDash val="solid"/>
+                      <a:round/>
+                      <a:headEnd len="sm" w="sm" type="none"/>
+                      <a:tailEnd len="sm" w="sm" type="none"/>
+                    </a:lnR>
+                    <a:lnT cap="flat" cmpd="sng" w="19050">
+                      <a:solidFill>
+                        <a:schemeClr val="dk1"/>
+                      </a:solidFill>
+                      <a:prstDash val="solid"/>
+                      <a:round/>
+                      <a:headEnd len="sm" w="sm" type="none"/>
+                      <a:tailEnd len="sm" w="sm" type="none"/>
+                    </a:lnT>
+                    <a:lnB cap="flat" cmpd="sng" w="19050">
+                      <a:solidFill>
+                        <a:schemeClr val="dk1"/>
+                      </a:solidFill>
+                      <a:prstDash val="solid"/>
+                      <a:round/>
+                      <a:headEnd len="sm" w="sm" type="none"/>
+                      <a:tailEnd len="sm" w="sm" type="none"/>
+                    </a:lnB>
+                    <a:solidFill>
+                      <a:srgbClr val="D4D8FF"/>
+                    </a:solidFill>
+                  </a:tcPr>
+                </a:tc>
+                <a:tc>
+                  <a:txBody>
+                    <a:bodyPr/>
+                    <a:lstStyle/>
+                    <a:p>
+                      <a:pPr indent="0" lvl="0" marL="0" rtl="0" algn="l">
+                        <a:lnSpc>
+                          <a:spcPct val="80000"/>
+                        </a:lnSpc>
+                        <a:spcBef>
+                          <a:spcPts val="0"/>
+                        </a:spcBef>
+                        <a:spcAft>
+                          <a:spcPts val="0"/>
+                        </a:spcAft>
+                        <a:buNone/>
+                      </a:pPr>
+                      <a:r>
+                        <a:rPr b="1" lang="en" sz="2000">
+                          <a:solidFill>
+                            <a:schemeClr val="dk1"/>
+                          </a:solidFill>
+                          <a:latin typeface="Times New Roman"/>
+                          <a:ea typeface="Times New Roman"/>
+                          <a:cs typeface="Times New Roman"/>
+                          <a:sym typeface="Times New Roman"/>
+                        </a:rPr>
+                        <a:t>-11.05</a:t>
+                      </a:r>
+                      <a:endParaRPr b="1" sz="2000">
+                        <a:solidFill>
+                          <a:schemeClr val="dk1"/>
+                        </a:solidFill>
+                        <a:latin typeface="Times New Roman"/>
+                        <a:ea typeface="Times New Roman"/>
+                        <a:cs typeface="Times New Roman"/>
+                        <a:sym typeface="Times New Roman"/>
+                      </a:endParaRPr>
+                    </a:p>
+                  </a:txBody>
+                  <a:tcPr marT="91425" marB="91425" marR="91425" marL="91425" anchor="ctr">
+                    <a:lnL cap="flat" cmpd="sng" w="19050">
+                      <a:solidFill>
+                        <a:schemeClr val="dk1"/>
+                      </a:solidFill>
+                      <a:prstDash val="solid"/>
+                      <a:round/>
+                      <a:headEnd len="sm" w="sm" type="none"/>
+                      <a:tailEnd len="sm" w="sm" type="none"/>
+                    </a:lnL>
+                    <a:lnR cap="flat" cmpd="sng" w="19050">
+                      <a:solidFill>
+                        <a:schemeClr val="dk1"/>
+                      </a:solidFill>
+                      <a:prstDash val="solid"/>
+                      <a:round/>
+                      <a:headEnd len="sm" w="sm" type="none"/>
+                      <a:tailEnd len="sm" w="sm" type="none"/>
+                    </a:lnR>
+                    <a:lnT cap="flat" cmpd="sng" w="19050">
+                      <a:solidFill>
+                        <a:schemeClr val="dk1"/>
+                      </a:solidFill>
+                      <a:prstDash val="solid"/>
+                      <a:round/>
+                      <a:headEnd len="sm" w="sm" type="none"/>
+                      <a:tailEnd len="sm" w="sm" type="none"/>
+                    </a:lnT>
+                    <a:lnB cap="flat" cmpd="sng" w="19050">
+                      <a:solidFill>
+                        <a:schemeClr val="dk1"/>
+                      </a:solidFill>
+                      <a:prstDash val="solid"/>
+                      <a:round/>
+                      <a:headEnd len="sm" w="sm" type="none"/>
+                      <a:tailEnd len="sm" w="sm" type="none"/>
+                    </a:lnB>
+                    <a:solidFill>
+                      <a:srgbClr val="D4D8FF"/>
+                    </a:solidFill>
+                  </a:tcPr>
+                </a:tc>
+                <a:tc>
+                  <a:txBody>
+                    <a:bodyPr/>
+                    <a:lstStyle/>
+                    <a:p>
+                      <a:pPr indent="0" lvl="0" marL="0" rtl="0" algn="l">
+                        <a:lnSpc>
+                          <a:spcPct val="80000"/>
+                        </a:lnSpc>
+                        <a:spcBef>
+                          <a:spcPts val="0"/>
+                        </a:spcBef>
+                        <a:spcAft>
+                          <a:spcPts val="0"/>
+                        </a:spcAft>
+                        <a:buNone/>
+                      </a:pPr>
+                      <a:r>
+                        <a:rPr lang="en" sz="2000">
+                          <a:latin typeface="Times New Roman"/>
+                          <a:ea typeface="Times New Roman"/>
+                          <a:cs typeface="Times New Roman"/>
+                          <a:sym typeface="Times New Roman"/>
+                        </a:rPr>
+                        <a:t>Seasonal status: </a:t>
+                      </a:r>
+                      <a:endParaRPr sz="2000">
+                        <a:latin typeface="Times New Roman"/>
+                        <a:ea typeface="Times New Roman"/>
+                        <a:cs typeface="Times New Roman"/>
+                        <a:sym typeface="Times New Roman"/>
+                      </a:endParaRPr>
+                    </a:p>
+                    <a:p>
+                      <a:pPr indent="0" lvl="0" marL="0" rtl="0" algn="l">
+                        <a:lnSpc>
+                          <a:spcPct val="80000"/>
+                        </a:lnSpc>
+                        <a:spcBef>
+                          <a:spcPts val="0"/>
+                        </a:spcBef>
+                        <a:spcAft>
+                          <a:spcPts val="0"/>
+                        </a:spcAft>
+                        <a:buNone/>
+                      </a:pPr>
+                      <a:r>
+                        <a:rPr lang="en" sz="2000">
+                          <a:latin typeface="Times New Roman"/>
+                          <a:ea typeface="Times New Roman"/>
+                          <a:cs typeface="Times New Roman"/>
+                          <a:sym typeface="Times New Roman"/>
+                        </a:rPr>
+                        <a:t>year round</a:t>
+                      </a:r>
+                      <a:endParaRPr sz="2000">
+                        <a:solidFill>
+                          <a:schemeClr val="dk1"/>
+                        </a:solidFill>
+                        <a:latin typeface="Times New Roman"/>
+                        <a:ea typeface="Times New Roman"/>
+                        <a:cs typeface="Times New Roman"/>
+                        <a:sym typeface="Times New Roman"/>
+                      </a:endParaRPr>
+                    </a:p>
+                  </a:txBody>
+                  <a:tcPr marT="91425" marB="91425" marR="91425" marL="91425" anchor="ctr">
+                    <a:lnL cap="flat" cmpd="sng" w="19050">
+                      <a:solidFill>
+                        <a:schemeClr val="dk1"/>
+                      </a:solidFill>
+                      <a:prstDash val="solid"/>
+                      <a:round/>
+                      <a:headEnd len="sm" w="sm" type="none"/>
+                      <a:tailEnd len="sm" w="sm" type="none"/>
+                    </a:lnL>
+                    <a:lnR cap="flat" cmpd="sng" w="19050">
+                      <a:solidFill>
+                        <a:schemeClr val="dk1"/>
+                      </a:solidFill>
+                      <a:prstDash val="solid"/>
+                      <a:round/>
+                      <a:headEnd len="sm" w="sm" type="none"/>
+                      <a:tailEnd len="sm" w="sm" type="none"/>
+                    </a:lnR>
+                    <a:lnT cap="flat" cmpd="sng" w="19050">
+                      <a:solidFill>
+                        <a:schemeClr val="dk1"/>
+                      </a:solidFill>
+                      <a:prstDash val="solid"/>
+                      <a:round/>
+                      <a:headEnd len="sm" w="sm" type="none"/>
+                      <a:tailEnd len="sm" w="sm" type="none"/>
+                    </a:lnT>
+                    <a:lnB cap="flat" cmpd="sng" w="19050">
+                      <a:solidFill>
+                        <a:schemeClr val="dk1"/>
+                      </a:solidFill>
+                      <a:prstDash val="solid"/>
+                      <a:round/>
+                      <a:headEnd len="sm" w="sm" type="none"/>
+                      <a:tailEnd len="sm" w="sm" type="none"/>
+                    </a:lnB>
+                    <a:solidFill>
+                      <a:srgbClr val="CBDFFF"/>
+                    </a:solidFill>
+                  </a:tcPr>
+                </a:tc>
+                <a:tc>
+                  <a:txBody>
+                    <a:bodyPr/>
+                    <a:lstStyle/>
+                    <a:p>
+                      <a:pPr indent="0" lvl="0" marL="0" rtl="0" algn="l">
+                        <a:lnSpc>
+                          <a:spcPct val="80000"/>
+                        </a:lnSpc>
+                        <a:spcBef>
+                          <a:spcPts val="0"/>
+                        </a:spcBef>
+                        <a:spcAft>
+                          <a:spcPts val="0"/>
+                        </a:spcAft>
+                        <a:buNone/>
+                      </a:pPr>
+                      <a:r>
+                        <a:rPr b="1" lang="en" sz="2000">
+                          <a:solidFill>
+                            <a:schemeClr val="dk1"/>
+                          </a:solidFill>
+                          <a:latin typeface="Times New Roman"/>
+                          <a:ea typeface="Times New Roman"/>
+                          <a:cs typeface="Times New Roman"/>
+                          <a:sym typeface="Times New Roman"/>
+                        </a:rPr>
+                        <a:t>0.4774</a:t>
+                      </a:r>
+                      <a:endParaRPr b="1" sz="2000">
+                        <a:solidFill>
+                          <a:schemeClr val="dk1"/>
+                        </a:solidFill>
+                        <a:latin typeface="Times New Roman"/>
+                        <a:ea typeface="Times New Roman"/>
+                        <a:cs typeface="Times New Roman"/>
+                        <a:sym typeface="Times New Roman"/>
+                      </a:endParaRPr>
+                    </a:p>
+                  </a:txBody>
+                  <a:tcPr marT="91425" marB="91425" marR="91425" marL="91425" anchor="ctr">
+                    <a:lnL cap="flat" cmpd="sng" w="19050">
+                      <a:solidFill>
+                        <a:schemeClr val="dk1"/>
+                      </a:solidFill>
+                      <a:prstDash val="solid"/>
+                      <a:round/>
+                      <a:headEnd len="sm" w="sm" type="none"/>
+                      <a:tailEnd len="sm" w="sm" type="none"/>
+                    </a:lnL>
+                    <a:lnR cap="flat" cmpd="sng" w="19050">
+                      <a:solidFill>
+                        <a:schemeClr val="dk1"/>
+                      </a:solidFill>
+                      <a:prstDash val="solid"/>
+                      <a:round/>
+                      <a:headEnd len="sm" w="sm" type="none"/>
+                      <a:tailEnd len="sm" w="sm" type="none"/>
+                    </a:lnR>
+                    <a:lnT cap="flat" cmpd="sng" w="19050">
+                      <a:solidFill>
+                        <a:schemeClr val="dk1"/>
+                      </a:solidFill>
+                      <a:prstDash val="solid"/>
+                      <a:round/>
+                      <a:headEnd len="sm" w="sm" type="none"/>
+                      <a:tailEnd len="sm" w="sm" type="none"/>
+                    </a:lnT>
+                    <a:lnB cap="flat" cmpd="sng" w="19050">
+                      <a:solidFill>
+                        <a:schemeClr val="dk1"/>
+                      </a:solidFill>
+                      <a:prstDash val="solid"/>
+                      <a:round/>
+                      <a:headEnd len="sm" w="sm" type="none"/>
+                      <a:tailEnd len="sm" w="sm" type="none"/>
+                    </a:lnB>
+                    <a:solidFill>
+                      <a:srgbClr val="CBDFFF"/>
+                    </a:solidFill>
+                  </a:tcPr>
+                </a:tc>
+                <a:tc>
+                  <a:txBody>
+                    <a:bodyPr/>
+                    <a:lstStyle/>
+                    <a:p>
+                      <a:pPr indent="0" lvl="0" marL="0" rtl="0" algn="l">
+                        <a:lnSpc>
+                          <a:spcPct val="80000"/>
+                        </a:lnSpc>
+                        <a:spcBef>
+                          <a:spcPts val="0"/>
+                        </a:spcBef>
+                        <a:spcAft>
+                          <a:spcPts val="0"/>
+                        </a:spcAft>
+                        <a:buNone/>
+                      </a:pPr>
+                      <a:r>
+                        <a:rPr lang="en" sz="2000">
+                          <a:solidFill>
+                            <a:schemeClr val="dk1"/>
+                          </a:solidFill>
+                          <a:latin typeface="Times New Roman"/>
+                          <a:ea typeface="Times New Roman"/>
+                          <a:cs typeface="Times New Roman"/>
+                          <a:sym typeface="Times New Roman"/>
+                        </a:rPr>
+                        <a:t>Longitude</a:t>
+                      </a:r>
+                      <a:endParaRPr sz="2000">
+                        <a:solidFill>
+                          <a:schemeClr val="dk1"/>
+                        </a:solidFill>
+                        <a:latin typeface="Times New Roman"/>
+                        <a:ea typeface="Times New Roman"/>
+                        <a:cs typeface="Times New Roman"/>
+                        <a:sym typeface="Times New Roman"/>
+                      </a:endParaRPr>
+                    </a:p>
+                  </a:txBody>
+                  <a:tcPr marT="91425" marB="91425" marR="91425" marL="91425" anchor="ctr">
+                    <a:lnL cap="flat" cmpd="sng" w="19050">
+                      <a:solidFill>
+                        <a:schemeClr val="dk1"/>
+                      </a:solidFill>
+                      <a:prstDash val="solid"/>
+                      <a:round/>
+                      <a:headEnd len="sm" w="sm" type="none"/>
+                      <a:tailEnd len="sm" w="sm" type="none"/>
+                    </a:lnL>
+                    <a:lnR cap="flat" cmpd="sng" w="19050">
+                      <a:solidFill>
+                        <a:schemeClr val="dk1"/>
+                      </a:solidFill>
+                      <a:prstDash val="solid"/>
+                      <a:round/>
+                      <a:headEnd len="sm" w="sm" type="none"/>
+                      <a:tailEnd len="sm" w="sm" type="none"/>
+                    </a:lnR>
+                    <a:lnT cap="flat" cmpd="sng" w="19050">
+                      <a:solidFill>
+                        <a:schemeClr val="dk1"/>
+                      </a:solidFill>
+                      <a:prstDash val="solid"/>
+                      <a:round/>
+                      <a:headEnd len="sm" w="sm" type="none"/>
+                      <a:tailEnd len="sm" w="sm" type="none"/>
+                    </a:lnT>
+                    <a:lnB cap="flat" cmpd="sng" w="19050">
+                      <a:solidFill>
+                        <a:schemeClr val="dk1"/>
+                      </a:solidFill>
+                      <a:prstDash val="solid"/>
+                      <a:round/>
+                      <a:headEnd len="sm" w="sm" type="none"/>
+                      <a:tailEnd len="sm" w="sm" type="none"/>
+                    </a:lnB>
+                    <a:solidFill>
+                      <a:srgbClr val="CBDFFF"/>
+                    </a:solidFill>
+                  </a:tcPr>
+                </a:tc>
+                <a:tc>
+                  <a:txBody>
+                    <a:bodyPr/>
+                    <a:lstStyle/>
+                    <a:p>
+                      <a:pPr indent="0" lvl="0" marL="0" rtl="0" algn="l">
+                        <a:lnSpc>
+                          <a:spcPct val="80000"/>
+                        </a:lnSpc>
+                        <a:spcBef>
+                          <a:spcPts val="0"/>
+                        </a:spcBef>
+                        <a:spcAft>
+                          <a:spcPts val="0"/>
+                        </a:spcAft>
+                        <a:buNone/>
+                      </a:pPr>
+                      <a:r>
+                        <a:rPr b="1" lang="en" sz="2000">
+                          <a:solidFill>
+                            <a:schemeClr val="dk1"/>
+                          </a:solidFill>
+                          <a:latin typeface="Times New Roman"/>
+                          <a:ea typeface="Times New Roman"/>
+                          <a:cs typeface="Times New Roman"/>
+                          <a:sym typeface="Times New Roman"/>
+                        </a:rPr>
+                        <a:t>83.31</a:t>
+                      </a:r>
+                      <a:endParaRPr b="1" sz="2000">
+                        <a:solidFill>
+                          <a:schemeClr val="dk1"/>
+                        </a:solidFill>
+                        <a:latin typeface="Times New Roman"/>
+                        <a:ea typeface="Times New Roman"/>
+                        <a:cs typeface="Times New Roman"/>
+                        <a:sym typeface="Times New Roman"/>
+                      </a:endParaRPr>
+                    </a:p>
+                  </a:txBody>
+                  <a:tcPr marT="91425" marB="91425" marR="91425" marL="91425" anchor="ctr">
+                    <a:lnL cap="flat" cmpd="sng" w="19050">
+                      <a:solidFill>
+                        <a:schemeClr val="dk1"/>
+                      </a:solidFill>
+                      <a:prstDash val="solid"/>
+                      <a:round/>
+                      <a:headEnd len="sm" w="sm" type="none"/>
+                      <a:tailEnd len="sm" w="sm" type="none"/>
+                    </a:lnL>
+                    <a:lnR cap="flat" cmpd="sng" w="19050">
+                      <a:solidFill>
+                        <a:schemeClr val="dk1">
+                          <a:alpha val="0"/>
+                        </a:schemeClr>
+                      </a:solidFill>
+                      <a:prstDash val="solid"/>
+                      <a:round/>
+                      <a:headEnd len="sm" w="sm" type="none"/>
+                      <a:tailEnd len="sm" w="sm" type="none"/>
+                    </a:lnR>
+                    <a:lnT cap="flat" cmpd="sng" w="19050">
+                      <a:solidFill>
+                        <a:schemeClr val="dk1"/>
+                      </a:solidFill>
+                      <a:prstDash val="solid"/>
+                      <a:round/>
+                      <a:headEnd len="sm" w="sm" type="none"/>
+                      <a:tailEnd len="sm" w="sm" type="none"/>
+                    </a:lnT>
+                    <a:lnB cap="flat" cmpd="sng" w="19050">
+                      <a:solidFill>
+                        <a:schemeClr val="dk1"/>
+                      </a:solidFill>
+                      <a:prstDash val="solid"/>
+                      <a:round/>
+                      <a:headEnd len="sm" w="sm" type="none"/>
+                      <a:tailEnd len="sm" w="sm" type="none"/>
+                    </a:lnB>
+                    <a:solidFill>
+                      <a:srgbClr val="CBDFFF"/>
+                    </a:solidFill>
+                  </a:tcPr>
+                </a:tc>
+              </a:tr>
+              <a:tr h="381000">
+                <a:tc>
+                  <a:txBody>
+                    <a:bodyPr/>
+                    <a:lstStyle/>
+                    <a:p>
+                      <a:pPr indent="0" lvl="0" marL="0" rtl="0" algn="l">
+                        <a:lnSpc>
+                          <a:spcPct val="80000"/>
+                        </a:lnSpc>
+                        <a:spcBef>
+                          <a:spcPts val="0"/>
+                        </a:spcBef>
+                        <a:spcAft>
+                          <a:spcPts val="0"/>
+                        </a:spcAft>
+                        <a:buClr>
+                          <a:schemeClr val="dk1"/>
+                        </a:buClr>
+                        <a:buSzPts val="1100"/>
+                        <a:buFont typeface="Arial"/>
+                        <a:buNone/>
+                      </a:pPr>
+                      <a:r>
+                        <a:rPr lang="en" sz="2000">
+                          <a:solidFill>
+                            <a:schemeClr val="dk1"/>
+                          </a:solidFill>
+                          <a:latin typeface="Times New Roman"/>
+                          <a:ea typeface="Times New Roman"/>
+                          <a:cs typeface="Times New Roman"/>
+                          <a:sym typeface="Times New Roman"/>
+                        </a:rPr>
+                        <a:t>Municipality - Everett</a:t>
+                      </a:r>
+                      <a:endParaRPr sz="2000">
+                        <a:solidFill>
+                          <a:schemeClr val="dk1"/>
+                        </a:solidFill>
+                        <a:latin typeface="Times New Roman"/>
+                        <a:ea typeface="Times New Roman"/>
+                        <a:cs typeface="Times New Roman"/>
+                        <a:sym typeface="Times New Roman"/>
+                      </a:endParaRPr>
+                    </a:p>
+                  </a:txBody>
+                  <a:tcPr marT="91425" marB="91425" marR="91425" marL="91425" anchor="ctr">
+                    <a:lnL cap="flat" cmpd="sng" w="19050">
+                      <a:solidFill>
+                        <a:schemeClr val="dk1">
+                          <a:alpha val="0"/>
+                        </a:schemeClr>
+                      </a:solidFill>
+                      <a:prstDash val="solid"/>
+                      <a:round/>
+                      <a:headEnd len="sm" w="sm" type="none"/>
+                      <a:tailEnd len="sm" w="sm" type="none"/>
+                    </a:lnL>
+                    <a:lnR cap="flat" cmpd="sng" w="19050">
+                      <a:solidFill>
+                        <a:schemeClr val="dk1"/>
+                      </a:solidFill>
+                      <a:prstDash val="solid"/>
+                      <a:round/>
+                      <a:headEnd len="sm" w="sm" type="none"/>
+                      <a:tailEnd len="sm" w="sm" type="none"/>
+                    </a:lnR>
+                    <a:lnT cap="flat" cmpd="sng" w="19050">
+                      <a:solidFill>
+                        <a:schemeClr val="dk1"/>
+                      </a:solidFill>
+                      <a:prstDash val="solid"/>
+                      <a:round/>
+                      <a:headEnd len="sm" w="sm" type="none"/>
+                      <a:tailEnd len="sm" w="sm" type="none"/>
+                    </a:lnT>
+                    <a:lnB cap="flat" cmpd="sng" w="19050">
+                      <a:solidFill>
+                        <a:schemeClr val="dk1"/>
+                      </a:solidFill>
+                      <a:prstDash val="solid"/>
+                      <a:round/>
+                      <a:headEnd len="sm" w="sm" type="none"/>
+                      <a:tailEnd len="sm" w="sm" type="none"/>
+                    </a:lnB>
+                    <a:solidFill>
+                      <a:srgbClr val="D4D8FF"/>
+                    </a:solidFill>
+                  </a:tcPr>
+                </a:tc>
+                <a:tc>
+                  <a:txBody>
+                    <a:bodyPr/>
+                    <a:lstStyle/>
+                    <a:p>
+                      <a:pPr indent="0" lvl="0" marL="0" rtl="0" algn="l">
+                        <a:lnSpc>
+                          <a:spcPct val="80000"/>
+                        </a:lnSpc>
+                        <a:spcBef>
+                          <a:spcPts val="0"/>
+                        </a:spcBef>
+                        <a:spcAft>
+                          <a:spcPts val="0"/>
+                        </a:spcAft>
+                        <a:buNone/>
+                      </a:pPr>
+                      <a:r>
+                        <a:rPr b="1" lang="en" sz="2000">
+                          <a:solidFill>
+                            <a:schemeClr val="dk1"/>
+                          </a:solidFill>
+                          <a:latin typeface="Times New Roman"/>
+                          <a:ea typeface="Times New Roman"/>
+                          <a:cs typeface="Times New Roman"/>
+                          <a:sym typeface="Times New Roman"/>
+                        </a:rPr>
+                        <a:t>-9.042</a:t>
+                      </a:r>
+                      <a:endParaRPr b="1" sz="2000">
+                        <a:solidFill>
+                          <a:schemeClr val="dk1"/>
+                        </a:solidFill>
+                        <a:latin typeface="Times New Roman"/>
+                        <a:ea typeface="Times New Roman"/>
+                        <a:cs typeface="Times New Roman"/>
+                        <a:sym typeface="Times New Roman"/>
+                      </a:endParaRPr>
+                    </a:p>
+                  </a:txBody>
+                  <a:tcPr marT="91425" marB="91425" marR="91425" marL="91425" anchor="ctr">
+                    <a:lnL cap="flat" cmpd="sng" w="19050">
+                      <a:solidFill>
+                        <a:schemeClr val="dk1"/>
+                      </a:solidFill>
+                      <a:prstDash val="solid"/>
+                      <a:round/>
+                      <a:headEnd len="sm" w="sm" type="none"/>
+                      <a:tailEnd len="sm" w="sm" type="none"/>
+                    </a:lnL>
+                    <a:lnR cap="flat" cmpd="sng" w="19050">
+                      <a:solidFill>
+                        <a:schemeClr val="dk1"/>
+                      </a:solidFill>
+                      <a:prstDash val="solid"/>
+                      <a:round/>
+                      <a:headEnd len="sm" w="sm" type="none"/>
+                      <a:tailEnd len="sm" w="sm" type="none"/>
+                    </a:lnR>
+                    <a:lnT cap="flat" cmpd="sng" w="19050">
+                      <a:solidFill>
+                        <a:schemeClr val="dk1"/>
+                      </a:solidFill>
+                      <a:prstDash val="solid"/>
+                      <a:round/>
+                      <a:headEnd len="sm" w="sm" type="none"/>
+                      <a:tailEnd len="sm" w="sm" type="none"/>
+                    </a:lnT>
+                    <a:lnB cap="flat" cmpd="sng" w="19050">
+                      <a:solidFill>
+                        <a:schemeClr val="dk1"/>
+                      </a:solidFill>
+                      <a:prstDash val="solid"/>
+                      <a:round/>
+                      <a:headEnd len="sm" w="sm" type="none"/>
+                      <a:tailEnd len="sm" w="sm" type="none"/>
+                    </a:lnB>
+                    <a:solidFill>
+                      <a:srgbClr val="D4D8FF"/>
+                    </a:solidFill>
+                  </a:tcPr>
+                </a:tc>
+                <a:tc>
+                  <a:txBody>
+                    <a:bodyPr/>
+                    <a:lstStyle/>
+                    <a:p>
+                      <a:pPr indent="0" lvl="0" marL="0" rtl="0" algn="l">
+                        <a:lnSpc>
+                          <a:spcPct val="80000"/>
+                        </a:lnSpc>
+                        <a:spcBef>
+                          <a:spcPts val="0"/>
+                        </a:spcBef>
+                        <a:spcAft>
+                          <a:spcPts val="0"/>
+                        </a:spcAft>
+                        <a:buNone/>
+                      </a:pPr>
+                      <a:r>
+                        <a:rPr lang="en" sz="2000">
+                          <a:latin typeface="Times New Roman"/>
+                          <a:ea typeface="Times New Roman"/>
+                          <a:cs typeface="Times New Roman"/>
+                          <a:sym typeface="Times New Roman"/>
+                        </a:rPr>
+                        <a:t>Municipality - Boston</a:t>
+                      </a:r>
+                      <a:endParaRPr sz="2000">
+                        <a:solidFill>
+                          <a:schemeClr val="dk1"/>
+                        </a:solidFill>
+                        <a:latin typeface="Times New Roman"/>
+                        <a:ea typeface="Times New Roman"/>
+                        <a:cs typeface="Times New Roman"/>
+                        <a:sym typeface="Times New Roman"/>
+                      </a:endParaRPr>
+                    </a:p>
+                  </a:txBody>
+                  <a:tcPr marT="91425" marB="91425" marR="91425" marL="91425" anchor="ctr">
+                    <a:lnL cap="flat" cmpd="sng" w="19050">
+                      <a:solidFill>
+                        <a:schemeClr val="dk1"/>
+                      </a:solidFill>
+                      <a:prstDash val="solid"/>
+                      <a:round/>
+                      <a:headEnd len="sm" w="sm" type="none"/>
+                      <a:tailEnd len="sm" w="sm" type="none"/>
+                    </a:lnL>
+                    <a:lnR cap="flat" cmpd="sng" w="19050">
+                      <a:solidFill>
+                        <a:schemeClr val="dk1"/>
+                      </a:solidFill>
+                      <a:prstDash val="solid"/>
+                      <a:round/>
+                      <a:headEnd len="sm" w="sm" type="none"/>
+                      <a:tailEnd len="sm" w="sm" type="none"/>
+                    </a:lnR>
+                    <a:lnT cap="flat" cmpd="sng" w="19050">
+                      <a:solidFill>
+                        <a:schemeClr val="dk1"/>
+                      </a:solidFill>
+                      <a:prstDash val="solid"/>
+                      <a:round/>
+                      <a:headEnd len="sm" w="sm" type="none"/>
+                      <a:tailEnd len="sm" w="sm" type="none"/>
+                    </a:lnT>
+                    <a:lnB cap="flat" cmpd="sng" w="19050">
+                      <a:solidFill>
+                        <a:schemeClr val="dk1"/>
+                      </a:solidFill>
+                      <a:prstDash val="solid"/>
+                      <a:round/>
+                      <a:headEnd len="sm" w="sm" type="none"/>
+                      <a:tailEnd len="sm" w="sm" type="none"/>
+                    </a:lnB>
+                    <a:solidFill>
+                      <a:srgbClr val="CBDFFF"/>
+                    </a:solidFill>
+                  </a:tcPr>
+                </a:tc>
+                <a:tc>
+                  <a:txBody>
+                    <a:bodyPr/>
+                    <a:lstStyle/>
+                    <a:p>
+                      <a:pPr indent="0" lvl="0" marL="0" rtl="0" algn="l">
+                        <a:lnSpc>
+                          <a:spcPct val="80000"/>
+                        </a:lnSpc>
+                        <a:spcBef>
+                          <a:spcPts val="0"/>
+                        </a:spcBef>
+                        <a:spcAft>
+                          <a:spcPts val="0"/>
+                        </a:spcAft>
+                        <a:buNone/>
+                      </a:pPr>
+                      <a:r>
+                        <a:rPr b="1" lang="en" sz="2000">
+                          <a:solidFill>
+                            <a:schemeClr val="dk1"/>
+                          </a:solidFill>
+                          <a:latin typeface="Times New Roman"/>
+                          <a:ea typeface="Times New Roman"/>
+                          <a:cs typeface="Times New Roman"/>
+                          <a:sym typeface="Times New Roman"/>
+                        </a:rPr>
+                        <a:t>11</a:t>
+                      </a:r>
+                      <a:endParaRPr b="1" sz="2000">
+                        <a:solidFill>
+                          <a:schemeClr val="dk1"/>
+                        </a:solidFill>
+                        <a:latin typeface="Times New Roman"/>
+                        <a:ea typeface="Times New Roman"/>
+                        <a:cs typeface="Times New Roman"/>
+                        <a:sym typeface="Times New Roman"/>
+                      </a:endParaRPr>
+                    </a:p>
+                  </a:txBody>
+                  <a:tcPr marT="91425" marB="91425" marR="91425" marL="91425" anchor="ctr">
+                    <a:lnL cap="flat" cmpd="sng" w="19050">
+                      <a:solidFill>
+                        <a:schemeClr val="dk1"/>
+                      </a:solidFill>
+                      <a:prstDash val="solid"/>
+                      <a:round/>
+                      <a:headEnd len="sm" w="sm" type="none"/>
+                      <a:tailEnd len="sm" w="sm" type="none"/>
+                    </a:lnL>
+                    <a:lnR cap="flat" cmpd="sng" w="19050">
+                      <a:solidFill>
+                        <a:schemeClr val="dk1"/>
+                      </a:solidFill>
+                      <a:prstDash val="solid"/>
+                      <a:round/>
+                      <a:headEnd len="sm" w="sm" type="none"/>
+                      <a:tailEnd len="sm" w="sm" type="none"/>
+                    </a:lnR>
+                    <a:lnT cap="flat" cmpd="sng" w="19050">
+                      <a:solidFill>
+                        <a:schemeClr val="dk1"/>
+                      </a:solidFill>
+                      <a:prstDash val="solid"/>
+                      <a:round/>
+                      <a:headEnd len="sm" w="sm" type="none"/>
+                      <a:tailEnd len="sm" w="sm" type="none"/>
+                    </a:lnT>
+                    <a:lnB cap="flat" cmpd="sng" w="19050">
+                      <a:solidFill>
+                        <a:schemeClr val="dk1"/>
+                      </a:solidFill>
+                      <a:prstDash val="solid"/>
+                      <a:round/>
+                      <a:headEnd len="sm" w="sm" type="none"/>
+                      <a:tailEnd len="sm" w="sm" type="none"/>
+                    </a:lnB>
+                    <a:solidFill>
+                      <a:srgbClr val="CBDFFF"/>
+                    </a:solidFill>
+                  </a:tcPr>
+                </a:tc>
+                <a:tc>
+                  <a:txBody>
+                    <a:bodyPr/>
+                    <a:lstStyle/>
+                    <a:p>
+                      <a:pPr indent="0" lvl="0" marL="0" rtl="0" algn="l">
+                        <a:lnSpc>
+                          <a:spcPct val="80000"/>
+                        </a:lnSpc>
+                        <a:spcBef>
+                          <a:spcPts val="0"/>
+                        </a:spcBef>
+                        <a:spcAft>
+                          <a:spcPts val="0"/>
+                        </a:spcAft>
+                        <a:buNone/>
+                      </a:pPr>
+                      <a:r>
+                        <a:rPr lang="en" sz="2000">
+                          <a:solidFill>
+                            <a:schemeClr val="dk1"/>
+                          </a:solidFill>
+                          <a:latin typeface="Times New Roman"/>
+                          <a:ea typeface="Times New Roman"/>
+                          <a:cs typeface="Times New Roman"/>
+                          <a:sym typeface="Times New Roman"/>
+                        </a:rPr>
+                        <a:t>Number of Trips made </a:t>
+                      </a:r>
+                      <a:endParaRPr sz="2000">
+                        <a:solidFill>
+                          <a:schemeClr val="dk1"/>
+                        </a:solidFill>
+                        <a:latin typeface="Times New Roman"/>
+                        <a:ea typeface="Times New Roman"/>
+                        <a:cs typeface="Times New Roman"/>
+                        <a:sym typeface="Times New Roman"/>
+                      </a:endParaRPr>
+                    </a:p>
+                    <a:p>
+                      <a:pPr indent="0" lvl="0" marL="0" rtl="0" algn="l">
+                        <a:lnSpc>
+                          <a:spcPct val="80000"/>
+                        </a:lnSpc>
+                        <a:spcBef>
+                          <a:spcPts val="0"/>
+                        </a:spcBef>
+                        <a:spcAft>
+                          <a:spcPts val="0"/>
+                        </a:spcAft>
+                        <a:buNone/>
+                      </a:pPr>
+                      <a:r>
+                        <a:rPr lang="en" sz="2000">
+                          <a:solidFill>
+                            <a:schemeClr val="dk1"/>
+                          </a:solidFill>
+                          <a:latin typeface="Times New Roman"/>
+                          <a:ea typeface="Times New Roman"/>
+                          <a:cs typeface="Times New Roman"/>
+                          <a:sym typeface="Times New Roman"/>
+                        </a:rPr>
+                        <a:t>by Subscribers</a:t>
+                      </a:r>
+                      <a:endParaRPr sz="2000">
+                        <a:solidFill>
+                          <a:schemeClr val="dk1"/>
+                        </a:solidFill>
+                        <a:latin typeface="Times New Roman"/>
+                        <a:ea typeface="Times New Roman"/>
+                        <a:cs typeface="Times New Roman"/>
+                        <a:sym typeface="Times New Roman"/>
+                      </a:endParaRPr>
+                    </a:p>
+                  </a:txBody>
+                  <a:tcPr marT="91425" marB="91425" marR="91425" marL="91425" anchor="ctr">
+                    <a:lnL cap="flat" cmpd="sng" w="19050">
+                      <a:solidFill>
+                        <a:schemeClr val="dk1"/>
+                      </a:solidFill>
+                      <a:prstDash val="solid"/>
+                      <a:round/>
+                      <a:headEnd len="sm" w="sm" type="none"/>
+                      <a:tailEnd len="sm" w="sm" type="none"/>
+                    </a:lnL>
+                    <a:lnR cap="flat" cmpd="sng" w="19050">
+                      <a:solidFill>
+                        <a:schemeClr val="dk1"/>
+                      </a:solidFill>
+                      <a:prstDash val="solid"/>
+                      <a:round/>
+                      <a:headEnd len="sm" w="sm" type="none"/>
+                      <a:tailEnd len="sm" w="sm" type="none"/>
+                    </a:lnR>
+                    <a:lnT cap="flat" cmpd="sng" w="19050">
+                      <a:solidFill>
+                        <a:schemeClr val="dk1"/>
+                      </a:solidFill>
+                      <a:prstDash val="solid"/>
+                      <a:round/>
+                      <a:headEnd len="sm" w="sm" type="none"/>
+                      <a:tailEnd len="sm" w="sm" type="none"/>
+                    </a:lnT>
+                    <a:lnB cap="flat" cmpd="sng" w="19050">
+                      <a:solidFill>
+                        <a:schemeClr val="dk1"/>
+                      </a:solidFill>
+                      <a:prstDash val="solid"/>
+                      <a:round/>
+                      <a:headEnd len="sm" w="sm" type="none"/>
+                      <a:tailEnd len="sm" w="sm" type="none"/>
+                    </a:lnB>
+                    <a:solidFill>
+                      <a:srgbClr val="CBDFFF"/>
+                    </a:solidFill>
+                  </a:tcPr>
+                </a:tc>
+                <a:tc>
+                  <a:txBody>
+                    <a:bodyPr/>
+                    <a:lstStyle/>
+                    <a:p>
+                      <a:pPr indent="0" lvl="0" marL="0" rtl="0" algn="l">
+                        <a:lnSpc>
+                          <a:spcPct val="80000"/>
+                        </a:lnSpc>
+                        <a:spcBef>
+                          <a:spcPts val="0"/>
+                        </a:spcBef>
+                        <a:spcAft>
+                          <a:spcPts val="0"/>
+                        </a:spcAft>
+                        <a:buNone/>
+                      </a:pPr>
+                      <a:r>
+                        <a:rPr b="1" lang="en" sz="2000">
+                          <a:solidFill>
+                            <a:schemeClr val="dk1"/>
+                          </a:solidFill>
+                          <a:latin typeface="Times New Roman"/>
+                          <a:ea typeface="Times New Roman"/>
+                          <a:cs typeface="Times New Roman"/>
+                          <a:sym typeface="Times New Roman"/>
+                        </a:rPr>
+                        <a:t>1.296</a:t>
+                      </a:r>
+                      <a:endParaRPr b="1" sz="2000">
+                        <a:solidFill>
+                          <a:schemeClr val="dk1"/>
+                        </a:solidFill>
+                        <a:latin typeface="Times New Roman"/>
+                        <a:ea typeface="Times New Roman"/>
+                        <a:cs typeface="Times New Roman"/>
+                        <a:sym typeface="Times New Roman"/>
+                      </a:endParaRPr>
+                    </a:p>
+                  </a:txBody>
+                  <a:tcPr marT="91425" marB="91425" marR="91425" marL="91425" anchor="ctr">
+                    <a:lnL cap="flat" cmpd="sng" w="19050">
+                      <a:solidFill>
+                        <a:schemeClr val="dk1"/>
+                      </a:solidFill>
+                      <a:prstDash val="solid"/>
+                      <a:round/>
+                      <a:headEnd len="sm" w="sm" type="none"/>
+                      <a:tailEnd len="sm" w="sm" type="none"/>
+                    </a:lnL>
+                    <a:lnR cap="flat" cmpd="sng" w="19050">
+                      <a:solidFill>
+                        <a:schemeClr val="dk1">
+                          <a:alpha val="0"/>
+                        </a:schemeClr>
+                      </a:solidFill>
+                      <a:prstDash val="solid"/>
+                      <a:round/>
+                      <a:headEnd len="sm" w="sm" type="none"/>
+                      <a:tailEnd len="sm" w="sm" type="none"/>
+                    </a:lnR>
+                    <a:lnT cap="flat" cmpd="sng" w="19050">
+                      <a:solidFill>
+                        <a:schemeClr val="dk1"/>
+                      </a:solidFill>
+                      <a:prstDash val="solid"/>
+                      <a:round/>
+                      <a:headEnd len="sm" w="sm" type="none"/>
+                      <a:tailEnd len="sm" w="sm" type="none"/>
+                    </a:lnT>
+                    <a:lnB cap="flat" cmpd="sng" w="19050">
+                      <a:solidFill>
+                        <a:schemeClr val="dk1"/>
+                      </a:solidFill>
+                      <a:prstDash val="solid"/>
+                      <a:round/>
+                      <a:headEnd len="sm" w="sm" type="none"/>
+                      <a:tailEnd len="sm" w="sm" type="none"/>
+                    </a:lnB>
+                    <a:solidFill>
+                      <a:srgbClr val="CBDFFF"/>
+                    </a:solidFill>
+                  </a:tcPr>
+                </a:tc>
+              </a:tr>
+              <a:tr h="381000">
+                <a:tc>
+                  <a:txBody>
+                    <a:bodyPr/>
+                    <a:lstStyle/>
+                    <a:p>
+                      <a:pPr indent="0" lvl="0" marL="0" rtl="0" algn="l">
+                        <a:lnSpc>
+                          <a:spcPct val="80000"/>
+                        </a:lnSpc>
+                        <a:spcBef>
+                          <a:spcPts val="0"/>
+                        </a:spcBef>
+                        <a:spcAft>
+                          <a:spcPts val="0"/>
+                        </a:spcAft>
+                        <a:buClr>
+                          <a:schemeClr val="dk1"/>
+                        </a:buClr>
+                        <a:buSzPts val="1100"/>
+                        <a:buFont typeface="Arial"/>
+                        <a:buNone/>
+                      </a:pPr>
+                      <a:r>
+                        <a:rPr lang="en" sz="2000">
+                          <a:solidFill>
+                            <a:schemeClr val="dk1"/>
+                          </a:solidFill>
+                          <a:latin typeface="Times New Roman"/>
+                          <a:ea typeface="Times New Roman"/>
+                          <a:cs typeface="Times New Roman"/>
+                          <a:sym typeface="Times New Roman"/>
+                        </a:rPr>
+                        <a:t>Municipality - Malden</a:t>
+                      </a:r>
+                      <a:endParaRPr sz="2000">
+                        <a:solidFill>
+                          <a:schemeClr val="dk1"/>
+                        </a:solidFill>
+                        <a:latin typeface="Times New Roman"/>
+                        <a:ea typeface="Times New Roman"/>
+                        <a:cs typeface="Times New Roman"/>
+                        <a:sym typeface="Times New Roman"/>
+                      </a:endParaRPr>
+                    </a:p>
+                  </a:txBody>
+                  <a:tcPr marT="91425" marB="91425" marR="91425" marL="91425" anchor="ctr">
+                    <a:lnL cap="flat" cmpd="sng" w="19050">
+                      <a:solidFill>
+                        <a:schemeClr val="dk1">
+                          <a:alpha val="0"/>
+                        </a:schemeClr>
+                      </a:solidFill>
+                      <a:prstDash val="solid"/>
+                      <a:round/>
+                      <a:headEnd len="sm" w="sm" type="none"/>
+                      <a:tailEnd len="sm" w="sm" type="none"/>
+                    </a:lnL>
+                    <a:lnR cap="flat" cmpd="sng" w="19050">
+                      <a:solidFill>
+                        <a:schemeClr val="dk1"/>
+                      </a:solidFill>
+                      <a:prstDash val="solid"/>
+                      <a:round/>
+                      <a:headEnd len="sm" w="sm" type="none"/>
+                      <a:tailEnd len="sm" w="sm" type="none"/>
+                    </a:lnR>
+                    <a:lnT cap="flat" cmpd="sng" w="19050">
+                      <a:solidFill>
+                        <a:schemeClr val="dk1"/>
+                      </a:solidFill>
+                      <a:prstDash val="solid"/>
+                      <a:round/>
+                      <a:headEnd len="sm" w="sm" type="none"/>
+                      <a:tailEnd len="sm" w="sm" type="none"/>
+                    </a:lnT>
+                    <a:lnB cap="flat" cmpd="sng" w="19050">
+                      <a:solidFill>
+                        <a:schemeClr val="dk1"/>
+                      </a:solidFill>
+                      <a:prstDash val="solid"/>
+                      <a:round/>
+                      <a:headEnd len="sm" w="sm" type="none"/>
+                      <a:tailEnd len="sm" w="sm" type="none"/>
+                    </a:lnB>
+                    <a:solidFill>
+                      <a:srgbClr val="D4D8FF"/>
+                    </a:solidFill>
+                  </a:tcPr>
+                </a:tc>
+                <a:tc>
+                  <a:txBody>
+                    <a:bodyPr/>
+                    <a:lstStyle/>
+                    <a:p>
+                      <a:pPr indent="0" lvl="0" marL="0" rtl="0" algn="l">
+                        <a:lnSpc>
+                          <a:spcPct val="80000"/>
+                        </a:lnSpc>
+                        <a:spcBef>
+                          <a:spcPts val="0"/>
+                        </a:spcBef>
+                        <a:spcAft>
+                          <a:spcPts val="0"/>
+                        </a:spcAft>
+                        <a:buNone/>
+                      </a:pPr>
+                      <a:r>
+                        <a:rPr b="1" lang="en" sz="2000">
+                          <a:solidFill>
+                            <a:schemeClr val="dk1"/>
+                          </a:solidFill>
+                          <a:latin typeface="Times New Roman"/>
+                          <a:ea typeface="Times New Roman"/>
+                          <a:cs typeface="Times New Roman"/>
+                          <a:sym typeface="Times New Roman"/>
+                        </a:rPr>
+                        <a:t>-14.79</a:t>
+                      </a:r>
+                      <a:endParaRPr b="1" sz="2000">
+                        <a:solidFill>
+                          <a:schemeClr val="dk1"/>
+                        </a:solidFill>
+                        <a:latin typeface="Times New Roman"/>
+                        <a:ea typeface="Times New Roman"/>
+                        <a:cs typeface="Times New Roman"/>
+                        <a:sym typeface="Times New Roman"/>
+                      </a:endParaRPr>
+                    </a:p>
+                  </a:txBody>
+                  <a:tcPr marT="91425" marB="91425" marR="91425" marL="91425" anchor="ctr">
+                    <a:lnL cap="flat" cmpd="sng" w="19050">
+                      <a:solidFill>
+                        <a:schemeClr val="dk1"/>
+                      </a:solidFill>
+                      <a:prstDash val="solid"/>
+                      <a:round/>
+                      <a:headEnd len="sm" w="sm" type="none"/>
+                      <a:tailEnd len="sm" w="sm" type="none"/>
+                    </a:lnL>
+                    <a:lnR cap="flat" cmpd="sng" w="19050">
+                      <a:solidFill>
+                        <a:schemeClr val="dk1"/>
+                      </a:solidFill>
+                      <a:prstDash val="solid"/>
+                      <a:round/>
+                      <a:headEnd len="sm" w="sm" type="none"/>
+                      <a:tailEnd len="sm" w="sm" type="none"/>
+                    </a:lnR>
+                    <a:lnT cap="flat" cmpd="sng" w="19050">
+                      <a:solidFill>
+                        <a:schemeClr val="dk1"/>
+                      </a:solidFill>
+                      <a:prstDash val="solid"/>
+                      <a:round/>
+                      <a:headEnd len="sm" w="sm" type="none"/>
+                      <a:tailEnd len="sm" w="sm" type="none"/>
+                    </a:lnT>
+                    <a:lnB cap="flat" cmpd="sng" w="19050">
+                      <a:solidFill>
+                        <a:schemeClr val="dk1"/>
+                      </a:solidFill>
+                      <a:prstDash val="solid"/>
+                      <a:round/>
+                      <a:headEnd len="sm" w="sm" type="none"/>
+                      <a:tailEnd len="sm" w="sm" type="none"/>
+                    </a:lnB>
+                    <a:solidFill>
+                      <a:srgbClr val="D4D8FF"/>
+                    </a:solidFill>
+                  </a:tcPr>
+                </a:tc>
+                <a:tc>
+                  <a:txBody>
+                    <a:bodyPr/>
+                    <a:lstStyle/>
+                    <a:p>
+                      <a:pPr indent="0" lvl="0" marL="0" rtl="0" algn="l">
+                        <a:lnSpc>
+                          <a:spcPct val="80000"/>
+                        </a:lnSpc>
+                        <a:spcBef>
+                          <a:spcPts val="0"/>
+                        </a:spcBef>
+                        <a:spcAft>
+                          <a:spcPts val="0"/>
+                        </a:spcAft>
+                        <a:buNone/>
+                      </a:pPr>
+                      <a:r>
+                        <a:rPr lang="en" sz="2000">
+                          <a:latin typeface="Times New Roman"/>
+                          <a:ea typeface="Times New Roman"/>
+                          <a:cs typeface="Times New Roman"/>
+                          <a:sym typeface="Times New Roman"/>
+                        </a:rPr>
+                        <a:t>Municipality - Brookline</a:t>
+                      </a:r>
+                      <a:endParaRPr sz="2000">
+                        <a:solidFill>
+                          <a:schemeClr val="dk1"/>
+                        </a:solidFill>
+                        <a:latin typeface="Times New Roman"/>
+                        <a:ea typeface="Times New Roman"/>
+                        <a:cs typeface="Times New Roman"/>
+                        <a:sym typeface="Times New Roman"/>
+                      </a:endParaRPr>
+                    </a:p>
+                  </a:txBody>
+                  <a:tcPr marT="91425" marB="91425" marR="91425" marL="91425" anchor="ctr">
+                    <a:lnL cap="flat" cmpd="sng" w="19050">
+                      <a:solidFill>
+                        <a:schemeClr val="dk1"/>
+                      </a:solidFill>
+                      <a:prstDash val="solid"/>
+                      <a:round/>
+                      <a:headEnd len="sm" w="sm" type="none"/>
+                      <a:tailEnd len="sm" w="sm" type="none"/>
+                    </a:lnL>
+                    <a:lnR cap="flat" cmpd="sng" w="19050">
+                      <a:solidFill>
+                        <a:schemeClr val="dk1"/>
+                      </a:solidFill>
+                      <a:prstDash val="solid"/>
+                      <a:round/>
+                      <a:headEnd len="sm" w="sm" type="none"/>
+                      <a:tailEnd len="sm" w="sm" type="none"/>
+                    </a:lnR>
+                    <a:lnT cap="flat" cmpd="sng" w="19050">
+                      <a:solidFill>
+                        <a:schemeClr val="dk1"/>
+                      </a:solidFill>
+                      <a:prstDash val="solid"/>
+                      <a:round/>
+                      <a:headEnd len="sm" w="sm" type="none"/>
+                      <a:tailEnd len="sm" w="sm" type="none"/>
+                    </a:lnT>
+                    <a:lnB cap="flat" cmpd="sng" w="19050">
+                      <a:solidFill>
+                        <a:schemeClr val="dk1"/>
+                      </a:solidFill>
+                      <a:prstDash val="solid"/>
+                      <a:round/>
+                      <a:headEnd len="sm" w="sm" type="none"/>
+                      <a:tailEnd len="sm" w="sm" type="none"/>
+                    </a:lnB>
+                    <a:solidFill>
+                      <a:srgbClr val="CBDFFF"/>
+                    </a:solidFill>
+                  </a:tcPr>
+                </a:tc>
+                <a:tc>
+                  <a:txBody>
+                    <a:bodyPr/>
+                    <a:lstStyle/>
+                    <a:p>
+                      <a:pPr indent="0" lvl="0" marL="0" rtl="0" algn="l">
+                        <a:lnSpc>
+                          <a:spcPct val="80000"/>
+                        </a:lnSpc>
+                        <a:spcBef>
+                          <a:spcPts val="0"/>
+                        </a:spcBef>
+                        <a:spcAft>
+                          <a:spcPts val="0"/>
+                        </a:spcAft>
+                        <a:buNone/>
+                      </a:pPr>
+                      <a:r>
+                        <a:rPr b="1" lang="en" sz="2000">
+                          <a:solidFill>
+                            <a:schemeClr val="dk1"/>
+                          </a:solidFill>
+                          <a:latin typeface="Times New Roman"/>
+                          <a:ea typeface="Times New Roman"/>
+                          <a:cs typeface="Times New Roman"/>
+                          <a:sym typeface="Times New Roman"/>
+                        </a:rPr>
+                        <a:t>8.073</a:t>
+                      </a:r>
+                      <a:endParaRPr b="1" sz="2000">
+                        <a:solidFill>
+                          <a:schemeClr val="dk1"/>
+                        </a:solidFill>
+                        <a:latin typeface="Times New Roman"/>
+                        <a:ea typeface="Times New Roman"/>
+                        <a:cs typeface="Times New Roman"/>
+                        <a:sym typeface="Times New Roman"/>
+                      </a:endParaRPr>
+                    </a:p>
+                  </a:txBody>
+                  <a:tcPr marT="91425" marB="91425" marR="91425" marL="91425" anchor="ctr">
+                    <a:lnL cap="flat" cmpd="sng" w="19050">
+                      <a:solidFill>
+                        <a:schemeClr val="dk1"/>
+                      </a:solidFill>
+                      <a:prstDash val="solid"/>
+                      <a:round/>
+                      <a:headEnd len="sm" w="sm" type="none"/>
+                      <a:tailEnd len="sm" w="sm" type="none"/>
+                    </a:lnL>
+                    <a:lnR cap="flat" cmpd="sng" w="19050">
+                      <a:solidFill>
+                        <a:schemeClr val="dk1"/>
+                      </a:solidFill>
+                      <a:prstDash val="solid"/>
+                      <a:round/>
+                      <a:headEnd len="sm" w="sm" type="none"/>
+                      <a:tailEnd len="sm" w="sm" type="none"/>
+                    </a:lnR>
+                    <a:lnT cap="flat" cmpd="sng" w="19050">
+                      <a:solidFill>
+                        <a:schemeClr val="dk1"/>
+                      </a:solidFill>
+                      <a:prstDash val="solid"/>
+                      <a:round/>
+                      <a:headEnd len="sm" w="sm" type="none"/>
+                      <a:tailEnd len="sm" w="sm" type="none"/>
+                    </a:lnT>
+                    <a:lnB cap="flat" cmpd="sng" w="19050">
+                      <a:solidFill>
+                        <a:schemeClr val="dk1"/>
+                      </a:solidFill>
+                      <a:prstDash val="solid"/>
+                      <a:round/>
+                      <a:headEnd len="sm" w="sm" type="none"/>
+                      <a:tailEnd len="sm" w="sm" type="none"/>
+                    </a:lnB>
+                    <a:solidFill>
+                      <a:srgbClr val="CBDFFF"/>
+                    </a:solidFill>
+                  </a:tcPr>
+                </a:tc>
+                <a:tc>
+                  <a:txBody>
+                    <a:bodyPr/>
+                    <a:lstStyle/>
+                    <a:p>
+                      <a:pPr indent="0" lvl="0" marL="0" rtl="0" algn="l">
+                        <a:spcBef>
+                          <a:spcPts val="0"/>
+                        </a:spcBef>
+                        <a:spcAft>
+                          <a:spcPts val="0"/>
+                        </a:spcAft>
+                        <a:buNone/>
+                      </a:pPr>
+                      <a:r>
+                        <a:t/>
+                      </a:r>
+                      <a:endParaRPr sz="2000"/>
+                    </a:p>
+                  </a:txBody>
+                  <a:tcPr marT="91425" marB="91425" marR="91425" marL="91425" anchor="ctr">
+                    <a:lnL cap="flat" cmpd="sng" w="19050">
+                      <a:solidFill>
+                        <a:schemeClr val="dk1"/>
+                      </a:solidFill>
+                      <a:prstDash val="solid"/>
+                      <a:round/>
+                      <a:headEnd len="sm" w="sm" type="none"/>
+                      <a:tailEnd len="sm" w="sm" type="none"/>
+                    </a:lnL>
+                    <a:lnR cap="flat" cmpd="sng" w="19050">
+                      <a:solidFill>
+                        <a:schemeClr val="dk1"/>
+                      </a:solidFill>
+                      <a:prstDash val="solid"/>
+                      <a:round/>
+                      <a:headEnd len="sm" w="sm" type="none"/>
+                      <a:tailEnd len="sm" w="sm" type="none"/>
+                    </a:lnR>
+                    <a:lnT cap="flat" cmpd="sng" w="19050">
+                      <a:solidFill>
+                        <a:schemeClr val="dk1"/>
+                      </a:solidFill>
+                      <a:prstDash val="solid"/>
+                      <a:round/>
+                      <a:headEnd len="sm" w="sm" type="none"/>
+                      <a:tailEnd len="sm" w="sm" type="none"/>
+                    </a:lnT>
+                    <a:lnB cap="flat" cmpd="sng" w="19050">
+                      <a:solidFill>
+                        <a:schemeClr val="dk1"/>
+                      </a:solidFill>
+                      <a:prstDash val="solid"/>
+                      <a:round/>
+                      <a:headEnd len="sm" w="sm" type="none"/>
+                      <a:tailEnd len="sm" w="sm" type="none"/>
+                    </a:lnB>
+                  </a:tcPr>
+                </a:tc>
+                <a:tc>
+                  <a:txBody>
+                    <a:bodyPr/>
+                    <a:lstStyle/>
+                    <a:p>
+                      <a:pPr indent="0" lvl="0" marL="0" rtl="0" algn="l">
+                        <a:spcBef>
+                          <a:spcPts val="0"/>
+                        </a:spcBef>
+                        <a:spcAft>
+                          <a:spcPts val="0"/>
+                        </a:spcAft>
+                        <a:buNone/>
+                      </a:pPr>
+                      <a:r>
+                        <a:t/>
+                      </a:r>
+                      <a:endParaRPr sz="2000"/>
+                    </a:p>
+                  </a:txBody>
+                  <a:tcPr marT="91425" marB="91425" marR="91425" marL="91425" anchor="ctr">
+                    <a:lnL cap="flat" cmpd="sng" w="19050">
+                      <a:solidFill>
+                        <a:schemeClr val="dk1"/>
+                      </a:solidFill>
+                      <a:prstDash val="solid"/>
+                      <a:round/>
+                      <a:headEnd len="sm" w="sm" type="none"/>
+                      <a:tailEnd len="sm" w="sm" type="none"/>
+                    </a:lnL>
+                    <a:lnR cap="flat" cmpd="sng" w="19050">
+                      <a:solidFill>
+                        <a:schemeClr val="dk1">
+                          <a:alpha val="0"/>
+                        </a:schemeClr>
+                      </a:solidFill>
+                      <a:prstDash val="solid"/>
+                      <a:round/>
+                      <a:headEnd len="sm" w="sm" type="none"/>
+                      <a:tailEnd len="sm" w="sm" type="none"/>
+                    </a:lnR>
+                    <a:lnT cap="flat" cmpd="sng" w="19050">
+                      <a:solidFill>
+                        <a:schemeClr val="dk1"/>
+                      </a:solidFill>
+                      <a:prstDash val="solid"/>
+                      <a:round/>
+                      <a:headEnd len="sm" w="sm" type="none"/>
+                      <a:tailEnd len="sm" w="sm" type="none"/>
+                    </a:lnT>
+                    <a:lnB cap="flat" cmpd="sng" w="19050">
+                      <a:solidFill>
+                        <a:schemeClr val="dk1"/>
+                      </a:solidFill>
+                      <a:prstDash val="solid"/>
+                      <a:round/>
+                      <a:headEnd len="sm" w="sm" type="none"/>
+                      <a:tailEnd len="sm" w="sm" type="none"/>
+                    </a:lnB>
+                  </a:tcPr>
+                </a:tc>
+              </a:tr>
+              <a:tr h="381000">
+                <a:tc>
+                  <a:txBody>
+                    <a:bodyPr/>
+                    <a:lstStyle/>
+                    <a:p>
+                      <a:pPr indent="0" lvl="0" marL="0" rtl="0" algn="l">
+                        <a:lnSpc>
+                          <a:spcPct val="80000"/>
+                        </a:lnSpc>
+                        <a:spcBef>
+                          <a:spcPts val="0"/>
+                        </a:spcBef>
+                        <a:spcAft>
+                          <a:spcPts val="0"/>
+                        </a:spcAft>
+                        <a:buNone/>
+                      </a:pPr>
+                      <a:r>
+                        <a:rPr lang="en" sz="2000">
+                          <a:solidFill>
+                            <a:schemeClr val="dk1"/>
+                          </a:solidFill>
+                          <a:latin typeface="Times New Roman"/>
+                          <a:ea typeface="Times New Roman"/>
+                          <a:cs typeface="Times New Roman"/>
+                          <a:sym typeface="Times New Roman"/>
+                        </a:rPr>
+                        <a:t>Municipality - Medford</a:t>
+                      </a:r>
+                      <a:endParaRPr sz="2000">
+                        <a:solidFill>
+                          <a:schemeClr val="dk1"/>
+                        </a:solidFill>
+                        <a:latin typeface="Times New Roman"/>
+                        <a:ea typeface="Times New Roman"/>
+                        <a:cs typeface="Times New Roman"/>
+                        <a:sym typeface="Times New Roman"/>
+                      </a:endParaRPr>
+                    </a:p>
+                  </a:txBody>
+                  <a:tcPr marT="91425" marB="91425" marR="91425" marL="91425" anchor="ctr">
+                    <a:lnL cap="flat" cmpd="sng" w="19050">
+                      <a:solidFill>
+                        <a:schemeClr val="dk1">
+                          <a:alpha val="0"/>
+                        </a:schemeClr>
+                      </a:solidFill>
+                      <a:prstDash val="solid"/>
+                      <a:round/>
+                      <a:headEnd len="sm" w="sm" type="none"/>
+                      <a:tailEnd len="sm" w="sm" type="none"/>
+                    </a:lnL>
+                    <a:lnR cap="flat" cmpd="sng" w="19050">
+                      <a:solidFill>
+                        <a:schemeClr val="dk1"/>
+                      </a:solidFill>
+                      <a:prstDash val="solid"/>
+                      <a:round/>
+                      <a:headEnd len="sm" w="sm" type="none"/>
+                      <a:tailEnd len="sm" w="sm" type="none"/>
+                    </a:lnR>
+                    <a:lnT cap="flat" cmpd="sng" w="19050">
+                      <a:solidFill>
+                        <a:schemeClr val="dk1"/>
+                      </a:solidFill>
+                      <a:prstDash val="solid"/>
+                      <a:round/>
+                      <a:headEnd len="sm" w="sm" type="none"/>
+                      <a:tailEnd len="sm" w="sm" type="none"/>
+                    </a:lnT>
+                    <a:lnB cap="flat" cmpd="sng" w="19050">
+                      <a:solidFill>
+                        <a:schemeClr val="dk1"/>
+                      </a:solidFill>
+                      <a:prstDash val="solid"/>
+                      <a:round/>
+                      <a:headEnd len="sm" w="sm" type="none"/>
+                      <a:tailEnd len="sm" w="sm" type="none"/>
+                    </a:lnB>
+                    <a:solidFill>
+                      <a:srgbClr val="D4D8FF"/>
+                    </a:solidFill>
+                  </a:tcPr>
+                </a:tc>
+                <a:tc>
+                  <a:txBody>
+                    <a:bodyPr/>
+                    <a:lstStyle/>
+                    <a:p>
+                      <a:pPr indent="0" lvl="0" marL="0" rtl="0" algn="l">
+                        <a:lnSpc>
+                          <a:spcPct val="80000"/>
+                        </a:lnSpc>
+                        <a:spcBef>
+                          <a:spcPts val="0"/>
+                        </a:spcBef>
+                        <a:spcAft>
+                          <a:spcPts val="0"/>
+                        </a:spcAft>
+                        <a:buNone/>
+                      </a:pPr>
+                      <a:r>
+                        <a:rPr b="1" lang="en" sz="2000">
+                          <a:solidFill>
+                            <a:schemeClr val="dk1"/>
+                          </a:solidFill>
+                          <a:latin typeface="Times New Roman"/>
+                          <a:ea typeface="Times New Roman"/>
+                          <a:cs typeface="Times New Roman"/>
+                          <a:sym typeface="Times New Roman"/>
+                        </a:rPr>
+                        <a:t>-8.434</a:t>
+                      </a:r>
+                      <a:endParaRPr b="1" sz="2000">
+                        <a:solidFill>
+                          <a:schemeClr val="dk1"/>
+                        </a:solidFill>
+                        <a:latin typeface="Times New Roman"/>
+                        <a:ea typeface="Times New Roman"/>
+                        <a:cs typeface="Times New Roman"/>
+                        <a:sym typeface="Times New Roman"/>
+                      </a:endParaRPr>
+                    </a:p>
+                  </a:txBody>
+                  <a:tcPr marT="91425" marB="91425" marR="91425" marL="91425" anchor="ctr">
+                    <a:lnL cap="flat" cmpd="sng" w="19050">
+                      <a:solidFill>
+                        <a:schemeClr val="dk1"/>
+                      </a:solidFill>
+                      <a:prstDash val="solid"/>
+                      <a:round/>
+                      <a:headEnd len="sm" w="sm" type="none"/>
+                      <a:tailEnd len="sm" w="sm" type="none"/>
+                    </a:lnL>
+                    <a:lnR cap="flat" cmpd="sng" w="19050">
+                      <a:solidFill>
+                        <a:schemeClr val="dk1"/>
+                      </a:solidFill>
+                      <a:prstDash val="solid"/>
+                      <a:round/>
+                      <a:headEnd len="sm" w="sm" type="none"/>
+                      <a:tailEnd len="sm" w="sm" type="none"/>
+                    </a:lnR>
+                    <a:lnT cap="flat" cmpd="sng" w="19050">
+                      <a:solidFill>
+                        <a:schemeClr val="dk1"/>
+                      </a:solidFill>
+                      <a:prstDash val="solid"/>
+                      <a:round/>
+                      <a:headEnd len="sm" w="sm" type="none"/>
+                      <a:tailEnd len="sm" w="sm" type="none"/>
+                    </a:lnT>
+                    <a:lnB cap="flat" cmpd="sng" w="19050">
+                      <a:solidFill>
+                        <a:schemeClr val="dk1"/>
+                      </a:solidFill>
+                      <a:prstDash val="solid"/>
+                      <a:round/>
+                      <a:headEnd len="sm" w="sm" type="none"/>
+                      <a:tailEnd len="sm" w="sm" type="none"/>
+                    </a:lnB>
+                    <a:solidFill>
+                      <a:srgbClr val="D4D8FF"/>
+                    </a:solidFill>
+                  </a:tcPr>
+                </a:tc>
+                <a:tc>
+                  <a:txBody>
+                    <a:bodyPr/>
+                    <a:lstStyle/>
+                    <a:p>
+                      <a:pPr indent="0" lvl="0" marL="0" rtl="0" algn="l">
+                        <a:lnSpc>
+                          <a:spcPct val="80000"/>
+                        </a:lnSpc>
+                        <a:spcBef>
+                          <a:spcPts val="0"/>
+                        </a:spcBef>
+                        <a:spcAft>
+                          <a:spcPts val="0"/>
+                        </a:spcAft>
+                        <a:buNone/>
+                      </a:pPr>
+                      <a:r>
+                        <a:rPr lang="en" sz="2000">
+                          <a:latin typeface="Times New Roman"/>
+                          <a:ea typeface="Times New Roman"/>
+                          <a:cs typeface="Times New Roman"/>
+                          <a:sym typeface="Times New Roman"/>
+                        </a:rPr>
+                        <a:t>Municipality - Newton</a:t>
+                      </a:r>
+                      <a:endParaRPr sz="2000">
+                        <a:solidFill>
+                          <a:schemeClr val="dk1"/>
+                        </a:solidFill>
+                        <a:latin typeface="Times New Roman"/>
+                        <a:ea typeface="Times New Roman"/>
+                        <a:cs typeface="Times New Roman"/>
+                        <a:sym typeface="Times New Roman"/>
+                      </a:endParaRPr>
+                    </a:p>
+                  </a:txBody>
+                  <a:tcPr marT="91425" marB="91425" marR="91425" marL="91425" anchor="ctr">
+                    <a:lnL cap="flat" cmpd="sng" w="19050">
+                      <a:solidFill>
+                        <a:schemeClr val="dk1"/>
+                      </a:solidFill>
+                      <a:prstDash val="solid"/>
+                      <a:round/>
+                      <a:headEnd len="sm" w="sm" type="none"/>
+                      <a:tailEnd len="sm" w="sm" type="none"/>
+                    </a:lnL>
+                    <a:lnR cap="flat" cmpd="sng" w="19050">
+                      <a:solidFill>
+                        <a:schemeClr val="dk1"/>
+                      </a:solidFill>
+                      <a:prstDash val="solid"/>
+                      <a:round/>
+                      <a:headEnd len="sm" w="sm" type="none"/>
+                      <a:tailEnd len="sm" w="sm" type="none"/>
+                    </a:lnR>
+                    <a:lnT cap="flat" cmpd="sng" w="19050">
+                      <a:solidFill>
+                        <a:schemeClr val="dk1"/>
+                      </a:solidFill>
+                      <a:prstDash val="solid"/>
+                      <a:round/>
+                      <a:headEnd len="sm" w="sm" type="none"/>
+                      <a:tailEnd len="sm" w="sm" type="none"/>
+                    </a:lnT>
+                    <a:lnB cap="flat" cmpd="sng" w="19050">
+                      <a:solidFill>
+                        <a:schemeClr val="dk1"/>
+                      </a:solidFill>
+                      <a:prstDash val="solid"/>
+                      <a:round/>
+                      <a:headEnd len="sm" w="sm" type="none"/>
+                      <a:tailEnd len="sm" w="sm" type="none"/>
+                    </a:lnB>
+                    <a:solidFill>
+                      <a:srgbClr val="CBDFFF"/>
+                    </a:solidFill>
+                  </a:tcPr>
+                </a:tc>
+                <a:tc>
+                  <a:txBody>
+                    <a:bodyPr/>
+                    <a:lstStyle/>
+                    <a:p>
+                      <a:pPr indent="0" lvl="0" marL="0" rtl="0" algn="l">
+                        <a:lnSpc>
+                          <a:spcPct val="80000"/>
+                        </a:lnSpc>
+                        <a:spcBef>
+                          <a:spcPts val="0"/>
+                        </a:spcBef>
+                        <a:spcAft>
+                          <a:spcPts val="0"/>
+                        </a:spcAft>
+                        <a:buNone/>
+                      </a:pPr>
+                      <a:r>
+                        <a:rPr b="1" lang="en" sz="2000">
+                          <a:solidFill>
+                            <a:schemeClr val="dk1"/>
+                          </a:solidFill>
+                          <a:latin typeface="Times New Roman"/>
+                          <a:ea typeface="Times New Roman"/>
+                          <a:cs typeface="Times New Roman"/>
+                          <a:sym typeface="Times New Roman"/>
+                        </a:rPr>
+                        <a:t>10.74</a:t>
+                      </a:r>
+                      <a:endParaRPr b="1" sz="2000">
+                        <a:solidFill>
+                          <a:schemeClr val="dk1"/>
+                        </a:solidFill>
+                        <a:latin typeface="Times New Roman"/>
+                        <a:ea typeface="Times New Roman"/>
+                        <a:cs typeface="Times New Roman"/>
+                        <a:sym typeface="Times New Roman"/>
+                      </a:endParaRPr>
+                    </a:p>
+                  </a:txBody>
+                  <a:tcPr marT="91425" marB="91425" marR="91425" marL="91425" anchor="ctr">
+                    <a:lnL cap="flat" cmpd="sng" w="19050">
+                      <a:solidFill>
+                        <a:schemeClr val="dk1"/>
+                      </a:solidFill>
+                      <a:prstDash val="solid"/>
+                      <a:round/>
+                      <a:headEnd len="sm" w="sm" type="none"/>
+                      <a:tailEnd len="sm" w="sm" type="none"/>
+                    </a:lnL>
+                    <a:lnR cap="flat" cmpd="sng" w="19050">
+                      <a:solidFill>
+                        <a:schemeClr val="dk1"/>
+                      </a:solidFill>
+                      <a:prstDash val="solid"/>
+                      <a:round/>
+                      <a:headEnd len="sm" w="sm" type="none"/>
+                      <a:tailEnd len="sm" w="sm" type="none"/>
+                    </a:lnR>
+                    <a:lnT cap="flat" cmpd="sng" w="19050">
+                      <a:solidFill>
+                        <a:schemeClr val="dk1"/>
+                      </a:solidFill>
+                      <a:prstDash val="solid"/>
+                      <a:round/>
+                      <a:headEnd len="sm" w="sm" type="none"/>
+                      <a:tailEnd len="sm" w="sm" type="none"/>
+                    </a:lnT>
+                    <a:lnB cap="flat" cmpd="sng" w="19050">
+                      <a:solidFill>
+                        <a:schemeClr val="dk1"/>
+                      </a:solidFill>
+                      <a:prstDash val="solid"/>
+                      <a:round/>
+                      <a:headEnd len="sm" w="sm" type="none"/>
+                      <a:tailEnd len="sm" w="sm" type="none"/>
+                    </a:lnB>
+                    <a:solidFill>
+                      <a:srgbClr val="CBDFFF"/>
+                    </a:solidFill>
+                  </a:tcPr>
+                </a:tc>
+                <a:tc>
+                  <a:txBody>
+                    <a:bodyPr/>
+                    <a:lstStyle/>
+                    <a:p>
+                      <a:pPr indent="0" lvl="0" marL="0" rtl="0" algn="l">
+                        <a:spcBef>
+                          <a:spcPts val="0"/>
+                        </a:spcBef>
+                        <a:spcAft>
+                          <a:spcPts val="0"/>
+                        </a:spcAft>
+                        <a:buNone/>
+                      </a:pPr>
+                      <a:r>
+                        <a:t/>
+                      </a:r>
+                      <a:endParaRPr sz="2000"/>
+                    </a:p>
+                  </a:txBody>
+                  <a:tcPr marT="91425" marB="91425" marR="91425" marL="91425" anchor="ctr">
+                    <a:lnL cap="flat" cmpd="sng" w="19050">
+                      <a:solidFill>
+                        <a:schemeClr val="dk1"/>
+                      </a:solidFill>
+                      <a:prstDash val="solid"/>
+                      <a:round/>
+                      <a:headEnd len="sm" w="sm" type="none"/>
+                      <a:tailEnd len="sm" w="sm" type="none"/>
+                    </a:lnL>
+                    <a:lnR cap="flat" cmpd="sng" w="19050">
+                      <a:solidFill>
+                        <a:schemeClr val="dk1"/>
+                      </a:solidFill>
+                      <a:prstDash val="solid"/>
+                      <a:round/>
+                      <a:headEnd len="sm" w="sm" type="none"/>
+                      <a:tailEnd len="sm" w="sm" type="none"/>
+                    </a:lnR>
+                    <a:lnT cap="flat" cmpd="sng" w="19050">
+                      <a:solidFill>
+                        <a:schemeClr val="dk1"/>
+                      </a:solidFill>
+                      <a:prstDash val="solid"/>
+                      <a:round/>
+                      <a:headEnd len="sm" w="sm" type="none"/>
+                      <a:tailEnd len="sm" w="sm" type="none"/>
+                    </a:lnT>
+                    <a:lnB cap="flat" cmpd="sng" w="19050">
+                      <a:solidFill>
+                        <a:schemeClr val="dk1"/>
+                      </a:solidFill>
+                      <a:prstDash val="solid"/>
+                      <a:round/>
+                      <a:headEnd len="sm" w="sm" type="none"/>
+                      <a:tailEnd len="sm" w="sm" type="none"/>
+                    </a:lnB>
+                  </a:tcPr>
+                </a:tc>
+                <a:tc>
+                  <a:txBody>
+                    <a:bodyPr/>
+                    <a:lstStyle/>
+                    <a:p>
+                      <a:pPr indent="0" lvl="0" marL="0" rtl="0" algn="l">
+                        <a:spcBef>
+                          <a:spcPts val="0"/>
+                        </a:spcBef>
+                        <a:spcAft>
+                          <a:spcPts val="0"/>
+                        </a:spcAft>
+                        <a:buNone/>
+                      </a:pPr>
+                      <a:r>
+                        <a:t/>
+                      </a:r>
+                      <a:endParaRPr sz="2000"/>
+                    </a:p>
+                  </a:txBody>
+                  <a:tcPr marT="91425" marB="91425" marR="91425" marL="91425" anchor="ctr">
+                    <a:lnL cap="flat" cmpd="sng" w="19050">
+                      <a:solidFill>
+                        <a:schemeClr val="dk1"/>
+                      </a:solidFill>
+                      <a:prstDash val="solid"/>
+                      <a:round/>
+                      <a:headEnd len="sm" w="sm" type="none"/>
+                      <a:tailEnd len="sm" w="sm" type="none"/>
+                    </a:lnL>
+                    <a:lnR cap="flat" cmpd="sng" w="19050">
+                      <a:solidFill>
+                        <a:schemeClr val="dk1">
+                          <a:alpha val="0"/>
+                        </a:schemeClr>
+                      </a:solidFill>
+                      <a:prstDash val="solid"/>
+                      <a:round/>
+                      <a:headEnd len="sm" w="sm" type="none"/>
+                      <a:tailEnd len="sm" w="sm" type="none"/>
+                    </a:lnR>
+                    <a:lnT cap="flat" cmpd="sng" w="19050">
+                      <a:solidFill>
+                        <a:schemeClr val="dk1"/>
+                      </a:solidFill>
+                      <a:prstDash val="solid"/>
+                      <a:round/>
+                      <a:headEnd len="sm" w="sm" type="none"/>
+                      <a:tailEnd len="sm" w="sm" type="none"/>
+                    </a:lnT>
+                    <a:lnB cap="flat" cmpd="sng" w="19050">
+                      <a:solidFill>
+                        <a:schemeClr val="dk1"/>
+                      </a:solidFill>
+                      <a:prstDash val="solid"/>
+                      <a:round/>
+                      <a:headEnd len="sm" w="sm" type="none"/>
+                      <a:tailEnd len="sm" w="sm" type="none"/>
+                    </a:lnB>
+                  </a:tcPr>
+                </a:tc>
+              </a:tr>
+            </a:tbl>
+          </a:graphicData>
+        </a:graphic>
+      </p:graphicFrame>
+      <p:pic>
+        <p:nvPicPr>
+          <p:cNvPr id="82" name="Google Shape;82;p13"/>
+          <p:cNvPicPr preferRelativeResize="0"/>
+          <p:nvPr/>
+        </p:nvPicPr>
+        <p:blipFill rotWithShape="1">
+          <a:blip r:embed="rId5">
+            <a:alphaModFix/>
+          </a:blip>
+          <a:srcRect b="4443" l="0" r="0" t="0"/>
+          <a:stretch/>
+        </p:blipFill>
+        <p:spPr>
+          <a:xfrm>
+            <a:off x="12283750" y="8144249"/>
+            <a:ext cx="8939923" cy="3009900"/>
+          </a:xfrm>
+          <a:prstGeom prst="rect">
+            <a:avLst/>
+          </a:prstGeom>
+          <a:noFill/>
+          <a:ln>
+            <a:noFill/>
+          </a:ln>
+        </p:spPr>
+      </p:pic>
       <p:sp>
         <p:nvSpPr>
-          <p:cNvPr id="76" name="Google Shape;76;p13"/>
+          <p:cNvPr id="83" name="Google Shape;83;p13"/>
           <p:cNvSpPr txBox="1"/>
           <p:nvPr/>
         </p:nvSpPr>
         <p:spPr>
           <a:xfrm>
-            <a:off x="432300" y="20976650"/>
-            <a:ext cx="11430000" cy="742800"/>
+            <a:off x="12303125" y="18074078"/>
+            <a:ext cx="14771700" cy="794100"/>
           </a:xfrm>
           <a:prstGeom prst="rect">
             <a:avLst/>
@@ -7240,7 +14599,7 @@
           </a:ln>
         </p:spPr>
         <p:txBody>
-          <a:bodyPr anchorCtr="0" anchor="t" bIns="91425" lIns="91425" spcFirstLastPara="1" rIns="91425" wrap="square" tIns="91425">
+          <a:bodyPr anchorCtr="0" anchor="ctr" bIns="91425" lIns="91425" spcFirstLastPara="1" rIns="91425" wrap="square" tIns="91425">
             <a:noAutofit/>
           </a:bodyPr>
           <a:lstStyle/>
@@ -7255,49 +14614,41 @@
               <a:buNone/>
             </a:pPr>
             <a:r>
-              <a:rPr lang="en" sz="2300">
+              <a:rPr b="1" i="1" lang="en" sz="2200">
                 <a:solidFill>
                   <a:schemeClr val="dk1"/>
                 </a:solidFill>
+                <a:latin typeface="Times New Roman"/>
+                <a:ea typeface="Times New Roman"/>
+                <a:cs typeface="Times New Roman"/>
+                <a:sym typeface="Times New Roman"/>
               </a:rPr>
-              <a:t>Figure 1: Heatmap of the number of trips by hour of the day by user type (subscriber vs. non-subscriber)</a:t>
+              <a:t>Table 2:</a:t>
             </a:r>
-            <a:endParaRPr sz="2300">
+            <a:r>
+              <a:rPr i="1" lang="en" sz="2200">
+                <a:solidFill>
+                  <a:schemeClr val="dk1"/>
+                </a:solidFill>
+                <a:latin typeface="Times New Roman"/>
+                <a:ea typeface="Times New Roman"/>
+                <a:cs typeface="Times New Roman"/>
+                <a:sym typeface="Times New Roman"/>
+              </a:rPr>
+              <a:t> Table of my final model’s predictors and coefficients. Positive coefficients are highlighted in blue, and negative coefficients are highlighted.</a:t>
+            </a:r>
+            <a:endParaRPr i="1" sz="2200">
               <a:solidFill>
                 <a:schemeClr val="dk1"/>
               </a:solidFill>
+              <a:latin typeface="Times New Roman"/>
+              <a:ea typeface="Times New Roman"/>
+              <a:cs typeface="Times New Roman"/>
+              <a:sym typeface="Times New Roman"/>
             </a:endParaRPr>
           </a:p>
         </p:txBody>
       </p:sp>
-      <p:pic>
-        <p:nvPicPr>
-          <p:cNvPr id="77" name="Google Shape;77;p13" title="Screenshot 2025-04-09 at 11.08.17 PM.png"/>
-          <p:cNvPicPr preferRelativeResize="0"/>
-          <p:nvPr/>
-        </p:nvPicPr>
-        <p:blipFill>
-          <a:blip r:embed="rId7">
-            <a:alphaModFix/>
-          </a:blip>
-          <a:stretch>
-            <a:fillRect/>
-          </a:stretch>
-        </p:blipFill>
-        <p:spPr>
-          <a:xfrm>
-            <a:off x="12656163" y="11174850"/>
-            <a:ext cx="14095124" cy="3470000"/>
-          </a:xfrm>
-          <a:prstGeom prst="rect">
-            <a:avLst/>
-          </a:prstGeom>
-          <a:noFill/>
-          <a:ln>
-            <a:noFill/>
-          </a:ln>
-        </p:spPr>
-      </p:pic>
     </p:spTree>
   </p:cSld>
   <p:clrMapOvr>
